--- a/sessions/week1/slides.pptx
+++ b/sessions/week1/slides.pptx
@@ -5,31 +5,32 @@
     <p:sldMasterId id="2147483648" r:id="rId1"/>
   </p:sldMasterIdLst>
   <p:notesMasterIdLst>
-    <p:notesMasterId r:id="rId21"/>
+    <p:notesMasterId r:id="rId22"/>
   </p:notesMasterIdLst>
   <p:handoutMasterIdLst>
-    <p:handoutMasterId r:id="rId22"/>
+    <p:handoutMasterId r:id="rId23"/>
   </p:handoutMasterIdLst>
   <p:sldIdLst>
     <p:sldId id="265" r:id="rId2"/>
-    <p:sldId id="306" r:id="rId3"/>
-    <p:sldId id="282" r:id="rId4"/>
-    <p:sldId id="307" r:id="rId5"/>
-    <p:sldId id="316" r:id="rId6"/>
-    <p:sldId id="281" r:id="rId7"/>
-    <p:sldId id="296" r:id="rId8"/>
-    <p:sldId id="298" r:id="rId9"/>
-    <p:sldId id="308" r:id="rId10"/>
-    <p:sldId id="309" r:id="rId11"/>
-    <p:sldId id="310" r:id="rId12"/>
-    <p:sldId id="300" r:id="rId13"/>
-    <p:sldId id="286" r:id="rId14"/>
-    <p:sldId id="287" r:id="rId15"/>
-    <p:sldId id="294" r:id="rId16"/>
-    <p:sldId id="305" r:id="rId17"/>
-    <p:sldId id="301" r:id="rId18"/>
-    <p:sldId id="266" r:id="rId19"/>
-    <p:sldId id="315" r:id="rId20"/>
+    <p:sldId id="317" r:id="rId3"/>
+    <p:sldId id="306" r:id="rId4"/>
+    <p:sldId id="282" r:id="rId5"/>
+    <p:sldId id="307" r:id="rId6"/>
+    <p:sldId id="316" r:id="rId7"/>
+    <p:sldId id="281" r:id="rId8"/>
+    <p:sldId id="296" r:id="rId9"/>
+    <p:sldId id="298" r:id="rId10"/>
+    <p:sldId id="308" r:id="rId11"/>
+    <p:sldId id="309" r:id="rId12"/>
+    <p:sldId id="310" r:id="rId13"/>
+    <p:sldId id="300" r:id="rId14"/>
+    <p:sldId id="286" r:id="rId15"/>
+    <p:sldId id="287" r:id="rId16"/>
+    <p:sldId id="294" r:id="rId17"/>
+    <p:sldId id="305" r:id="rId18"/>
+    <p:sldId id="301" r:id="rId19"/>
+    <p:sldId id="266" r:id="rId20"/>
+    <p:sldId id="315" r:id="rId21"/>
   </p:sldIdLst>
   <p:sldSz cx="9144000" cy="6858000" type="screen4x3"/>
   <p:notesSz cx="6781800" cy="9926638"/>
@@ -1053,7 +1054,7 @@
             <a:fld id="{CFF5450F-A3EF-4057-87A9-6172334CC88F}" type="slidenum">
               <a:rPr lang="en-GB" smtClean="0"/>
               <a:pPr/>
-              <a:t>10</a:t>
+              <a:t>11</a:t>
             </a:fld>
             <a:endParaRPr lang="en-GB" smtClean="0"/>
           </a:p>
@@ -1157,7 +1158,7 @@
             <a:fld id="{95F9670F-0C69-454F-A8ED-CC08BD1E5A6B}" type="slidenum">
               <a:rPr lang="en-GB" smtClean="0"/>
               <a:pPr/>
-              <a:t>11</a:t>
+              <a:t>12</a:t>
             </a:fld>
             <a:endParaRPr lang="en-GB" smtClean="0"/>
           </a:p>
@@ -1261,7 +1262,7 @@
             <a:fld id="{861127C5-50DC-40AF-92FD-231644126025}" type="slidenum">
               <a:rPr lang="en-GB" smtClean="0"/>
               <a:pPr/>
-              <a:t>12</a:t>
+              <a:t>13</a:t>
             </a:fld>
             <a:endParaRPr lang="en-GB" smtClean="0"/>
           </a:p>
@@ -1322,7 +1323,7 @@
             <a:fld id="{1DC1DAAA-B61E-4B13-A3CA-5F53EA3A7023}" type="slidenum">
               <a:rPr lang="en-US" altLang="zh-CN" smtClean="0"/>
               <a:pPr/>
-              <a:t>13</a:t>
+              <a:t>14</a:t>
             </a:fld>
             <a:endParaRPr lang="en-US" altLang="zh-CN" smtClean="0"/>
           </a:p>
@@ -1502,7 +1503,7 @@
             <a:fld id="{965B33FB-F30F-401F-8A87-F4FF129CBD0D}" type="slidenum">
               <a:rPr lang="en-GB" smtClean="0"/>
               <a:pPr/>
-              <a:t>14</a:t>
+              <a:t>15</a:t>
             </a:fld>
             <a:endParaRPr lang="en-GB" smtClean="0"/>
           </a:p>
@@ -1609,7 +1610,7 @@
             <a:fld id="{D2267919-C7B6-4CA8-9A49-DC9C37204E69}" type="slidenum">
               <a:rPr lang="en-GB" smtClean="0"/>
               <a:pPr/>
-              <a:t>15</a:t>
+              <a:t>16</a:t>
             </a:fld>
             <a:endParaRPr lang="en-GB" smtClean="0"/>
           </a:p>
@@ -1737,7 +1738,7 @@
             <a:fld id="{54E40160-C7A8-4B38-9F96-A2AAEBCE7093}" type="slidenum">
               <a:rPr lang="en-GB" smtClean="0"/>
               <a:pPr/>
-              <a:t>16</a:t>
+              <a:t>17</a:t>
             </a:fld>
             <a:endParaRPr lang="en-GB" smtClean="0"/>
           </a:p>
@@ -1841,7 +1842,7 @@
             <a:fld id="{F1CC1756-0B1C-4B73-80EA-635050A30487}" type="slidenum">
               <a:rPr lang="en-GB" smtClean="0"/>
               <a:pPr/>
-              <a:t>17</a:t>
+              <a:t>18</a:t>
             </a:fld>
             <a:endParaRPr lang="en-GB" smtClean="0"/>
           </a:p>
@@ -1945,7 +1946,7 @@
             <a:fld id="{C6BCE373-5B11-4E85-BC29-811EA1E107FB}" type="slidenum">
               <a:rPr lang="en-GB" smtClean="0"/>
               <a:pPr/>
-              <a:t>18</a:t>
+              <a:t>19</a:t>
             </a:fld>
             <a:endParaRPr lang="en-GB" smtClean="0"/>
           </a:p>
@@ -2049,7 +2050,7 @@
             <a:fld id="{075A1BE3-65F8-41FB-A37C-97438561E47D}" type="slidenum">
               <a:rPr lang="en-GB" smtClean="0"/>
               <a:pPr/>
-              <a:t>19</a:t>
+              <a:t>20</a:t>
             </a:fld>
             <a:endParaRPr lang="en-GB" smtClean="0"/>
           </a:p>
@@ -2153,7 +2154,7 @@
             <a:fld id="{5457D2E8-E502-42FC-8041-4E5697E5807E}" type="slidenum">
               <a:rPr lang="en-GB" smtClean="0"/>
               <a:pPr/>
-              <a:t>2</a:t>
+              <a:t>3</a:t>
             </a:fld>
             <a:endParaRPr lang="en-GB" smtClean="0"/>
           </a:p>
@@ -2257,7 +2258,7 @@
             <a:fld id="{7E38EC94-2EE5-49CC-83FF-7664353A1071}" type="slidenum">
               <a:rPr lang="en-GB" smtClean="0"/>
               <a:pPr/>
-              <a:t>3</a:t>
+              <a:t>4</a:t>
             </a:fld>
             <a:endParaRPr lang="en-GB" smtClean="0"/>
           </a:p>
@@ -2361,7 +2362,7 @@
             <a:fld id="{6C588666-2FA9-4EF9-A6A2-A724689BE486}" type="slidenum">
               <a:rPr lang="en-GB" smtClean="0"/>
               <a:pPr/>
-              <a:t>4</a:t>
+              <a:t>5</a:t>
             </a:fld>
             <a:endParaRPr lang="en-GB" smtClean="0"/>
           </a:p>
@@ -2465,7 +2466,7 @@
             <a:fld id="{6C588666-2FA9-4EF9-A6A2-A724689BE486}" type="slidenum">
               <a:rPr lang="en-GB" smtClean="0"/>
               <a:pPr/>
-              <a:t>5</a:t>
+              <a:t>6</a:t>
             </a:fld>
             <a:endParaRPr lang="en-GB" smtClean="0"/>
           </a:p>
@@ -2526,7 +2527,7 @@
             <a:fld id="{96104FE3-68E9-47DA-8F10-572B1A92EF17}" type="slidenum">
               <a:rPr lang="en-GB" smtClean="0"/>
               <a:pPr/>
-              <a:t>6</a:t>
+              <a:t>7</a:t>
             </a:fld>
             <a:endParaRPr lang="en-GB" smtClean="0"/>
           </a:p>
@@ -2713,7 +2714,7 @@
             <a:fld id="{8E26BE78-D965-4202-B88B-ED3FE03F33D3}" type="slidenum">
               <a:rPr lang="en-GB" smtClean="0"/>
               <a:pPr/>
-              <a:t>7</a:t>
+              <a:t>8</a:t>
             </a:fld>
             <a:endParaRPr lang="en-GB" smtClean="0"/>
           </a:p>
@@ -2841,7 +2842,7 @@
             <a:fld id="{0796EE8F-3F0D-4432-B3AD-74D2BC0EA465}" type="slidenum">
               <a:rPr lang="en-GB" smtClean="0"/>
               <a:pPr/>
-              <a:t>8</a:t>
+              <a:t>9</a:t>
             </a:fld>
             <a:endParaRPr lang="en-GB" smtClean="0"/>
           </a:p>
@@ -2945,7 +2946,7 @@
             <a:fld id="{8E7AE63F-D5A3-4599-84C1-CE59A0B9CE4B}" type="slidenum">
               <a:rPr lang="en-GB" smtClean="0"/>
               <a:pPr/>
-              <a:t>9</a:t>
+              <a:t>10</a:t>
             </a:fld>
             <a:endParaRPr lang="en-GB" smtClean="0"/>
           </a:p>
@@ -5567,6 +5568,537 @@
 </file>
 
 <file path=ppt/slides/slide10.xml><?xml version="1.0" encoding="utf-8"?>
+<p:sld xmlns:a="http://schemas.openxmlformats.org/drawingml/2006/main" xmlns:r="http://schemas.openxmlformats.org/officeDocument/2006/relationships" xmlns:p="http://schemas.openxmlformats.org/presentationml/2006/main">
+  <p:cSld>
+    <p:spTree>
+      <p:nvGrpSpPr>
+        <p:cNvPr id="1" name=""/>
+        <p:cNvGrpSpPr/>
+        <p:nvPr/>
+      </p:nvGrpSpPr>
+      <p:grpSpPr>
+        <a:xfrm>
+          <a:off x="0" y="0"/>
+          <a:ext cx="0" cy="0"/>
+          <a:chOff x="0" y="0"/>
+          <a:chExt cx="0" cy="0"/>
+        </a:xfrm>
+      </p:grpSpPr>
+      <p:sp>
+        <p:nvSpPr>
+          <p:cNvPr id="8194" name="Rectangle 2"/>
+          <p:cNvSpPr txBox="1">
+            <a:spLocks noChangeArrowheads="1"/>
+          </p:cNvSpPr>
+          <p:nvPr/>
+        </p:nvSpPr>
+        <p:spPr bwMode="auto">
+          <a:xfrm>
+            <a:off x="500063" y="358775"/>
+            <a:ext cx="8443912" cy="909638"/>
+          </a:xfrm>
+          <a:prstGeom prst="rect">
+            <a:avLst/>
+          </a:prstGeom>
+          <a:noFill/>
+          <a:ln w="9525">
+            <a:noFill/>
+            <a:miter lim="800000"/>
+            <a:headEnd/>
+            <a:tailEnd/>
+          </a:ln>
+        </p:spPr>
+        <p:txBody>
+          <a:bodyPr lIns="0" tIns="0" rIns="0" bIns="0"/>
+          <a:lstStyle/>
+          <a:p>
+            <a:pPr algn="ctr" eaLnBrk="1" hangingPunct="1"/>
+            <a:r>
+              <a:rPr lang="en-GB" sz="4000" b="1">
+                <a:solidFill>
+                  <a:srgbClr val="C00000"/>
+                </a:solidFill>
+                <a:latin typeface="Trebuchet MS" pitchFamily="34" charset="0"/>
+              </a:rPr>
+              <a:t>What you won’t get from this Unit?</a:t>
+            </a:r>
+            <a:endParaRPr lang="en-GB" sz="4000" b="1">
+              <a:solidFill>
+                <a:srgbClr val="595959"/>
+              </a:solidFill>
+              <a:latin typeface="Trebuchet MS" pitchFamily="34" charset="0"/>
+            </a:endParaRPr>
+          </a:p>
+        </p:txBody>
+      </p:sp>
+      <p:sp>
+        <p:nvSpPr>
+          <p:cNvPr id="8195" name="Rectangle 3"/>
+          <p:cNvSpPr txBox="1">
+            <a:spLocks noChangeArrowheads="1"/>
+          </p:cNvSpPr>
+          <p:nvPr/>
+        </p:nvSpPr>
+        <p:spPr bwMode="auto">
+          <a:xfrm>
+            <a:off x="395288" y="1556792"/>
+            <a:ext cx="8497887" cy="4608512"/>
+          </a:xfrm>
+          <a:prstGeom prst="rect">
+            <a:avLst/>
+          </a:prstGeom>
+          <a:noFill/>
+          <a:ln w="9525">
+            <a:noFill/>
+            <a:miter lim="800000"/>
+            <a:headEnd/>
+            <a:tailEnd/>
+          </a:ln>
+        </p:spPr>
+        <p:txBody>
+          <a:bodyPr lIns="0" tIns="0" rIns="0" bIns="0"/>
+          <a:lstStyle/>
+          <a:p>
+            <a:pPr marL="714375" indent="-533400" eaLnBrk="1" hangingPunct="1">
+              <a:spcAft>
+                <a:spcPts val="2400"/>
+              </a:spcAft>
+              <a:buClr>
+                <a:srgbClr val="C00000"/>
+              </a:buClr>
+              <a:buSzPct val="120000"/>
+              <a:buFont typeface="Symbol" pitchFamily="18" charset="2"/>
+              <a:buChar char="´"/>
+              <a:tabLst>
+                <a:tab pos="93663" algn="l"/>
+              </a:tabLst>
+            </a:pPr>
+            <a:r>
+              <a:rPr lang="en-GB" altLang="zh-CN" sz="3600" dirty="0">
+                <a:latin typeface="Times New Roman" pitchFamily="18" charset="0"/>
+              </a:rPr>
+              <a:t>This unit does </a:t>
+            </a:r>
+            <a:r>
+              <a:rPr lang="en-GB" altLang="zh-CN" sz="3600" i="1" dirty="0">
+                <a:latin typeface="Times New Roman" pitchFamily="18" charset="0"/>
+              </a:rPr>
+              <a:t>not</a:t>
+            </a:r>
+            <a:r>
+              <a:rPr lang="en-GB" altLang="zh-CN" sz="3600" dirty="0">
+                <a:latin typeface="Times New Roman" pitchFamily="18" charset="0"/>
+              </a:rPr>
+              <a:t> provide information about what happens on the </a:t>
+            </a:r>
+            <a:r>
+              <a:rPr lang="en-GB" altLang="zh-CN" sz="3600" i="1" dirty="0" smtClean="0">
+                <a:latin typeface="Times New Roman" pitchFamily="18" charset="0"/>
+              </a:rPr>
+              <a:t>server</a:t>
+            </a:r>
+          </a:p>
+          <a:p>
+            <a:pPr marL="714375" indent="-533400" eaLnBrk="1" hangingPunct="1">
+              <a:spcAft>
+                <a:spcPts val="2400"/>
+              </a:spcAft>
+              <a:buClr>
+                <a:srgbClr val="C00000"/>
+              </a:buClr>
+              <a:buSzPct val="120000"/>
+              <a:buFont typeface="Symbol" pitchFamily="18" charset="2"/>
+              <a:buChar char="´"/>
+              <a:tabLst>
+                <a:tab pos="93663" algn="l"/>
+              </a:tabLst>
+            </a:pPr>
+            <a:r>
+              <a:rPr lang="en-GB" altLang="zh-CN" sz="3600" dirty="0" smtClean="0">
+                <a:latin typeface="Times New Roman" pitchFamily="18" charset="0"/>
+              </a:rPr>
+              <a:t>This unit will </a:t>
+            </a:r>
+            <a:r>
+              <a:rPr lang="en-GB" altLang="zh-CN" sz="3600" i="1" dirty="0" smtClean="0">
+                <a:latin typeface="Times New Roman" pitchFamily="18" charset="0"/>
+              </a:rPr>
+              <a:t>not</a:t>
+            </a:r>
+            <a:r>
+              <a:rPr lang="en-GB" altLang="zh-CN" sz="3600" dirty="0" smtClean="0">
+                <a:latin typeface="Times New Roman" pitchFamily="18" charset="0"/>
+              </a:rPr>
+              <a:t> consider </a:t>
+            </a:r>
+            <a:r>
+              <a:rPr lang="en-GB" altLang="zh-CN" sz="3600" i="1" dirty="0" smtClean="0">
+                <a:latin typeface="Times New Roman" pitchFamily="18" charset="0"/>
+              </a:rPr>
+              <a:t>mobile</a:t>
+            </a:r>
+            <a:r>
+              <a:rPr lang="en-GB" altLang="zh-CN" sz="3600" dirty="0" smtClean="0">
+                <a:latin typeface="Times New Roman" pitchFamily="18" charset="0"/>
+              </a:rPr>
+              <a:t> web development</a:t>
+            </a:r>
+            <a:endParaRPr lang="en-GB" altLang="zh-CN" sz="3600" dirty="0">
+              <a:latin typeface="Times New Roman" pitchFamily="18" charset="0"/>
+            </a:endParaRPr>
+          </a:p>
+          <a:p>
+            <a:pPr marL="714375" indent="-533400" eaLnBrk="1" hangingPunct="1">
+              <a:spcAft>
+                <a:spcPts val="2400"/>
+              </a:spcAft>
+              <a:buClr>
+                <a:srgbClr val="C00000"/>
+              </a:buClr>
+              <a:buSzPct val="120000"/>
+              <a:tabLst>
+                <a:tab pos="93663" algn="l"/>
+              </a:tabLst>
+            </a:pPr>
+            <a:r>
+              <a:rPr lang="en-GB" altLang="zh-CN" sz="3600" i="1" dirty="0">
+                <a:latin typeface="Times New Roman" pitchFamily="18" charset="0"/>
+              </a:rPr>
+              <a:t>      </a:t>
+            </a:r>
+            <a:r>
+              <a:rPr lang="en-GB" altLang="zh-CN" sz="3600" i="1" dirty="0" smtClean="0">
+                <a:latin typeface="Times New Roman" pitchFamily="18" charset="0"/>
+              </a:rPr>
+              <a:t>Level 5: </a:t>
+            </a:r>
+            <a:r>
+              <a:rPr lang="en-GB" altLang="zh-CN" sz="3600" i="1" dirty="0">
+                <a:latin typeface="Times New Roman" pitchFamily="18" charset="0"/>
+              </a:rPr>
+              <a:t>“Developing for the Internet</a:t>
+            </a:r>
+            <a:r>
+              <a:rPr lang="en-GB" altLang="zh-CN" sz="3600" i="1" dirty="0" smtClean="0">
+                <a:latin typeface="Times New Roman" pitchFamily="18" charset="0"/>
+              </a:rPr>
+              <a:t>”</a:t>
+            </a:r>
+          </a:p>
+          <a:p>
+            <a:pPr marL="714375" indent="-533400" algn="ctr" eaLnBrk="1" hangingPunct="1">
+              <a:spcAft>
+                <a:spcPts val="2400"/>
+              </a:spcAft>
+              <a:buClr>
+                <a:srgbClr val="C00000"/>
+              </a:buClr>
+              <a:buSzPct val="120000"/>
+              <a:tabLst>
+                <a:tab pos="93663" algn="l"/>
+              </a:tabLst>
+            </a:pPr>
+            <a:r>
+              <a:rPr lang="en-GB" altLang="zh-CN" sz="3600" i="1" dirty="0" smtClean="0">
+                <a:latin typeface="Times New Roman" pitchFamily="18" charset="0"/>
+              </a:rPr>
+              <a:t>Level 6: </a:t>
+            </a:r>
+            <a:r>
+              <a:rPr lang="en-GB" altLang="zh-CN" sz="3600" i="1" dirty="0">
+                <a:latin typeface="Times New Roman" pitchFamily="18" charset="0"/>
+              </a:rPr>
+              <a:t>“Web Application Development</a:t>
+            </a:r>
+            <a:r>
+              <a:rPr lang="en-GB" altLang="zh-CN" sz="3600" i="1" dirty="0" smtClean="0">
+                <a:latin typeface="Times New Roman" pitchFamily="18" charset="0"/>
+              </a:rPr>
+              <a:t>”</a:t>
+            </a:r>
+          </a:p>
+          <a:p>
+            <a:pPr marL="714375" indent="-533400" eaLnBrk="1" hangingPunct="1">
+              <a:spcAft>
+                <a:spcPts val="2400"/>
+              </a:spcAft>
+              <a:buClr>
+                <a:srgbClr val="C00000"/>
+              </a:buClr>
+              <a:buSzPct val="120000"/>
+              <a:tabLst>
+                <a:tab pos="93663" algn="l"/>
+              </a:tabLst>
+            </a:pPr>
+            <a:endParaRPr lang="en-GB" altLang="zh-CN" sz="4000" dirty="0">
+              <a:latin typeface="Times New Roman" pitchFamily="18" charset="0"/>
+            </a:endParaRPr>
+          </a:p>
+          <a:p>
+            <a:pPr marL="714375" indent="-533400" eaLnBrk="1" hangingPunct="1">
+              <a:spcAft>
+                <a:spcPts val="1200"/>
+              </a:spcAft>
+              <a:buClr>
+                <a:srgbClr val="C00000"/>
+              </a:buClr>
+              <a:buSzPct val="80000"/>
+              <a:tabLst>
+                <a:tab pos="93663" algn="l"/>
+              </a:tabLst>
+            </a:pPr>
+            <a:endParaRPr lang="en-GB" altLang="zh-CN" sz="3400" dirty="0">
+              <a:latin typeface="Times New Roman" pitchFamily="18" charset="0"/>
+            </a:endParaRPr>
+          </a:p>
+          <a:p>
+            <a:pPr marL="714375" indent="-533400" eaLnBrk="1" hangingPunct="1">
+              <a:buClr>
+                <a:srgbClr val="FF0003"/>
+              </a:buClr>
+              <a:buSzPct val="80000"/>
+              <a:tabLst>
+                <a:tab pos="93663" algn="l"/>
+              </a:tabLst>
+            </a:pPr>
+            <a:endParaRPr lang="en-GB" altLang="zh-CN" sz="2600" dirty="0">
+              <a:latin typeface="Times New Roman" pitchFamily="18" charset="0"/>
+            </a:endParaRPr>
+          </a:p>
+        </p:txBody>
+      </p:sp>
+    </p:spTree>
+    <p:extLst>
+      <p:ext uri="{BB962C8B-B14F-4D97-AF65-F5344CB8AC3E}">
+        <p14:creationId xmlns:p14="http://schemas.microsoft.com/office/powerpoint/2010/main" val="3029082908"/>
+      </p:ext>
+    </p:extLst>
+  </p:cSld>
+  <p:clrMapOvr>
+    <a:masterClrMapping/>
+  </p:clrMapOvr>
+  <p:timing>
+    <p:tnLst>
+      <p:par>
+        <p:cTn id="1" dur="indefinite" restart="never" nodeType="tmRoot">
+          <p:childTnLst>
+            <p:seq concurrent="1" nextAc="seek">
+              <p:cTn id="2" dur="indefinite" nodeType="mainSeq">
+                <p:childTnLst>
+                  <p:par>
+                    <p:cTn id="3" fill="hold">
+                      <p:stCondLst>
+                        <p:cond delay="indefinite"/>
+                      </p:stCondLst>
+                      <p:childTnLst>
+                        <p:par>
+                          <p:cTn id="4" fill="hold">
+                            <p:stCondLst>
+                              <p:cond delay="0"/>
+                            </p:stCondLst>
+                            <p:childTnLst>
+                              <p:par>
+                                <p:cTn id="5" presetID="2" presetClass="entr" presetSubtype="4" fill="hold" nodeType="clickEffect">
+                                  <p:stCondLst>
+                                    <p:cond delay="0"/>
+                                  </p:stCondLst>
+                                  <p:childTnLst>
+                                    <p:set>
+                                      <p:cBhvr>
+                                        <p:cTn id="6" dur="1" fill="hold">
+                                          <p:stCondLst>
+                                            <p:cond delay="0"/>
+                                          </p:stCondLst>
+                                        </p:cTn>
+                                        <p:tgtEl>
+                                          <p:spTgt spid="8195">
+                                            <p:txEl>
+                                              <p:pRg st="2" end="2"/>
+                                            </p:txEl>
+                                          </p:spTgt>
+                                        </p:tgtEl>
+                                        <p:attrNameLst>
+                                          <p:attrName>style.visibility</p:attrName>
+                                        </p:attrNameLst>
+                                      </p:cBhvr>
+                                      <p:to>
+                                        <p:strVal val="visible"/>
+                                      </p:to>
+                                    </p:set>
+                                    <p:anim calcmode="lin" valueType="num">
+                                      <p:cBhvr additive="base">
+                                        <p:cTn id="7" dur="500" fill="hold"/>
+                                        <p:tgtEl>
+                                          <p:spTgt spid="8195">
+                                            <p:txEl>
+                                              <p:pRg st="2" end="2"/>
+                                            </p:txEl>
+                                          </p:spTgt>
+                                        </p:tgtEl>
+                                        <p:attrNameLst>
+                                          <p:attrName>ppt_x</p:attrName>
+                                        </p:attrNameLst>
+                                      </p:cBhvr>
+                                      <p:tavLst>
+                                        <p:tav tm="0">
+                                          <p:val>
+                                            <p:strVal val="#ppt_x"/>
+                                          </p:val>
+                                        </p:tav>
+                                        <p:tav tm="100000">
+                                          <p:val>
+                                            <p:strVal val="#ppt_x"/>
+                                          </p:val>
+                                        </p:tav>
+                                      </p:tavLst>
+                                    </p:anim>
+                                    <p:anim calcmode="lin" valueType="num">
+                                      <p:cBhvr additive="base">
+                                        <p:cTn id="8" dur="500" fill="hold"/>
+                                        <p:tgtEl>
+                                          <p:spTgt spid="8195">
+                                            <p:txEl>
+                                              <p:pRg st="2" end="2"/>
+                                            </p:txEl>
+                                          </p:spTgt>
+                                        </p:tgtEl>
+                                        <p:attrNameLst>
+                                          <p:attrName>ppt_y</p:attrName>
+                                        </p:attrNameLst>
+                                      </p:cBhvr>
+                                      <p:tavLst>
+                                        <p:tav tm="0">
+                                          <p:val>
+                                            <p:strVal val="1+#ppt_h/2"/>
+                                          </p:val>
+                                        </p:tav>
+                                        <p:tav tm="100000">
+                                          <p:val>
+                                            <p:strVal val="#ppt_y"/>
+                                          </p:val>
+                                        </p:tav>
+                                      </p:tavLst>
+                                    </p:anim>
+                                  </p:childTnLst>
+                                </p:cTn>
+                              </p:par>
+                              <p:par>
+                                <p:cTn id="9" presetID="2" presetClass="entr" presetSubtype="4" fill="hold" nodeType="withEffect">
+                                  <p:stCondLst>
+                                    <p:cond delay="0"/>
+                                  </p:stCondLst>
+                                  <p:childTnLst>
+                                    <p:set>
+                                      <p:cBhvr>
+                                        <p:cTn id="10" dur="1" fill="hold">
+                                          <p:stCondLst>
+                                            <p:cond delay="0"/>
+                                          </p:stCondLst>
+                                        </p:cTn>
+                                        <p:tgtEl>
+                                          <p:spTgt spid="8195">
+                                            <p:txEl>
+                                              <p:pRg st="3" end="3"/>
+                                            </p:txEl>
+                                          </p:spTgt>
+                                        </p:tgtEl>
+                                        <p:attrNameLst>
+                                          <p:attrName>style.visibility</p:attrName>
+                                        </p:attrNameLst>
+                                      </p:cBhvr>
+                                      <p:to>
+                                        <p:strVal val="visible"/>
+                                      </p:to>
+                                    </p:set>
+                                    <p:anim calcmode="lin" valueType="num">
+                                      <p:cBhvr additive="base">
+                                        <p:cTn id="11" dur="500" fill="hold"/>
+                                        <p:tgtEl>
+                                          <p:spTgt spid="8195">
+                                            <p:txEl>
+                                              <p:pRg st="3" end="3"/>
+                                            </p:txEl>
+                                          </p:spTgt>
+                                        </p:tgtEl>
+                                        <p:attrNameLst>
+                                          <p:attrName>ppt_x</p:attrName>
+                                        </p:attrNameLst>
+                                      </p:cBhvr>
+                                      <p:tavLst>
+                                        <p:tav tm="0">
+                                          <p:val>
+                                            <p:strVal val="#ppt_x"/>
+                                          </p:val>
+                                        </p:tav>
+                                        <p:tav tm="100000">
+                                          <p:val>
+                                            <p:strVal val="#ppt_x"/>
+                                          </p:val>
+                                        </p:tav>
+                                      </p:tavLst>
+                                    </p:anim>
+                                    <p:anim calcmode="lin" valueType="num">
+                                      <p:cBhvr additive="base">
+                                        <p:cTn id="12" dur="500" fill="hold"/>
+                                        <p:tgtEl>
+                                          <p:spTgt spid="8195">
+                                            <p:txEl>
+                                              <p:pRg st="3" end="3"/>
+                                            </p:txEl>
+                                          </p:spTgt>
+                                        </p:tgtEl>
+                                        <p:attrNameLst>
+                                          <p:attrName>ppt_y</p:attrName>
+                                        </p:attrNameLst>
+                                      </p:cBhvr>
+                                      <p:tavLst>
+                                        <p:tav tm="0">
+                                          <p:val>
+                                            <p:strVal val="1+#ppt_h/2"/>
+                                          </p:val>
+                                        </p:tav>
+                                        <p:tav tm="100000">
+                                          <p:val>
+                                            <p:strVal val="#ppt_y"/>
+                                          </p:val>
+                                        </p:tav>
+                                      </p:tavLst>
+                                    </p:anim>
+                                  </p:childTnLst>
+                                </p:cTn>
+                              </p:par>
+                            </p:childTnLst>
+                          </p:cTn>
+                        </p:par>
+                      </p:childTnLst>
+                    </p:cTn>
+                  </p:par>
+                </p:childTnLst>
+              </p:cTn>
+              <p:prevCondLst>
+                <p:cond evt="onPrev" delay="0">
+                  <p:tgtEl>
+                    <p:sldTgt/>
+                  </p:tgtEl>
+                </p:cond>
+              </p:prevCondLst>
+              <p:nextCondLst>
+                <p:cond evt="onNext" delay="0">
+                  <p:tgtEl>
+                    <p:sldTgt/>
+                  </p:tgtEl>
+                </p:cond>
+              </p:nextCondLst>
+            </p:seq>
+          </p:childTnLst>
+        </p:cTn>
+      </p:par>
+    </p:tnLst>
+  </p:timing>
+</p:sld>
+</file>
+
+<file path=ppt/slides/slide11.xml><?xml version="1.0" encoding="utf-8"?>
 <p:sld xmlns:a="http://schemas.openxmlformats.org/drawingml/2006/main" xmlns:r="http://schemas.openxmlformats.org/officeDocument/2006/relationships" xmlns:p="http://schemas.openxmlformats.org/presentationml/2006/main" showMasterSp="0">
   <p:cSld>
     <p:spTree>
@@ -5924,7 +6456,7 @@
 </p:sld>
 </file>
 
-<file path=ppt/slides/slide11.xml><?xml version="1.0" encoding="utf-8"?>
+<file path=ppt/slides/slide12.xml><?xml version="1.0" encoding="utf-8"?>
 <p:sld xmlns:a="http://schemas.openxmlformats.org/drawingml/2006/main" xmlns:r="http://schemas.openxmlformats.org/officeDocument/2006/relationships" xmlns:p="http://schemas.openxmlformats.org/presentationml/2006/main">
   <p:cSld>
     <p:spTree>
@@ -6507,7 +7039,7 @@
 </p:sld>
 </file>
 
-<file path=ppt/slides/slide12.xml><?xml version="1.0" encoding="utf-8"?>
+<file path=ppt/slides/slide13.xml><?xml version="1.0" encoding="utf-8"?>
 <p:sld xmlns:a="http://schemas.openxmlformats.org/drawingml/2006/main" xmlns:r="http://schemas.openxmlformats.org/officeDocument/2006/relationships" xmlns:p="http://schemas.openxmlformats.org/presentationml/2006/main">
   <p:cSld>
     <p:spTree>
@@ -6673,291 +7205,6 @@
 </p:sld>
 </file>
 
-<file path=ppt/slides/slide13.xml><?xml version="1.0" encoding="utf-8"?>
-<p:sld xmlns:a="http://schemas.openxmlformats.org/drawingml/2006/main" xmlns:r="http://schemas.openxmlformats.org/officeDocument/2006/relationships" xmlns:p="http://schemas.openxmlformats.org/presentationml/2006/main">
-  <p:cSld>
-    <p:spTree>
-      <p:nvGrpSpPr>
-        <p:cNvPr id="1" name=""/>
-        <p:cNvGrpSpPr/>
-        <p:nvPr/>
-      </p:nvGrpSpPr>
-      <p:grpSpPr>
-        <a:xfrm>
-          <a:off x="0" y="0"/>
-          <a:ext cx="0" cy="0"/>
-          <a:chOff x="0" y="0"/>
-          <a:chExt cx="0" cy="0"/>
-        </a:xfrm>
-      </p:grpSpPr>
-      <p:sp>
-        <p:nvSpPr>
-          <p:cNvPr id="16386" name="Rectangle 2"/>
-          <p:cNvSpPr>
-            <a:spLocks noGrp="1" noChangeArrowheads="1"/>
-          </p:cNvSpPr>
-          <p:nvPr>
-            <p:ph type="title"/>
-          </p:nvPr>
-        </p:nvSpPr>
-        <p:spPr/>
-        <p:txBody>
-          <a:bodyPr/>
-          <a:lstStyle/>
-          <a:p>
-            <a:pPr algn="ctr" eaLnBrk="1" hangingPunct="1">
-              <a:defRPr/>
-            </a:pPr>
-            <a:r>
-              <a:rPr lang="en-US" altLang="zh-CN" sz="4000" kern="1200" dirty="0" smtClean="0">
-                <a:solidFill>
-                  <a:srgbClr val="C00000"/>
-                </a:solidFill>
-                <a:cs typeface="+mn-cs"/>
-              </a:rPr>
-              <a:t>What is HTML?</a:t>
-            </a:r>
-          </a:p>
-        </p:txBody>
-      </p:sp>
-      <p:sp>
-        <p:nvSpPr>
-          <p:cNvPr id="16387" name="Rectangle 3"/>
-          <p:cNvSpPr>
-            <a:spLocks noGrp="1" noChangeArrowheads="1"/>
-          </p:cNvSpPr>
-          <p:nvPr>
-            <p:ph idx="1"/>
-          </p:nvPr>
-        </p:nvSpPr>
-        <p:spPr>
-          <a:xfrm>
-            <a:off x="449263" y="1384300"/>
-            <a:ext cx="8226425" cy="4114800"/>
-          </a:xfrm>
-        </p:spPr>
-        <p:txBody>
-          <a:bodyPr/>
-          <a:lstStyle/>
-          <a:p>
-            <a:pPr marL="266700" indent="-266700" eaLnBrk="1" hangingPunct="1">
-              <a:spcBef>
-                <a:spcPct val="0"/>
-              </a:spcBef>
-              <a:spcAft>
-                <a:spcPts val="1200"/>
-              </a:spcAft>
-              <a:buClr>
-                <a:srgbClr val="C00000"/>
-              </a:buClr>
-              <a:buSzPct val="80000"/>
-              <a:buFont typeface="Arial" pitchFamily="34" charset="0"/>
-              <a:buChar char="•"/>
-              <a:defRPr/>
-            </a:pPr>
-            <a:r>
-              <a:rPr lang="en-US" altLang="zh-CN" sz="3200" b="1" kern="1200" dirty="0" smtClean="0">
-                <a:solidFill>
-                  <a:srgbClr val="C00000"/>
-                </a:solidFill>
-                <a:latin typeface="Times New Roman" pitchFamily="18" charset="0"/>
-                <a:cs typeface="Times New Roman" pitchFamily="18" charset="0"/>
-              </a:rPr>
-              <a:t>H</a:t>
-            </a:r>
-            <a:r>
-              <a:rPr lang="en-US" altLang="zh-CN" sz="3200" kern="1200" dirty="0" smtClean="0">
-                <a:latin typeface="Times New Roman" pitchFamily="18" charset="0"/>
-                <a:cs typeface="Times New Roman" pitchFamily="18" charset="0"/>
-              </a:rPr>
-              <a:t>yper </a:t>
-            </a:r>
-            <a:r>
-              <a:rPr lang="en-US" altLang="zh-CN" sz="3200" b="1" kern="1200" dirty="0" smtClean="0">
-                <a:solidFill>
-                  <a:srgbClr val="C00000"/>
-                </a:solidFill>
-                <a:latin typeface="Times New Roman" pitchFamily="18" charset="0"/>
-                <a:cs typeface="Times New Roman" pitchFamily="18" charset="0"/>
-              </a:rPr>
-              <a:t>T</a:t>
-            </a:r>
-            <a:r>
-              <a:rPr lang="en-US" altLang="zh-CN" sz="3200" kern="1200" dirty="0" smtClean="0">
-                <a:latin typeface="Times New Roman" pitchFamily="18" charset="0"/>
-                <a:cs typeface="Times New Roman" pitchFamily="18" charset="0"/>
-              </a:rPr>
-              <a:t>ext </a:t>
-            </a:r>
-            <a:r>
-              <a:rPr lang="en-US" altLang="zh-CN" sz="3200" b="1" kern="1200" dirty="0" smtClean="0">
-                <a:solidFill>
-                  <a:srgbClr val="C00000"/>
-                </a:solidFill>
-                <a:latin typeface="Times New Roman" pitchFamily="18" charset="0"/>
-                <a:cs typeface="Times New Roman" pitchFamily="18" charset="0"/>
-              </a:rPr>
-              <a:t>M</a:t>
-            </a:r>
-            <a:r>
-              <a:rPr lang="en-US" altLang="zh-CN" sz="3200" kern="1200" dirty="0" smtClean="0">
-                <a:latin typeface="Times New Roman" pitchFamily="18" charset="0"/>
-                <a:cs typeface="Times New Roman" pitchFamily="18" charset="0"/>
-              </a:rPr>
-              <a:t>arkup </a:t>
-            </a:r>
-            <a:r>
-              <a:rPr lang="en-US" altLang="zh-CN" sz="3200" b="1" kern="1200" dirty="0" smtClean="0">
-                <a:solidFill>
-                  <a:srgbClr val="C00000"/>
-                </a:solidFill>
-                <a:latin typeface="Times New Roman" pitchFamily="18" charset="0"/>
-                <a:cs typeface="Times New Roman" pitchFamily="18" charset="0"/>
-              </a:rPr>
-              <a:t>L</a:t>
-            </a:r>
-            <a:r>
-              <a:rPr lang="en-US" altLang="zh-CN" sz="3200" kern="1200" dirty="0" smtClean="0">
-                <a:latin typeface="Times New Roman" pitchFamily="18" charset="0"/>
-                <a:cs typeface="Times New Roman" pitchFamily="18" charset="0"/>
-              </a:rPr>
-              <a:t>anguage</a:t>
-            </a:r>
-          </a:p>
-          <a:p>
-            <a:pPr marL="266700" indent="-266700" eaLnBrk="1" hangingPunct="1">
-              <a:spcBef>
-                <a:spcPct val="0"/>
-              </a:spcBef>
-              <a:spcAft>
-                <a:spcPts val="1200"/>
-              </a:spcAft>
-              <a:buClr>
-                <a:srgbClr val="C00000"/>
-              </a:buClr>
-              <a:buSzPct val="80000"/>
-              <a:buFont typeface="Arial" pitchFamily="34" charset="0"/>
-              <a:buChar char="•"/>
-              <a:defRPr/>
-            </a:pPr>
-            <a:r>
-              <a:rPr lang="en-US" altLang="zh-CN" sz="3200" kern="1200" dirty="0" smtClean="0">
-                <a:latin typeface="Times New Roman" pitchFamily="18" charset="0"/>
-                <a:cs typeface="Times New Roman" pitchFamily="18" charset="0"/>
-              </a:rPr>
-              <a:t>Designed for the creation of web pages and other information viewable in a browser</a:t>
-            </a:r>
-          </a:p>
-          <a:p>
-            <a:pPr marL="266700" indent="-266700" eaLnBrk="1" hangingPunct="1">
-              <a:spcBef>
-                <a:spcPct val="0"/>
-              </a:spcBef>
-              <a:spcAft>
-                <a:spcPts val="1200"/>
-              </a:spcAft>
-              <a:buClr>
-                <a:srgbClr val="C00000"/>
-              </a:buClr>
-              <a:buSzPct val="80000"/>
-              <a:buFont typeface="Arial" pitchFamily="34" charset="0"/>
-              <a:buChar char="•"/>
-              <a:defRPr/>
-            </a:pPr>
-            <a:r>
-              <a:rPr lang="en-US" altLang="zh-CN" sz="3200" kern="1200" dirty="0" smtClean="0">
-                <a:latin typeface="Times New Roman" pitchFamily="18" charset="0"/>
-                <a:cs typeface="Times New Roman" pitchFamily="18" charset="0"/>
-              </a:rPr>
-              <a:t>We’re currently on version 5</a:t>
-            </a:r>
-          </a:p>
-          <a:p>
-            <a:pPr marL="266700" indent="-266700" eaLnBrk="1" hangingPunct="1">
-              <a:spcBef>
-                <a:spcPct val="0"/>
-              </a:spcBef>
-              <a:spcAft>
-                <a:spcPts val="1200"/>
-              </a:spcAft>
-              <a:buClr>
-                <a:srgbClr val="C00000"/>
-              </a:buClr>
-              <a:buSzPct val="80000"/>
-              <a:buFont typeface="Arial" pitchFamily="34" charset="0"/>
-              <a:buChar char="•"/>
-              <a:defRPr/>
-            </a:pPr>
-            <a:r>
-              <a:rPr lang="en-US" altLang="zh-CN" sz="3200" kern="1200" dirty="0" smtClean="0">
-                <a:latin typeface="Times New Roman" pitchFamily="18" charset="0"/>
-                <a:cs typeface="Times New Roman" pitchFamily="18" charset="0"/>
-              </a:rPr>
-              <a:t>File extension: </a:t>
-            </a:r>
-          </a:p>
-          <a:p>
-            <a:pPr marL="266700" indent="-266700" algn="ctr" eaLnBrk="1" hangingPunct="1">
-              <a:spcBef>
-                <a:spcPct val="0"/>
-              </a:spcBef>
-              <a:spcAft>
-                <a:spcPts val="1200"/>
-              </a:spcAft>
-              <a:buClr>
-                <a:srgbClr val="C00000"/>
-              </a:buClr>
-              <a:buSzPct val="80000"/>
-              <a:buFontTx/>
-              <a:buNone/>
-              <a:defRPr/>
-            </a:pPr>
-            <a:r>
-              <a:rPr lang="en-US" altLang="zh-CN" sz="3200" kern="1200" dirty="0" smtClean="0">
-                <a:solidFill>
-                  <a:srgbClr val="C00000"/>
-                </a:solidFill>
-                <a:latin typeface="Times New Roman" pitchFamily="18" charset="0"/>
-                <a:cs typeface="Times New Roman" pitchFamily="18" charset="0"/>
-              </a:rPr>
-              <a:t>.html </a:t>
-            </a:r>
-            <a:r>
-              <a:rPr lang="en-US" altLang="zh-CN" sz="3200" kern="1200" dirty="0" smtClean="0">
-                <a:latin typeface="Times New Roman" pitchFamily="18" charset="0"/>
-                <a:cs typeface="Times New Roman" pitchFamily="18" charset="0"/>
-              </a:rPr>
-              <a:t>or .</a:t>
-            </a:r>
-            <a:r>
-              <a:rPr lang="en-US" altLang="zh-CN" sz="3200" kern="1200" dirty="0" err="1" smtClean="0">
-                <a:latin typeface="Times New Roman" pitchFamily="18" charset="0"/>
-                <a:cs typeface="Times New Roman" pitchFamily="18" charset="0"/>
-              </a:rPr>
-              <a:t>htm</a:t>
-            </a:r>
-            <a:endParaRPr lang="en-US" altLang="zh-CN" sz="3200" kern="1200" dirty="0" smtClean="0">
-              <a:latin typeface="Times New Roman" pitchFamily="18" charset="0"/>
-              <a:cs typeface="Times New Roman" pitchFamily="18" charset="0"/>
-            </a:endParaRPr>
-          </a:p>
-        </p:txBody>
-      </p:sp>
-    </p:spTree>
-  </p:cSld>
-  <p:clrMapOvr>
-    <a:masterClrMapping/>
-  </p:clrMapOvr>
-  <p:timing>
-    <p:tnLst>
-      <p:par>
-        <p:cTn id="1" dur="indefinite" restart="never" nodeType="tmRoot"/>
-      </p:par>
-    </p:tnLst>
-  </p:timing>
-</p:sld>
-</file>
-
 <file path=ppt/slides/slide14.xml><?xml version="1.0" encoding="utf-8"?>
 <p:sld xmlns:a="http://schemas.openxmlformats.org/drawingml/2006/main" xmlns:r="http://schemas.openxmlformats.org/officeDocument/2006/relationships" xmlns:p="http://schemas.openxmlformats.org/presentationml/2006/main">
   <p:cSld>
@@ -6977,7 +7224,7 @@
       </p:grpSpPr>
       <p:sp>
         <p:nvSpPr>
-          <p:cNvPr id="17410" name="Rectangle 2"/>
+          <p:cNvPr id="16386" name="Rectangle 2"/>
           <p:cNvSpPr>
             <a:spLocks noGrp="1" noChangeArrowheads="1"/>
           </p:cNvSpPr>
@@ -6985,12 +7232,7 @@
             <p:ph type="title"/>
           </p:nvPr>
         </p:nvSpPr>
-        <p:spPr>
-          <a:xfrm>
-            <a:off x="449263" y="485775"/>
-            <a:ext cx="7772400" cy="710977"/>
-          </a:xfrm>
-        </p:spPr>
+        <p:spPr/>
         <p:txBody>
           <a:bodyPr/>
           <a:lstStyle/>
@@ -7005,60 +7247,231 @@
                 </a:solidFill>
                 <a:cs typeface="+mn-cs"/>
               </a:rPr>
-              <a:t>Simple HTML</a:t>
-            </a:r>
-            <a:r>
-              <a:rPr lang="en-US" altLang="zh-CN" sz="4000" kern="1200" dirty="0">
+              <a:t>What is HTML?</a:t>
+            </a:r>
+          </a:p>
+        </p:txBody>
+      </p:sp>
+      <p:sp>
+        <p:nvSpPr>
+          <p:cNvPr id="16387" name="Rectangle 3"/>
+          <p:cNvSpPr>
+            <a:spLocks noGrp="1" noChangeArrowheads="1"/>
+          </p:cNvSpPr>
+          <p:nvPr>
+            <p:ph idx="1"/>
+          </p:nvPr>
+        </p:nvSpPr>
+        <p:spPr>
+          <a:xfrm>
+            <a:off x="449263" y="1384300"/>
+            <a:ext cx="8226425" cy="4114800"/>
+          </a:xfrm>
+        </p:spPr>
+        <p:txBody>
+          <a:bodyPr/>
+          <a:lstStyle/>
+          <a:p>
+            <a:pPr marL="266700" indent="-266700" eaLnBrk="1" hangingPunct="1">
+              <a:spcBef>
+                <a:spcPct val="0"/>
+              </a:spcBef>
+              <a:spcAft>
+                <a:spcPts val="1200"/>
+              </a:spcAft>
+              <a:buClr>
+                <a:srgbClr val="C00000"/>
+              </a:buClr>
+              <a:buSzPct val="80000"/>
+              <a:buFont typeface="Arial" pitchFamily="34" charset="0"/>
+              <a:buChar char="•"/>
+              <a:defRPr/>
+            </a:pPr>
+            <a:r>
+              <a:rPr lang="en-US" altLang="zh-CN" sz="3200" b="1" kern="1200" dirty="0" smtClean="0">
                 <a:solidFill>
                   <a:srgbClr val="C00000"/>
                 </a:solidFill>
-                <a:cs typeface="+mn-cs"/>
-              </a:rPr>
-              <a:t> </a:t>
-            </a:r>
-            <a:r>
-              <a:rPr lang="en-US" altLang="zh-CN" sz="4000" kern="1200" dirty="0" smtClean="0">
+                <a:latin typeface="Times New Roman" pitchFamily="18" charset="0"/>
+                <a:cs typeface="Times New Roman" pitchFamily="18" charset="0"/>
+              </a:rPr>
+              <a:t>H</a:t>
+            </a:r>
+            <a:r>
+              <a:rPr lang="en-US" altLang="zh-CN" sz="3200" kern="1200" dirty="0" smtClean="0">
+                <a:latin typeface="Times New Roman" pitchFamily="18" charset="0"/>
+                <a:cs typeface="Times New Roman" pitchFamily="18" charset="0"/>
+              </a:rPr>
+              <a:t>yper </a:t>
+            </a:r>
+            <a:r>
+              <a:rPr lang="en-US" altLang="zh-CN" sz="3200" b="1" kern="1200" dirty="0" smtClean="0">
                 <a:solidFill>
                   <a:srgbClr val="C00000"/>
                 </a:solidFill>
-                <a:cs typeface="+mn-cs"/>
-              </a:rPr>
-              <a:t>Demo</a:t>
-            </a:r>
-          </a:p>
-        </p:txBody>
-      </p:sp>
-      <p:sp>
-        <p:nvSpPr>
-          <p:cNvPr id="7" name="TextBox 6"/>
-          <p:cNvSpPr txBox="1"/>
-          <p:nvPr/>
-        </p:nvSpPr>
-        <p:spPr>
-          <a:xfrm>
-            <a:off x="755576" y="1268760"/>
-            <a:ext cx="3769878" cy="461665"/>
-          </a:xfrm>
-          <a:prstGeom prst="rect">
-            <a:avLst/>
-          </a:prstGeom>
-          <a:noFill/>
-        </p:spPr>
-        <p:txBody>
-          <a:bodyPr wrap="none" rtlCol="0">
-            <a:spAutoFit/>
-          </a:bodyPr>
-          <a:lstStyle/>
-          <a:p>
-            <a:r>
-              <a:rPr lang="en-US" dirty="0" smtClean="0"/>
-              <a:t>We need a text editor </a:t>
-            </a:r>
-            <a:r>
-              <a:rPr lang="en-US" dirty="0" smtClean="0"/>
-              <a:t>first!</a:t>
-            </a:r>
-            <a:endParaRPr lang="en-US" dirty="0"/>
+                <a:latin typeface="Times New Roman" pitchFamily="18" charset="0"/>
+                <a:cs typeface="Times New Roman" pitchFamily="18" charset="0"/>
+              </a:rPr>
+              <a:t>T</a:t>
+            </a:r>
+            <a:r>
+              <a:rPr lang="en-US" altLang="zh-CN" sz="3200" kern="1200" dirty="0" smtClean="0">
+                <a:latin typeface="Times New Roman" pitchFamily="18" charset="0"/>
+                <a:cs typeface="Times New Roman" pitchFamily="18" charset="0"/>
+              </a:rPr>
+              <a:t>ext </a:t>
+            </a:r>
+            <a:r>
+              <a:rPr lang="en-US" altLang="zh-CN" sz="3200" b="1" kern="1200" dirty="0" smtClean="0">
+                <a:solidFill>
+                  <a:srgbClr val="C00000"/>
+                </a:solidFill>
+                <a:latin typeface="Times New Roman" pitchFamily="18" charset="0"/>
+                <a:cs typeface="Times New Roman" pitchFamily="18" charset="0"/>
+              </a:rPr>
+              <a:t>M</a:t>
+            </a:r>
+            <a:r>
+              <a:rPr lang="en-US" altLang="zh-CN" sz="3200" kern="1200" dirty="0" smtClean="0">
+                <a:latin typeface="Times New Roman" pitchFamily="18" charset="0"/>
+                <a:cs typeface="Times New Roman" pitchFamily="18" charset="0"/>
+              </a:rPr>
+              <a:t>arkup </a:t>
+            </a:r>
+            <a:r>
+              <a:rPr lang="en-US" altLang="zh-CN" sz="3200" b="1" kern="1200" dirty="0" smtClean="0">
+                <a:solidFill>
+                  <a:srgbClr val="C00000"/>
+                </a:solidFill>
+                <a:latin typeface="Times New Roman" pitchFamily="18" charset="0"/>
+                <a:cs typeface="Times New Roman" pitchFamily="18" charset="0"/>
+              </a:rPr>
+              <a:t>L</a:t>
+            </a:r>
+            <a:r>
+              <a:rPr lang="en-US" altLang="zh-CN" sz="3200" kern="1200" dirty="0" smtClean="0">
+                <a:latin typeface="Times New Roman" pitchFamily="18" charset="0"/>
+                <a:cs typeface="Times New Roman" pitchFamily="18" charset="0"/>
+              </a:rPr>
+              <a:t>anguage</a:t>
+            </a:r>
+          </a:p>
+          <a:p>
+            <a:pPr marL="266700" indent="-266700" eaLnBrk="1" hangingPunct="1">
+              <a:spcBef>
+                <a:spcPct val="0"/>
+              </a:spcBef>
+              <a:spcAft>
+                <a:spcPts val="1200"/>
+              </a:spcAft>
+              <a:buClr>
+                <a:srgbClr val="C00000"/>
+              </a:buClr>
+              <a:buSzPct val="80000"/>
+              <a:buFont typeface="Arial" pitchFamily="34" charset="0"/>
+              <a:buChar char="•"/>
+              <a:defRPr/>
+            </a:pPr>
+            <a:r>
+              <a:rPr lang="en-US" altLang="zh-CN" sz="3200" kern="1200" dirty="0" smtClean="0">
+                <a:latin typeface="Times New Roman" pitchFamily="18" charset="0"/>
+                <a:cs typeface="Times New Roman" pitchFamily="18" charset="0"/>
+              </a:rPr>
+              <a:t>Designed for the creation of web pages and other information viewable in a browser</a:t>
+            </a:r>
+          </a:p>
+          <a:p>
+            <a:pPr marL="266700" indent="-266700" eaLnBrk="1" hangingPunct="1">
+              <a:spcBef>
+                <a:spcPct val="0"/>
+              </a:spcBef>
+              <a:spcAft>
+                <a:spcPts val="1200"/>
+              </a:spcAft>
+              <a:buClr>
+                <a:srgbClr val="C00000"/>
+              </a:buClr>
+              <a:buSzPct val="80000"/>
+              <a:buFont typeface="Arial" pitchFamily="34" charset="0"/>
+              <a:buChar char="•"/>
+              <a:defRPr/>
+            </a:pPr>
+            <a:r>
+              <a:rPr lang="en-US" altLang="zh-CN" sz="3200" kern="1200" dirty="0" smtClean="0">
+                <a:latin typeface="Times New Roman" pitchFamily="18" charset="0"/>
+                <a:cs typeface="Times New Roman" pitchFamily="18" charset="0"/>
+              </a:rPr>
+              <a:t>We’re currently on version 5</a:t>
+            </a:r>
+          </a:p>
+          <a:p>
+            <a:pPr marL="266700" indent="-266700" eaLnBrk="1" hangingPunct="1">
+              <a:spcBef>
+                <a:spcPct val="0"/>
+              </a:spcBef>
+              <a:spcAft>
+                <a:spcPts val="1200"/>
+              </a:spcAft>
+              <a:buClr>
+                <a:srgbClr val="C00000"/>
+              </a:buClr>
+              <a:buSzPct val="80000"/>
+              <a:buFont typeface="Arial" pitchFamily="34" charset="0"/>
+              <a:buChar char="•"/>
+              <a:defRPr/>
+            </a:pPr>
+            <a:r>
+              <a:rPr lang="en-US" altLang="zh-CN" sz="3200" kern="1200" dirty="0" smtClean="0">
+                <a:latin typeface="Times New Roman" pitchFamily="18" charset="0"/>
+                <a:cs typeface="Times New Roman" pitchFamily="18" charset="0"/>
+              </a:rPr>
+              <a:t>File extension: </a:t>
+            </a:r>
+          </a:p>
+          <a:p>
+            <a:pPr marL="266700" indent="-266700" algn="ctr" eaLnBrk="1" hangingPunct="1">
+              <a:spcBef>
+                <a:spcPct val="0"/>
+              </a:spcBef>
+              <a:spcAft>
+                <a:spcPts val="1200"/>
+              </a:spcAft>
+              <a:buClr>
+                <a:srgbClr val="C00000"/>
+              </a:buClr>
+              <a:buSzPct val="80000"/>
+              <a:buFontTx/>
+              <a:buNone/>
+              <a:defRPr/>
+            </a:pPr>
+            <a:r>
+              <a:rPr lang="en-US" altLang="zh-CN" sz="3200" kern="1200" dirty="0" smtClean="0">
+                <a:solidFill>
+                  <a:srgbClr val="C00000"/>
+                </a:solidFill>
+                <a:latin typeface="Times New Roman" pitchFamily="18" charset="0"/>
+                <a:cs typeface="Times New Roman" pitchFamily="18" charset="0"/>
+              </a:rPr>
+              <a:t>.html </a:t>
+            </a:r>
+            <a:r>
+              <a:rPr lang="en-US" altLang="zh-CN" sz="3200" kern="1200" dirty="0" smtClean="0">
+                <a:latin typeface="Times New Roman" pitchFamily="18" charset="0"/>
+                <a:cs typeface="Times New Roman" pitchFamily="18" charset="0"/>
+              </a:rPr>
+              <a:t>or .</a:t>
+            </a:r>
+            <a:r>
+              <a:rPr lang="en-US" altLang="zh-CN" sz="3200" kern="1200" dirty="0" err="1" smtClean="0">
+                <a:latin typeface="Times New Roman" pitchFamily="18" charset="0"/>
+                <a:cs typeface="Times New Roman" pitchFamily="18" charset="0"/>
+              </a:rPr>
+              <a:t>htm</a:t>
+            </a:r>
+            <a:endParaRPr lang="en-US" altLang="zh-CN" sz="3200" kern="1200" dirty="0" smtClean="0">
+              <a:latin typeface="Times New Roman" pitchFamily="18" charset="0"/>
+              <a:cs typeface="Times New Roman" pitchFamily="18" charset="0"/>
+            </a:endParaRPr>
           </a:p>
         </p:txBody>
       </p:sp>
@@ -7078,6 +7491,125 @@
 </file>
 
 <file path=ppt/slides/slide15.xml><?xml version="1.0" encoding="utf-8"?>
+<p:sld xmlns:a="http://schemas.openxmlformats.org/drawingml/2006/main" xmlns:r="http://schemas.openxmlformats.org/officeDocument/2006/relationships" xmlns:p="http://schemas.openxmlformats.org/presentationml/2006/main">
+  <p:cSld>
+    <p:spTree>
+      <p:nvGrpSpPr>
+        <p:cNvPr id="1" name=""/>
+        <p:cNvGrpSpPr/>
+        <p:nvPr/>
+      </p:nvGrpSpPr>
+      <p:grpSpPr>
+        <a:xfrm>
+          <a:off x="0" y="0"/>
+          <a:ext cx="0" cy="0"/>
+          <a:chOff x="0" y="0"/>
+          <a:chExt cx="0" cy="0"/>
+        </a:xfrm>
+      </p:grpSpPr>
+      <p:sp>
+        <p:nvSpPr>
+          <p:cNvPr id="17410" name="Rectangle 2"/>
+          <p:cNvSpPr>
+            <a:spLocks noGrp="1" noChangeArrowheads="1"/>
+          </p:cNvSpPr>
+          <p:nvPr>
+            <p:ph type="title"/>
+          </p:nvPr>
+        </p:nvSpPr>
+        <p:spPr>
+          <a:xfrm>
+            <a:off x="449263" y="485775"/>
+            <a:ext cx="7772400" cy="710977"/>
+          </a:xfrm>
+        </p:spPr>
+        <p:txBody>
+          <a:bodyPr/>
+          <a:lstStyle/>
+          <a:p>
+            <a:pPr algn="ctr" eaLnBrk="1" hangingPunct="1">
+              <a:defRPr/>
+            </a:pPr>
+            <a:r>
+              <a:rPr lang="en-US" altLang="zh-CN" sz="4000" kern="1200" dirty="0" smtClean="0">
+                <a:solidFill>
+                  <a:srgbClr val="C00000"/>
+                </a:solidFill>
+                <a:cs typeface="+mn-cs"/>
+              </a:rPr>
+              <a:t>Simple HTML</a:t>
+            </a:r>
+            <a:r>
+              <a:rPr lang="en-US" altLang="zh-CN" sz="4000" kern="1200" dirty="0">
+                <a:solidFill>
+                  <a:srgbClr val="C00000"/>
+                </a:solidFill>
+                <a:cs typeface="+mn-cs"/>
+              </a:rPr>
+              <a:t> </a:t>
+            </a:r>
+            <a:r>
+              <a:rPr lang="en-US" altLang="zh-CN" sz="4000" kern="1200" dirty="0" smtClean="0">
+                <a:solidFill>
+                  <a:srgbClr val="C00000"/>
+                </a:solidFill>
+                <a:cs typeface="+mn-cs"/>
+              </a:rPr>
+              <a:t>Demo</a:t>
+            </a:r>
+          </a:p>
+        </p:txBody>
+      </p:sp>
+      <p:sp>
+        <p:nvSpPr>
+          <p:cNvPr id="7" name="TextBox 6"/>
+          <p:cNvSpPr txBox="1"/>
+          <p:nvPr/>
+        </p:nvSpPr>
+        <p:spPr>
+          <a:xfrm>
+            <a:off x="755576" y="1268760"/>
+            <a:ext cx="3769878" cy="461665"/>
+          </a:xfrm>
+          <a:prstGeom prst="rect">
+            <a:avLst/>
+          </a:prstGeom>
+          <a:noFill/>
+        </p:spPr>
+        <p:txBody>
+          <a:bodyPr wrap="none" rtlCol="0">
+            <a:spAutoFit/>
+          </a:bodyPr>
+          <a:lstStyle/>
+          <a:p>
+            <a:r>
+              <a:rPr lang="en-US" dirty="0" smtClean="0"/>
+              <a:t>We need a text editor </a:t>
+            </a:r>
+            <a:r>
+              <a:rPr lang="en-US" dirty="0" smtClean="0"/>
+              <a:t>first!</a:t>
+            </a:r>
+            <a:endParaRPr lang="en-US" dirty="0"/>
+          </a:p>
+        </p:txBody>
+      </p:sp>
+    </p:spTree>
+  </p:cSld>
+  <p:clrMapOvr>
+    <a:masterClrMapping/>
+  </p:clrMapOvr>
+  <p:timing>
+    <p:tnLst>
+      <p:par>
+        <p:cTn id="1" dur="indefinite" restart="never" nodeType="tmRoot"/>
+      </p:par>
+    </p:tnLst>
+  </p:timing>
+</p:sld>
+</file>
+
+<file path=ppt/slides/slide16.xml><?xml version="1.0" encoding="utf-8"?>
 <p:sld xmlns:a="http://schemas.openxmlformats.org/drawingml/2006/main" xmlns:r="http://schemas.openxmlformats.org/officeDocument/2006/relationships" xmlns:p="http://schemas.openxmlformats.org/presentationml/2006/main" showMasterSp="0">
   <p:cSld>
     <p:spTree>
@@ -7874,7 +8406,7 @@
 </p:sld>
 </file>
 
-<file path=ppt/slides/slide16.xml><?xml version="1.0" encoding="utf-8"?>
+<file path=ppt/slides/slide17.xml><?xml version="1.0" encoding="utf-8"?>
 <p:sld xmlns:a="http://schemas.openxmlformats.org/drawingml/2006/main" xmlns:r="http://schemas.openxmlformats.org/officeDocument/2006/relationships" xmlns:p="http://schemas.openxmlformats.org/presentationml/2006/main">
   <p:cSld>
     <p:spTree>
@@ -8780,7 +9312,7 @@
 </p:sld>
 </file>
 
-<file path=ppt/slides/slide17.xml><?xml version="1.0" encoding="utf-8"?>
+<file path=ppt/slides/slide18.xml><?xml version="1.0" encoding="utf-8"?>
 <p:sld xmlns:a="http://schemas.openxmlformats.org/drawingml/2006/main" xmlns:r="http://schemas.openxmlformats.org/officeDocument/2006/relationships" xmlns:p="http://schemas.openxmlformats.org/presentationml/2006/main" showMasterSp="0">
   <p:cSld>
     <p:spTree>
@@ -8866,263 +9398,6 @@
           </a:ln>
         </p:spPr>
       </p:pic>
-    </p:spTree>
-  </p:cSld>
-  <p:clrMapOvr>
-    <a:masterClrMapping/>
-  </p:clrMapOvr>
-  <p:timing>
-    <p:tnLst>
-      <p:par>
-        <p:cTn id="1" dur="indefinite" restart="never" nodeType="tmRoot"/>
-      </p:par>
-    </p:tnLst>
-  </p:timing>
-</p:sld>
-</file>
-
-<file path=ppt/slides/slide18.xml><?xml version="1.0" encoding="utf-8"?>
-<p:sld xmlns:a="http://schemas.openxmlformats.org/drawingml/2006/main" xmlns:r="http://schemas.openxmlformats.org/officeDocument/2006/relationships" xmlns:p="http://schemas.openxmlformats.org/presentationml/2006/main">
-  <p:cSld>
-    <p:spTree>
-      <p:nvGrpSpPr>
-        <p:cNvPr id="1" name=""/>
-        <p:cNvGrpSpPr/>
-        <p:nvPr/>
-      </p:nvGrpSpPr>
-      <p:grpSpPr>
-        <a:xfrm>
-          <a:off x="0" y="0"/>
-          <a:ext cx="0" cy="0"/>
-          <a:chOff x="0" y="0"/>
-          <a:chExt cx="0" cy="0"/>
-        </a:xfrm>
-      </p:grpSpPr>
-      <p:sp>
-        <p:nvSpPr>
-          <p:cNvPr id="31746" name="Rectangle 2"/>
-          <p:cNvSpPr txBox="1">
-            <a:spLocks noChangeArrowheads="1"/>
-          </p:cNvSpPr>
-          <p:nvPr/>
-        </p:nvSpPr>
-        <p:spPr bwMode="auto">
-          <a:xfrm>
-            <a:off x="500063" y="214313"/>
-            <a:ext cx="8443912" cy="1285875"/>
-          </a:xfrm>
-          <a:prstGeom prst="rect">
-            <a:avLst/>
-          </a:prstGeom>
-          <a:noFill/>
-          <a:ln w="9525">
-            <a:noFill/>
-            <a:miter lim="800000"/>
-            <a:headEnd/>
-            <a:tailEnd/>
-          </a:ln>
-        </p:spPr>
-        <p:txBody>
-          <a:bodyPr lIns="0" tIns="0" rIns="0" bIns="0"/>
-          <a:lstStyle/>
-          <a:p>
-            <a:pPr algn="ctr" eaLnBrk="1" hangingPunct="1"/>
-            <a:r>
-              <a:rPr lang="en-GB" sz="4400" b="1" dirty="0" smtClean="0">
-                <a:solidFill>
-                  <a:srgbClr val="C00000"/>
-                </a:solidFill>
-                <a:latin typeface="Trebuchet MS" pitchFamily="34" charset="0"/>
-              </a:rPr>
-              <a:t>Week 1 Practical Task</a:t>
-            </a:r>
-            <a:r>
-              <a:rPr lang="en-GB" sz="3600" b="1" dirty="0">
-                <a:solidFill>
-                  <a:srgbClr val="FF0000"/>
-                </a:solidFill>
-                <a:latin typeface="Trebuchet MS" pitchFamily="34" charset="0"/>
-              </a:rPr>
-              <a:t/>
-            </a:r>
-            <a:br>
-              <a:rPr lang="en-GB" sz="3600" b="1" dirty="0">
-                <a:solidFill>
-                  <a:srgbClr val="FF0000"/>
-                </a:solidFill>
-                <a:latin typeface="Trebuchet MS" pitchFamily="34" charset="0"/>
-              </a:rPr>
-            </a:br>
-            <a:endParaRPr lang="en-GB" sz="2800" b="1" dirty="0">
-              <a:solidFill>
-                <a:srgbClr val="595959"/>
-              </a:solidFill>
-              <a:latin typeface="Trebuchet MS" pitchFamily="34" charset="0"/>
-            </a:endParaRPr>
-          </a:p>
-        </p:txBody>
-      </p:sp>
-      <p:sp>
-        <p:nvSpPr>
-          <p:cNvPr id="31747" name="Rectangle 3"/>
-          <p:cNvSpPr txBox="1">
-            <a:spLocks noChangeArrowheads="1"/>
-          </p:cNvSpPr>
-          <p:nvPr/>
-        </p:nvSpPr>
-        <p:spPr bwMode="auto">
-          <a:xfrm>
-            <a:off x="468313" y="1125538"/>
-            <a:ext cx="8424862" cy="4803775"/>
-          </a:xfrm>
-          <a:prstGeom prst="rect">
-            <a:avLst/>
-          </a:prstGeom>
-          <a:noFill/>
-          <a:ln w="9525">
-            <a:noFill/>
-            <a:miter lim="800000"/>
-            <a:headEnd/>
-            <a:tailEnd/>
-          </a:ln>
-        </p:spPr>
-        <p:txBody>
-          <a:bodyPr lIns="0" tIns="0" rIns="0" bIns="0"/>
-          <a:lstStyle/>
-          <a:p>
-            <a:pPr eaLnBrk="1" hangingPunct="1">
-              <a:spcAft>
-                <a:spcPts val="300"/>
-              </a:spcAft>
-              <a:buClr>
-                <a:srgbClr val="C00000"/>
-              </a:buClr>
-              <a:buSzPct val="80000"/>
-              <a:buFont typeface="Wingdings" pitchFamily="2" charset="2"/>
-              <a:buChar char="Ø"/>
-              <a:tabLst>
-                <a:tab pos="93663" algn="l"/>
-              </a:tabLst>
-            </a:pPr>
-            <a:r>
-              <a:rPr lang="en-GB" altLang="zh-CN" sz="3600" dirty="0">
-                <a:latin typeface="Times New Roman" pitchFamily="18" charset="0"/>
-              </a:rPr>
-              <a:t>Basic HTML Structure</a:t>
-            </a:r>
-          </a:p>
-          <a:p>
-            <a:pPr lvl="1" eaLnBrk="1" hangingPunct="1">
-              <a:spcAft>
-                <a:spcPts val="300"/>
-              </a:spcAft>
-              <a:buClr>
-                <a:srgbClr val="C00000"/>
-              </a:buClr>
-              <a:buSzPct val="80000"/>
-              <a:buFont typeface="Arial" charset="0"/>
-              <a:buChar char="•"/>
-              <a:tabLst>
-                <a:tab pos="93663" algn="l"/>
-              </a:tabLst>
-            </a:pPr>
-            <a:r>
-              <a:rPr lang="en-GB" altLang="zh-CN" sz="3600" dirty="0">
-                <a:latin typeface="Times New Roman" pitchFamily="18" charset="0"/>
-              </a:rPr>
-              <a:t> Creating a title</a:t>
-            </a:r>
-          </a:p>
-          <a:p>
-            <a:pPr lvl="1" eaLnBrk="1" hangingPunct="1">
-              <a:spcAft>
-                <a:spcPts val="300"/>
-              </a:spcAft>
-              <a:buClr>
-                <a:srgbClr val="C00000"/>
-              </a:buClr>
-              <a:buSzPct val="80000"/>
-              <a:buFont typeface="Arial" charset="0"/>
-              <a:buChar char="•"/>
-              <a:tabLst>
-                <a:tab pos="93663" algn="l"/>
-              </a:tabLst>
-            </a:pPr>
-            <a:r>
-              <a:rPr lang="en-GB" altLang="zh-CN" sz="3600" dirty="0">
-                <a:latin typeface="Times New Roman" pitchFamily="18" charset="0"/>
-              </a:rPr>
-              <a:t> Including section headers</a:t>
-            </a:r>
-          </a:p>
-          <a:p>
-            <a:pPr lvl="1" eaLnBrk="1" hangingPunct="1">
-              <a:spcAft>
-                <a:spcPts val="300"/>
-              </a:spcAft>
-              <a:buClr>
-                <a:srgbClr val="C00000"/>
-              </a:buClr>
-              <a:buSzPct val="80000"/>
-              <a:buFont typeface="Arial" charset="0"/>
-              <a:buChar char="•"/>
-              <a:tabLst>
-                <a:tab pos="93663" algn="l"/>
-              </a:tabLst>
-            </a:pPr>
-            <a:r>
-              <a:rPr lang="en-GB" altLang="zh-CN" sz="3600" dirty="0">
-                <a:latin typeface="Times New Roman" pitchFamily="18" charset="0"/>
-              </a:rPr>
-              <a:t> Starting a paragraph</a:t>
-            </a:r>
-          </a:p>
-          <a:p>
-            <a:pPr lvl="1" eaLnBrk="1" hangingPunct="1">
-              <a:spcAft>
-                <a:spcPts val="300"/>
-              </a:spcAft>
-              <a:buClr>
-                <a:srgbClr val="C00000"/>
-              </a:buClr>
-              <a:buSzPct val="80000"/>
-              <a:buFont typeface="Arial" charset="0"/>
-              <a:buChar char="•"/>
-              <a:tabLst>
-                <a:tab pos="93663" algn="l"/>
-              </a:tabLst>
-            </a:pPr>
-            <a:r>
-              <a:rPr lang="en-GB" altLang="zh-CN" sz="3600" dirty="0">
-                <a:latin typeface="Times New Roman" pitchFamily="18" charset="0"/>
-              </a:rPr>
-              <a:t> Inserting images on a page </a:t>
-            </a:r>
-          </a:p>
-          <a:p>
-            <a:pPr lvl="1" eaLnBrk="1" hangingPunct="1">
-              <a:spcAft>
-                <a:spcPts val="1200"/>
-              </a:spcAft>
-              <a:buClr>
-                <a:srgbClr val="C00000"/>
-              </a:buClr>
-              <a:buSzPct val="80000"/>
-              <a:buFont typeface="Arial" charset="0"/>
-              <a:buChar char="•"/>
-              <a:tabLst>
-                <a:tab pos="93663" algn="l"/>
-              </a:tabLst>
-            </a:pPr>
-            <a:r>
-              <a:rPr lang="en-GB" altLang="zh-CN" sz="3600" dirty="0">
-                <a:latin typeface="Times New Roman" pitchFamily="18" charset="0"/>
-              </a:rPr>
-              <a:t> Creating a link to another web page</a:t>
-            </a:r>
-          </a:p>
-        </p:txBody>
-      </p:sp>
     </p:spTree>
   </p:cSld>
   <p:clrMapOvr>
@@ -9157,6 +9432,317 @@
       </p:grpSpPr>
       <p:sp>
         <p:nvSpPr>
+          <p:cNvPr id="31746" name="Rectangle 2"/>
+          <p:cNvSpPr txBox="1">
+            <a:spLocks noChangeArrowheads="1"/>
+          </p:cNvSpPr>
+          <p:nvPr/>
+        </p:nvSpPr>
+        <p:spPr bwMode="auto">
+          <a:xfrm>
+            <a:off x="500063" y="214313"/>
+            <a:ext cx="8443912" cy="1285875"/>
+          </a:xfrm>
+          <a:prstGeom prst="rect">
+            <a:avLst/>
+          </a:prstGeom>
+          <a:noFill/>
+          <a:ln w="9525">
+            <a:noFill/>
+            <a:miter lim="800000"/>
+            <a:headEnd/>
+            <a:tailEnd/>
+          </a:ln>
+        </p:spPr>
+        <p:txBody>
+          <a:bodyPr lIns="0" tIns="0" rIns="0" bIns="0"/>
+          <a:lstStyle/>
+          <a:p>
+            <a:pPr algn="ctr" eaLnBrk="1" hangingPunct="1"/>
+            <a:r>
+              <a:rPr lang="en-GB" sz="4400" b="1" dirty="0" smtClean="0">
+                <a:solidFill>
+                  <a:srgbClr val="C00000"/>
+                </a:solidFill>
+                <a:latin typeface="Trebuchet MS" pitchFamily="34" charset="0"/>
+              </a:rPr>
+              <a:t>Week 1 Practical Task</a:t>
+            </a:r>
+            <a:r>
+              <a:rPr lang="en-GB" sz="3600" b="1" dirty="0">
+                <a:solidFill>
+                  <a:srgbClr val="FF0000"/>
+                </a:solidFill>
+                <a:latin typeface="Trebuchet MS" pitchFamily="34" charset="0"/>
+              </a:rPr>
+              <a:t/>
+            </a:r>
+            <a:br>
+              <a:rPr lang="en-GB" sz="3600" b="1" dirty="0">
+                <a:solidFill>
+                  <a:srgbClr val="FF0000"/>
+                </a:solidFill>
+                <a:latin typeface="Trebuchet MS" pitchFamily="34" charset="0"/>
+              </a:rPr>
+            </a:br>
+            <a:endParaRPr lang="en-GB" sz="2800" b="1" dirty="0">
+              <a:solidFill>
+                <a:srgbClr val="595959"/>
+              </a:solidFill>
+              <a:latin typeface="Trebuchet MS" pitchFamily="34" charset="0"/>
+            </a:endParaRPr>
+          </a:p>
+        </p:txBody>
+      </p:sp>
+      <p:sp>
+        <p:nvSpPr>
+          <p:cNvPr id="31747" name="Rectangle 3"/>
+          <p:cNvSpPr txBox="1">
+            <a:spLocks noChangeArrowheads="1"/>
+          </p:cNvSpPr>
+          <p:nvPr/>
+        </p:nvSpPr>
+        <p:spPr bwMode="auto">
+          <a:xfrm>
+            <a:off x="468313" y="1125538"/>
+            <a:ext cx="8424862" cy="4803775"/>
+          </a:xfrm>
+          <a:prstGeom prst="rect">
+            <a:avLst/>
+          </a:prstGeom>
+          <a:noFill/>
+          <a:ln w="9525">
+            <a:noFill/>
+            <a:miter lim="800000"/>
+            <a:headEnd/>
+            <a:tailEnd/>
+          </a:ln>
+        </p:spPr>
+        <p:txBody>
+          <a:bodyPr lIns="0" tIns="0" rIns="0" bIns="0"/>
+          <a:lstStyle/>
+          <a:p>
+            <a:pPr eaLnBrk="1" hangingPunct="1">
+              <a:spcAft>
+                <a:spcPts val="300"/>
+              </a:spcAft>
+              <a:buClr>
+                <a:srgbClr val="C00000"/>
+              </a:buClr>
+              <a:buSzPct val="80000"/>
+              <a:buFont typeface="Wingdings" pitchFamily="2" charset="2"/>
+              <a:buChar char="Ø"/>
+              <a:tabLst>
+                <a:tab pos="93663" algn="l"/>
+              </a:tabLst>
+            </a:pPr>
+            <a:r>
+              <a:rPr lang="en-GB" altLang="zh-CN" sz="3600" dirty="0">
+                <a:latin typeface="Times New Roman" pitchFamily="18" charset="0"/>
+              </a:rPr>
+              <a:t>Basic HTML Structure</a:t>
+            </a:r>
+          </a:p>
+          <a:p>
+            <a:pPr lvl="1" eaLnBrk="1" hangingPunct="1">
+              <a:spcAft>
+                <a:spcPts val="300"/>
+              </a:spcAft>
+              <a:buClr>
+                <a:srgbClr val="C00000"/>
+              </a:buClr>
+              <a:buSzPct val="80000"/>
+              <a:buFont typeface="Arial" charset="0"/>
+              <a:buChar char="•"/>
+              <a:tabLst>
+                <a:tab pos="93663" algn="l"/>
+              </a:tabLst>
+            </a:pPr>
+            <a:r>
+              <a:rPr lang="en-GB" altLang="zh-CN" sz="3600" dirty="0">
+                <a:latin typeface="Times New Roman" pitchFamily="18" charset="0"/>
+              </a:rPr>
+              <a:t> Creating a title</a:t>
+            </a:r>
+          </a:p>
+          <a:p>
+            <a:pPr lvl="1" eaLnBrk="1" hangingPunct="1">
+              <a:spcAft>
+                <a:spcPts val="300"/>
+              </a:spcAft>
+              <a:buClr>
+                <a:srgbClr val="C00000"/>
+              </a:buClr>
+              <a:buSzPct val="80000"/>
+              <a:buFont typeface="Arial" charset="0"/>
+              <a:buChar char="•"/>
+              <a:tabLst>
+                <a:tab pos="93663" algn="l"/>
+              </a:tabLst>
+            </a:pPr>
+            <a:r>
+              <a:rPr lang="en-GB" altLang="zh-CN" sz="3600" dirty="0">
+                <a:latin typeface="Times New Roman" pitchFamily="18" charset="0"/>
+              </a:rPr>
+              <a:t> Including section headers</a:t>
+            </a:r>
+          </a:p>
+          <a:p>
+            <a:pPr lvl="1" eaLnBrk="1" hangingPunct="1">
+              <a:spcAft>
+                <a:spcPts val="300"/>
+              </a:spcAft>
+              <a:buClr>
+                <a:srgbClr val="C00000"/>
+              </a:buClr>
+              <a:buSzPct val="80000"/>
+              <a:buFont typeface="Arial" charset="0"/>
+              <a:buChar char="•"/>
+              <a:tabLst>
+                <a:tab pos="93663" algn="l"/>
+              </a:tabLst>
+            </a:pPr>
+            <a:r>
+              <a:rPr lang="en-GB" altLang="zh-CN" sz="3600" dirty="0">
+                <a:latin typeface="Times New Roman" pitchFamily="18" charset="0"/>
+              </a:rPr>
+              <a:t> Starting a paragraph</a:t>
+            </a:r>
+          </a:p>
+          <a:p>
+            <a:pPr lvl="1" eaLnBrk="1" hangingPunct="1">
+              <a:spcAft>
+                <a:spcPts val="300"/>
+              </a:spcAft>
+              <a:buClr>
+                <a:srgbClr val="C00000"/>
+              </a:buClr>
+              <a:buSzPct val="80000"/>
+              <a:buFont typeface="Arial" charset="0"/>
+              <a:buChar char="•"/>
+              <a:tabLst>
+                <a:tab pos="93663" algn="l"/>
+              </a:tabLst>
+            </a:pPr>
+            <a:r>
+              <a:rPr lang="en-GB" altLang="zh-CN" sz="3600" dirty="0">
+                <a:latin typeface="Times New Roman" pitchFamily="18" charset="0"/>
+              </a:rPr>
+              <a:t> Inserting images on a page </a:t>
+            </a:r>
+          </a:p>
+          <a:p>
+            <a:pPr lvl="1" eaLnBrk="1" hangingPunct="1">
+              <a:spcAft>
+                <a:spcPts val="1200"/>
+              </a:spcAft>
+              <a:buClr>
+                <a:srgbClr val="C00000"/>
+              </a:buClr>
+              <a:buSzPct val="80000"/>
+              <a:buFont typeface="Arial" charset="0"/>
+              <a:buChar char="•"/>
+              <a:tabLst>
+                <a:tab pos="93663" algn="l"/>
+              </a:tabLst>
+            </a:pPr>
+            <a:r>
+              <a:rPr lang="en-GB" altLang="zh-CN" sz="3600" dirty="0">
+                <a:latin typeface="Times New Roman" pitchFamily="18" charset="0"/>
+              </a:rPr>
+              <a:t> Creating a link to another web page</a:t>
+            </a:r>
+          </a:p>
+        </p:txBody>
+      </p:sp>
+    </p:spTree>
+  </p:cSld>
+  <p:clrMapOvr>
+    <a:masterClrMapping/>
+  </p:clrMapOvr>
+  <p:timing>
+    <p:tnLst>
+      <p:par>
+        <p:cTn id="1" dur="indefinite" restart="never" nodeType="tmRoot"/>
+      </p:par>
+    </p:tnLst>
+  </p:timing>
+</p:sld>
+</file>
+
+<file path=ppt/slides/slide2.xml><?xml version="1.0" encoding="utf-8"?>
+<p:sld xmlns:a="http://schemas.openxmlformats.org/drawingml/2006/main" xmlns:r="http://schemas.openxmlformats.org/officeDocument/2006/relationships" xmlns:p="http://schemas.openxmlformats.org/presentationml/2006/main">
+  <p:cSld>
+    <p:spTree>
+      <p:nvGrpSpPr>
+        <p:cNvPr id="1" name=""/>
+        <p:cNvGrpSpPr/>
+        <p:nvPr/>
+      </p:nvGrpSpPr>
+      <p:grpSpPr>
+        <a:xfrm>
+          <a:off x="0" y="0"/>
+          <a:ext cx="0" cy="0"/>
+          <a:chOff x="0" y="0"/>
+          <a:chExt cx="0" cy="0"/>
+        </a:xfrm>
+      </p:grpSpPr>
+      <p:pic>
+        <p:nvPicPr>
+          <p:cNvPr id="4" name="Picture 3"/>
+          <p:cNvPicPr>
+            <a:picLocks noChangeAspect="1"/>
+          </p:cNvPicPr>
+          <p:nvPr/>
+        </p:nvPicPr>
+        <p:blipFill>
+          <a:blip r:embed="rId2"/>
+          <a:stretch>
+            <a:fillRect/>
+          </a:stretch>
+        </p:blipFill>
+        <p:spPr>
+          <a:xfrm>
+            <a:off x="1979712" y="116632"/>
+            <a:ext cx="5733256" cy="5876546"/>
+          </a:xfrm>
+          <a:prstGeom prst="rect">
+            <a:avLst/>
+          </a:prstGeom>
+        </p:spPr>
+      </p:pic>
+    </p:spTree>
+    <p:extLst>
+      <p:ext uri="{BB962C8B-B14F-4D97-AF65-F5344CB8AC3E}">
+        <p14:creationId xmlns:p14="http://schemas.microsoft.com/office/powerpoint/2010/main" val="397354091"/>
+      </p:ext>
+    </p:extLst>
+  </p:cSld>
+  <p:clrMapOvr>
+    <a:masterClrMapping/>
+  </p:clrMapOvr>
+</p:sld>
+</file>
+
+<file path=ppt/slides/slide20.xml><?xml version="1.0" encoding="utf-8"?>
+<p:sld xmlns:a="http://schemas.openxmlformats.org/drawingml/2006/main" xmlns:r="http://schemas.openxmlformats.org/officeDocument/2006/relationships" xmlns:p="http://schemas.openxmlformats.org/presentationml/2006/main">
+  <p:cSld>
+    <p:spTree>
+      <p:nvGrpSpPr>
+        <p:cNvPr id="1" name=""/>
+        <p:cNvGrpSpPr/>
+        <p:nvPr/>
+      </p:nvGrpSpPr>
+      <p:grpSpPr>
+        <a:xfrm>
+          <a:off x="0" y="0"/>
+          <a:ext cx="0" cy="0"/>
+          <a:chOff x="0" y="0"/>
+          <a:chExt cx="0" cy="0"/>
+        </a:xfrm>
+      </p:grpSpPr>
+      <p:sp>
+        <p:nvSpPr>
           <p:cNvPr id="9" name="Rectangle 2"/>
           <p:cNvSpPr txBox="1">
             <a:spLocks noChangeArrowheads="1"/>
@@ -9442,7 +10028,7 @@
 </p:sld>
 </file>
 
-<file path=ppt/slides/slide2.xml><?xml version="1.0" encoding="utf-8"?>
+<file path=ppt/slides/slide3.xml><?xml version="1.0" encoding="utf-8"?>
 <p:sld xmlns:a="http://schemas.openxmlformats.org/drawingml/2006/main" xmlns:r="http://schemas.openxmlformats.org/officeDocument/2006/relationships" xmlns:p="http://schemas.openxmlformats.org/presentationml/2006/main" showMasterSp="0">
   <p:cSld>
     <p:spTree>
@@ -9871,7 +10457,7 @@
 </p:sld>
 </file>
 
-<file path=ppt/slides/slide3.xml><?xml version="1.0" encoding="utf-8"?>
+<file path=ppt/slides/slide4.xml><?xml version="1.0" encoding="utf-8"?>
 <p:sld xmlns:a="http://schemas.openxmlformats.org/drawingml/2006/main" xmlns:r="http://schemas.openxmlformats.org/officeDocument/2006/relationships" xmlns:p="http://schemas.openxmlformats.org/presentationml/2006/main">
   <p:cSld>
     <p:spTree>
@@ -10086,7 +10672,7 @@
 </p:sld>
 </file>
 
-<file path=ppt/slides/slide4.xml><?xml version="1.0" encoding="utf-8"?>
+<file path=ppt/slides/slide5.xml><?xml version="1.0" encoding="utf-8"?>
 <p:sld xmlns:a="http://schemas.openxmlformats.org/drawingml/2006/main" xmlns:r="http://schemas.openxmlformats.org/officeDocument/2006/relationships" xmlns:p="http://schemas.openxmlformats.org/presentationml/2006/main" showMasterSp="0">
   <p:cSld>
     <p:spTree>
@@ -10381,7 +10967,7 @@
 </p:sld>
 </file>
 
-<file path=ppt/slides/slide5.xml><?xml version="1.0" encoding="utf-8"?>
+<file path=ppt/slides/slide6.xml><?xml version="1.0" encoding="utf-8"?>
 <p:sld xmlns:a="http://schemas.openxmlformats.org/drawingml/2006/main" xmlns:r="http://schemas.openxmlformats.org/officeDocument/2006/relationships" xmlns:p="http://schemas.openxmlformats.org/presentationml/2006/main" showMasterSp="0">
   <p:cSld>
     <p:spTree>
@@ -10771,7 +11357,7 @@
 </p:sld>
 </file>
 
-<file path=ppt/slides/slide6.xml><?xml version="1.0" encoding="utf-8"?>
+<file path=ppt/slides/slide7.xml><?xml version="1.0" encoding="utf-8"?>
 <p:sld xmlns:a="http://schemas.openxmlformats.org/drawingml/2006/main" xmlns:r="http://schemas.openxmlformats.org/officeDocument/2006/relationships" xmlns:p="http://schemas.openxmlformats.org/presentationml/2006/main" showMasterSp="0">
   <p:cSld>
     <p:spTree>
@@ -11237,201 +11823,6 @@
 </p:sld>
 </file>
 
-<file path=ppt/slides/slide7.xml><?xml version="1.0" encoding="utf-8"?>
-<p:sld xmlns:a="http://schemas.openxmlformats.org/drawingml/2006/main" xmlns:r="http://schemas.openxmlformats.org/officeDocument/2006/relationships" xmlns:p="http://schemas.openxmlformats.org/presentationml/2006/main">
-  <p:cSld>
-    <p:spTree>
-      <p:nvGrpSpPr>
-        <p:cNvPr id="1" name=""/>
-        <p:cNvGrpSpPr/>
-        <p:nvPr/>
-      </p:nvGrpSpPr>
-      <p:grpSpPr>
-        <a:xfrm>
-          <a:off x="0" y="0"/>
-          <a:ext cx="0" cy="0"/>
-          <a:chOff x="0" y="0"/>
-          <a:chExt cx="0" cy="0"/>
-        </a:xfrm>
-      </p:grpSpPr>
-      <p:sp>
-        <p:nvSpPr>
-          <p:cNvPr id="9218" name="Rectangle 2"/>
-          <p:cNvSpPr txBox="1">
-            <a:spLocks noChangeArrowheads="1"/>
-          </p:cNvSpPr>
-          <p:nvPr/>
-        </p:nvSpPr>
-        <p:spPr bwMode="auto">
-          <a:xfrm>
-            <a:off x="500063" y="214313"/>
-            <a:ext cx="8443912" cy="911225"/>
-          </a:xfrm>
-          <a:prstGeom prst="rect">
-            <a:avLst/>
-          </a:prstGeom>
-          <a:noFill/>
-          <a:ln w="9525">
-            <a:noFill/>
-            <a:miter lim="800000"/>
-            <a:headEnd/>
-            <a:tailEnd/>
-          </a:ln>
-        </p:spPr>
-        <p:txBody>
-          <a:bodyPr lIns="0" tIns="0" rIns="0" bIns="0"/>
-          <a:lstStyle/>
-          <a:p>
-            <a:pPr algn="ctr" eaLnBrk="1" hangingPunct="1"/>
-            <a:r>
-              <a:rPr lang="en-GB" sz="4400" b="1" dirty="0">
-                <a:solidFill>
-                  <a:srgbClr val="C00000"/>
-                </a:solidFill>
-                <a:latin typeface="Trebuchet MS" pitchFamily="34" charset="0"/>
-              </a:rPr>
-              <a:t>Who is this Unit for?</a:t>
-            </a:r>
-            <a:endParaRPr lang="en-GB" sz="2800" b="1" dirty="0">
-              <a:solidFill>
-                <a:srgbClr val="595959"/>
-              </a:solidFill>
-              <a:latin typeface="Trebuchet MS" pitchFamily="34" charset="0"/>
-            </a:endParaRPr>
-          </a:p>
-        </p:txBody>
-      </p:sp>
-      <p:sp>
-        <p:nvSpPr>
-          <p:cNvPr id="9219" name="Rectangle 3"/>
-          <p:cNvSpPr txBox="1">
-            <a:spLocks noChangeArrowheads="1"/>
-          </p:cNvSpPr>
-          <p:nvPr/>
-        </p:nvSpPr>
-        <p:spPr bwMode="auto">
-          <a:xfrm>
-            <a:off x="395288" y="1341438"/>
-            <a:ext cx="8391525" cy="4587875"/>
-          </a:xfrm>
-          <a:prstGeom prst="rect">
-            <a:avLst/>
-          </a:prstGeom>
-          <a:noFill/>
-          <a:ln w="9525">
-            <a:noFill/>
-            <a:miter lim="800000"/>
-            <a:headEnd/>
-            <a:tailEnd/>
-          </a:ln>
-        </p:spPr>
-        <p:txBody>
-          <a:bodyPr lIns="0" tIns="0" rIns="0" bIns="0"/>
-          <a:lstStyle/>
-          <a:p>
-            <a:pPr marL="542925" indent="-542925" eaLnBrk="1" hangingPunct="1">
-              <a:spcAft>
-                <a:spcPts val="2400"/>
-              </a:spcAft>
-              <a:buClr>
-                <a:srgbClr val="C00000"/>
-              </a:buClr>
-              <a:buSzPct val="80000"/>
-              <a:buFont typeface="Wingdings" pitchFamily="2" charset="2"/>
-              <a:buChar char="ü"/>
-              <a:tabLst>
-                <a:tab pos="93663" algn="l"/>
-              </a:tabLst>
-            </a:pPr>
-            <a:r>
-              <a:rPr lang="en-GB" altLang="zh-CN" sz="4000" dirty="0">
-                <a:latin typeface="Times New Roman" pitchFamily="18" charset="0"/>
-              </a:rPr>
-              <a:t>For students who want to learn how to </a:t>
-            </a:r>
-            <a:r>
-              <a:rPr lang="en-GB" altLang="zh-CN" sz="4000" dirty="0" smtClean="0">
-                <a:latin typeface="Times New Roman" pitchFamily="18" charset="0"/>
-              </a:rPr>
-              <a:t>build HTML5 dynamic </a:t>
-            </a:r>
-            <a:r>
-              <a:rPr lang="en-GB" altLang="zh-CN" sz="4000" dirty="0">
-                <a:latin typeface="Times New Roman" pitchFamily="18" charset="0"/>
-              </a:rPr>
-              <a:t>web sites</a:t>
-            </a:r>
-          </a:p>
-          <a:p>
-            <a:pPr marL="542925" indent="-542925" eaLnBrk="1" hangingPunct="1">
-              <a:spcAft>
-                <a:spcPts val="2400"/>
-              </a:spcAft>
-              <a:buClr>
-                <a:srgbClr val="C00000"/>
-              </a:buClr>
-              <a:buSzPct val="80000"/>
-              <a:buFont typeface="Wingdings" pitchFamily="2" charset="2"/>
-              <a:buChar char="ü"/>
-              <a:tabLst>
-                <a:tab pos="93663" algn="l"/>
-              </a:tabLst>
-            </a:pPr>
-            <a:r>
-              <a:rPr lang="en-GB" altLang="zh-CN" sz="4000" dirty="0">
-                <a:latin typeface="Times New Roman" pitchFamily="18" charset="0"/>
-              </a:rPr>
-              <a:t>For students who seek a deeper understanding of the core web technologies and practices</a:t>
-            </a:r>
-          </a:p>
-          <a:p>
-            <a:pPr marL="542925" indent="-542925" eaLnBrk="1" hangingPunct="1">
-              <a:spcAft>
-                <a:spcPts val="1200"/>
-              </a:spcAft>
-              <a:buClr>
-                <a:srgbClr val="C00000"/>
-              </a:buClr>
-              <a:buSzPct val="80000"/>
-              <a:tabLst>
-                <a:tab pos="93663" algn="l"/>
-              </a:tabLst>
-            </a:pPr>
-            <a:endParaRPr lang="en-GB" altLang="zh-CN" sz="3400" dirty="0">
-              <a:latin typeface="Times New Roman" pitchFamily="18" charset="0"/>
-            </a:endParaRPr>
-          </a:p>
-          <a:p>
-            <a:pPr marL="542925" indent="-542925" eaLnBrk="1" hangingPunct="1">
-              <a:buClr>
-                <a:srgbClr val="FF0003"/>
-              </a:buClr>
-              <a:buSzPct val="80000"/>
-              <a:tabLst>
-                <a:tab pos="93663" algn="l"/>
-              </a:tabLst>
-            </a:pPr>
-            <a:endParaRPr lang="en-GB" altLang="zh-CN" sz="2600" dirty="0">
-              <a:latin typeface="Times New Roman" pitchFamily="18" charset="0"/>
-            </a:endParaRPr>
-          </a:p>
-        </p:txBody>
-      </p:sp>
-    </p:spTree>
-  </p:cSld>
-  <p:clrMapOvr>
-    <a:masterClrMapping/>
-  </p:clrMapOvr>
-  <p:timing>
-    <p:tnLst>
-      <p:par>
-        <p:cTn id="1" dur="indefinite" restart="never" nodeType="tmRoot"/>
-      </p:par>
-    </p:tnLst>
-  </p:timing>
-</p:sld>
-</file>
-
 <file path=ppt/slides/slide8.xml><?xml version="1.0" encoding="utf-8"?>
 <p:sld xmlns:a="http://schemas.openxmlformats.org/drawingml/2006/main" xmlns:r="http://schemas.openxmlformats.org/officeDocument/2006/relationships" xmlns:p="http://schemas.openxmlformats.org/presentationml/2006/main">
   <p:cSld>
@@ -11451,7 +11842,7 @@
       </p:grpSpPr>
       <p:sp>
         <p:nvSpPr>
-          <p:cNvPr id="11266" name="Rectangle 2"/>
+          <p:cNvPr id="9218" name="Rectangle 2"/>
           <p:cNvSpPr txBox="1">
             <a:spLocks noChangeArrowheads="1"/>
           </p:cNvSpPr>
@@ -11479,15 +11870,15 @@
           <a:p>
             <a:pPr algn="ctr" eaLnBrk="1" hangingPunct="1"/>
             <a:r>
-              <a:rPr lang="en-GB" sz="4000" b="1">
+              <a:rPr lang="en-GB" sz="4400" b="1" dirty="0">
                 <a:solidFill>
                   <a:srgbClr val="C00000"/>
                 </a:solidFill>
                 <a:latin typeface="Trebuchet MS" pitchFamily="34" charset="0"/>
               </a:rPr>
-              <a:t>What will you get from this Unit?</a:t>
-            </a:r>
-            <a:endParaRPr lang="en-GB" sz="4000" b="1">
+              <a:t>Who is this Unit for?</a:t>
+            </a:r>
+            <a:endParaRPr lang="en-GB" sz="2800" b="1" dirty="0">
               <a:solidFill>
                 <a:srgbClr val="595959"/>
               </a:solidFill>
@@ -11498,7 +11889,7 @@
       </p:sp>
       <p:sp>
         <p:nvSpPr>
-          <p:cNvPr id="11267" name="Rectangle 3"/>
+          <p:cNvPr id="9219" name="Rectangle 3"/>
           <p:cNvSpPr txBox="1">
             <a:spLocks noChangeArrowheads="1"/>
           </p:cNvSpPr>
@@ -11540,57 +11931,21 @@
             </a:pPr>
             <a:r>
               <a:rPr lang="en-GB" altLang="zh-CN" sz="4000" dirty="0">
-                <a:solidFill>
-                  <a:srgbClr val="000000"/>
-                </a:solidFill>
-                <a:latin typeface="Times New Roman" pitchFamily="18" charset="0"/>
-              </a:rPr>
-              <a:t>The goal is to help you build </a:t>
+                <a:latin typeface="Times New Roman" pitchFamily="18" charset="0"/>
+              </a:rPr>
+              <a:t>For students who want to learn how to </a:t>
             </a:r>
             <a:r>
               <a:rPr lang="en-GB" altLang="zh-CN" sz="4000" dirty="0" smtClean="0">
-                <a:solidFill>
-                  <a:srgbClr val="000000"/>
-                </a:solidFill>
-                <a:latin typeface="Times New Roman" pitchFamily="18" charset="0"/>
-              </a:rPr>
-              <a:t>an understating of HTML5, </a:t>
-            </a:r>
-            <a:r>
-              <a:rPr lang="en-GB" altLang="zh-CN" sz="4000" dirty="0" smtClean="0">
-                <a:solidFill>
-                  <a:srgbClr val="000000"/>
-                </a:solidFill>
-                <a:latin typeface="Times New Roman" pitchFamily="18" charset="0"/>
-              </a:rPr>
-              <a:t>CSS3 Developing </a:t>
+                <a:latin typeface="Times New Roman" pitchFamily="18" charset="0"/>
+              </a:rPr>
+              <a:t>build HTML5 dynamic </a:t>
             </a:r>
             <a:r>
               <a:rPr lang="en-GB" altLang="zh-CN" sz="4000" dirty="0">
-                <a:solidFill>
-                  <a:srgbClr val="000000"/>
-                </a:solidFill>
-                <a:latin typeface="Times New Roman" pitchFamily="18" charset="0"/>
-              </a:rPr>
-              <a:t>with </a:t>
-            </a:r>
-            <a:r>
-              <a:rPr lang="en-GB" altLang="zh-CN" sz="4000" i="1" dirty="0">
-                <a:solidFill>
-                  <a:srgbClr val="000000"/>
-                </a:solidFill>
-                <a:latin typeface="Times New Roman" pitchFamily="18" charset="0"/>
-              </a:rPr>
-              <a:t>Web Standards</a:t>
-            </a:r>
-            <a:r>
-              <a:rPr lang="en-GB" altLang="zh-CN" sz="4000" dirty="0" smtClean="0">
-                <a:solidFill>
-                  <a:srgbClr val="000000"/>
-                </a:solidFill>
-                <a:latin typeface="Times New Roman" pitchFamily="18" charset="0"/>
-              </a:rPr>
-              <a:t>!</a:t>
+                <a:latin typeface="Times New Roman" pitchFamily="18" charset="0"/>
+              </a:rPr>
+              <a:t>web sites</a:t>
             </a:r>
           </a:p>
           <a:p>
@@ -11610,32 +11965,24 @@
             </a:pPr>
             <a:r>
               <a:rPr lang="en-GB" altLang="zh-CN" sz="4000" dirty="0">
-                <a:solidFill>
-                  <a:srgbClr val="000000"/>
-                </a:solidFill>
-                <a:latin typeface="Times New Roman" pitchFamily="18" charset="0"/>
-              </a:rPr>
-              <a:t> </a:t>
-            </a:r>
-            <a:r>
-              <a:rPr lang="en-GB" altLang="zh-CN" sz="4000" dirty="0" smtClean="0">
-                <a:solidFill>
-                  <a:srgbClr val="000000"/>
-                </a:solidFill>
-                <a:latin typeface="Times New Roman" pitchFamily="18" charset="0"/>
-              </a:rPr>
-              <a:t>A passion for web development </a:t>
-            </a:r>
-            <a:r>
-              <a:rPr lang="en-US" altLang="zh-CN" sz="4000" dirty="0" smtClean="0">
-                <a:solidFill>
-                  <a:srgbClr val="000000"/>
-                </a:solidFill>
-                <a:latin typeface="Times New Roman" pitchFamily="18" charset="0"/>
-                <a:sym typeface="Wingdings"/>
-              </a:rPr>
-              <a:t></a:t>
-            </a:r>
+                <a:latin typeface="Times New Roman" pitchFamily="18" charset="0"/>
+              </a:rPr>
+              <a:t>For students who seek a deeper understanding of the core web technologies and practices</a:t>
+            </a:r>
+          </a:p>
+          <a:p>
+            <a:pPr marL="542925" indent="-542925" eaLnBrk="1" hangingPunct="1">
+              <a:spcAft>
+                <a:spcPts val="1200"/>
+              </a:spcAft>
+              <a:buClr>
+                <a:srgbClr val="C00000"/>
+              </a:buClr>
+              <a:buSzPct val="80000"/>
+              <a:tabLst>
+                <a:tab pos="93663" algn="l"/>
+              </a:tabLst>
+            </a:pPr>
             <a:endParaRPr lang="en-GB" altLang="zh-CN" sz="3400" dirty="0">
               <a:latin typeface="Times New Roman" pitchFamily="18" charset="0"/>
             </a:endParaRPr>
@@ -11690,7 +12037,7 @@
       </p:grpSpPr>
       <p:sp>
         <p:nvSpPr>
-          <p:cNvPr id="8194" name="Rectangle 2"/>
+          <p:cNvPr id="11266" name="Rectangle 2"/>
           <p:cNvSpPr txBox="1">
             <a:spLocks noChangeArrowheads="1"/>
           </p:cNvSpPr>
@@ -11698,8 +12045,8 @@
         </p:nvSpPr>
         <p:spPr bwMode="auto">
           <a:xfrm>
-            <a:off x="500063" y="358775"/>
-            <a:ext cx="8443912" cy="909638"/>
+            <a:off x="500063" y="214313"/>
+            <a:ext cx="8443912" cy="911225"/>
           </a:xfrm>
           <a:prstGeom prst="rect">
             <a:avLst/>
@@ -11724,7 +12071,7 @@
                 </a:solidFill>
                 <a:latin typeface="Trebuchet MS" pitchFamily="34" charset="0"/>
               </a:rPr>
-              <a:t>What you won’t get from this Unit?</a:t>
+              <a:t>What will you get from this Unit?</a:t>
             </a:r>
             <a:endParaRPr lang="en-GB" sz="4000" b="1">
               <a:solidFill>
@@ -11737,7 +12084,7 @@
       </p:sp>
       <p:sp>
         <p:nvSpPr>
-          <p:cNvPr id="8195" name="Rectangle 3"/>
+          <p:cNvPr id="11267" name="Rectangle 3"/>
           <p:cNvSpPr txBox="1">
             <a:spLocks noChangeArrowheads="1"/>
           </p:cNvSpPr>
@@ -11745,8 +12092,8 @@
         </p:nvSpPr>
         <p:spPr bwMode="auto">
           <a:xfrm>
-            <a:off x="395288" y="1556792"/>
-            <a:ext cx="8497887" cy="4608512"/>
+            <a:off x="395288" y="1341438"/>
+            <a:ext cx="8391525" cy="4587875"/>
           </a:xfrm>
           <a:prstGeom prst="rect">
             <a:avLst/>
@@ -11763,200 +12110,124 @@
           <a:bodyPr lIns="0" tIns="0" rIns="0" bIns="0"/>
           <a:lstStyle/>
           <a:p>
-            <a:pPr marL="714375" indent="-533400" eaLnBrk="1" hangingPunct="1">
+            <a:pPr marL="542925" indent="-542925" eaLnBrk="1" hangingPunct="1">
               <a:spcAft>
                 <a:spcPts val="2400"/>
               </a:spcAft>
               <a:buClr>
                 <a:srgbClr val="C00000"/>
               </a:buClr>
-              <a:buSzPct val="120000"/>
-              <a:buFont typeface="Symbol" pitchFamily="18" charset="2"/>
-              <a:buChar char="´"/>
+              <a:buSzPct val="80000"/>
+              <a:buFont typeface="Wingdings" pitchFamily="2" charset="2"/>
+              <a:buChar char="ü"/>
               <a:tabLst>
                 <a:tab pos="93663" algn="l"/>
               </a:tabLst>
             </a:pPr>
             <a:r>
-              <a:rPr lang="en-GB" altLang="zh-CN" sz="3600" dirty="0">
-                <a:latin typeface="Times New Roman" pitchFamily="18" charset="0"/>
-              </a:rPr>
-              <a:t>This unit does </a:t>
-            </a:r>
-            <a:r>
-              <a:rPr lang="en-GB" altLang="zh-CN" sz="3600" i="1" dirty="0">
-                <a:latin typeface="Times New Roman" pitchFamily="18" charset="0"/>
-              </a:rPr>
-              <a:t>not</a:t>
-            </a:r>
-            <a:r>
-              <a:rPr lang="en-GB" altLang="zh-CN" sz="3600" dirty="0">
-                <a:latin typeface="Times New Roman" pitchFamily="18" charset="0"/>
-              </a:rPr>
-              <a:t> provide information about what happens on the </a:t>
-            </a:r>
-            <a:r>
-              <a:rPr lang="en-GB" altLang="zh-CN" sz="3600" i="1" dirty="0" smtClean="0">
-                <a:latin typeface="Times New Roman" pitchFamily="18" charset="0"/>
-              </a:rPr>
-              <a:t>server</a:t>
-            </a:r>
-          </a:p>
-          <a:p>
-            <a:pPr marL="714375" indent="-533400" eaLnBrk="1" hangingPunct="1">
+              <a:rPr lang="en-GB" altLang="zh-CN" sz="4000" dirty="0">
+                <a:solidFill>
+                  <a:srgbClr val="000000"/>
+                </a:solidFill>
+                <a:latin typeface="Times New Roman" pitchFamily="18" charset="0"/>
+              </a:rPr>
+              <a:t>The goal is to help you build </a:t>
+            </a:r>
+            <a:r>
+              <a:rPr lang="en-GB" altLang="zh-CN" sz="4000" dirty="0" smtClean="0">
+                <a:solidFill>
+                  <a:srgbClr val="000000"/>
+                </a:solidFill>
+                <a:latin typeface="Times New Roman" pitchFamily="18" charset="0"/>
+              </a:rPr>
+              <a:t>an understating of HTML5, </a:t>
+            </a:r>
+            <a:r>
+              <a:rPr lang="en-GB" altLang="zh-CN" sz="4000" dirty="0" smtClean="0">
+                <a:solidFill>
+                  <a:srgbClr val="000000"/>
+                </a:solidFill>
+                <a:latin typeface="Times New Roman" pitchFamily="18" charset="0"/>
+              </a:rPr>
+              <a:t>CSS3 Developing </a:t>
+            </a:r>
+            <a:r>
+              <a:rPr lang="en-GB" altLang="zh-CN" sz="4000" dirty="0">
+                <a:solidFill>
+                  <a:srgbClr val="000000"/>
+                </a:solidFill>
+                <a:latin typeface="Times New Roman" pitchFamily="18" charset="0"/>
+              </a:rPr>
+              <a:t>with </a:t>
+            </a:r>
+            <a:r>
+              <a:rPr lang="en-GB" altLang="zh-CN" sz="4000" i="1" dirty="0">
+                <a:solidFill>
+                  <a:srgbClr val="000000"/>
+                </a:solidFill>
+                <a:latin typeface="Times New Roman" pitchFamily="18" charset="0"/>
+              </a:rPr>
+              <a:t>Web Standards</a:t>
+            </a:r>
+            <a:r>
+              <a:rPr lang="en-GB" altLang="zh-CN" sz="4000" dirty="0" smtClean="0">
+                <a:solidFill>
+                  <a:srgbClr val="000000"/>
+                </a:solidFill>
+                <a:latin typeface="Times New Roman" pitchFamily="18" charset="0"/>
+              </a:rPr>
+              <a:t>!</a:t>
+            </a:r>
+          </a:p>
+          <a:p>
+            <a:pPr marL="542925" indent="-542925" eaLnBrk="1" hangingPunct="1">
               <a:spcAft>
                 <a:spcPts val="2400"/>
               </a:spcAft>
               <a:buClr>
                 <a:srgbClr val="C00000"/>
               </a:buClr>
-              <a:buSzPct val="120000"/>
-              <a:buFont typeface="Symbol" pitchFamily="18" charset="2"/>
-              <a:buChar char="´"/>
+              <a:buSzPct val="80000"/>
+              <a:buFont typeface="Wingdings" pitchFamily="2" charset="2"/>
+              <a:buChar char="ü"/>
               <a:tabLst>
                 <a:tab pos="93663" algn="l"/>
               </a:tabLst>
             </a:pPr>
             <a:r>
-              <a:rPr lang="en-GB" altLang="zh-CN" sz="3600" dirty="0" smtClean="0">
-                <a:latin typeface="Times New Roman" pitchFamily="18" charset="0"/>
-              </a:rPr>
-              <a:t>This unit will </a:t>
-            </a:r>
-            <a:r>
-              <a:rPr lang="en-GB" altLang="zh-CN" sz="3600" i="1" dirty="0" smtClean="0">
-                <a:latin typeface="Times New Roman" pitchFamily="18" charset="0"/>
-              </a:rPr>
-              <a:t>not</a:t>
-            </a:r>
-            <a:r>
-              <a:rPr lang="en-GB" altLang="zh-CN" sz="3600" dirty="0" smtClean="0">
-                <a:latin typeface="Times New Roman" pitchFamily="18" charset="0"/>
-              </a:rPr>
-              <a:t> consider </a:t>
-            </a:r>
-            <a:r>
-              <a:rPr lang="en-GB" altLang="zh-CN" sz="3600" i="1" dirty="0" smtClean="0">
-                <a:latin typeface="Times New Roman" pitchFamily="18" charset="0"/>
-              </a:rPr>
-              <a:t>mobile</a:t>
-            </a:r>
-            <a:r>
-              <a:rPr lang="en-GB" altLang="zh-CN" sz="3600" dirty="0" smtClean="0">
-                <a:latin typeface="Times New Roman" pitchFamily="18" charset="0"/>
-              </a:rPr>
-              <a:t> web development</a:t>
-            </a:r>
-            <a:endParaRPr lang="en-GB" altLang="zh-CN" sz="3600" dirty="0">
-              <a:latin typeface="Times New Roman" pitchFamily="18" charset="0"/>
-            </a:endParaRPr>
-          </a:p>
-          <a:p>
-            <a:pPr marL="714375" indent="-533400" eaLnBrk="1" hangingPunct="1">
-              <a:spcAft>
-                <a:spcPts val="2400"/>
-              </a:spcAft>
-              <a:buClr>
-                <a:srgbClr val="C00000"/>
-              </a:buClr>
-              <a:buSzPct val="120000"/>
-              <a:tabLst>
-                <a:tab pos="93663" algn="l"/>
-              </a:tabLst>
-            </a:pPr>
-            <a:r>
-              <a:rPr lang="en-GB" altLang="zh-CN" sz="3600" i="1" dirty="0">
-                <a:latin typeface="Times New Roman" pitchFamily="18" charset="0"/>
-              </a:rPr>
-              <a:t>      </a:t>
-            </a:r>
-            <a:r>
-              <a:rPr lang="en-GB" altLang="zh-CN" sz="3600" i="1" dirty="0" smtClean="0">
-                <a:latin typeface="Times New Roman" pitchFamily="18" charset="0"/>
-              </a:rPr>
-              <a:t>Level 5: </a:t>
-            </a:r>
-            <a:r>
-              <a:rPr lang="en-GB" altLang="zh-CN" sz="3600" i="1" dirty="0">
-                <a:latin typeface="Times New Roman" pitchFamily="18" charset="0"/>
-              </a:rPr>
-              <a:t>“Developing for the Internet</a:t>
-            </a:r>
-            <a:r>
-              <a:rPr lang="en-GB" altLang="zh-CN" sz="3600" i="1" dirty="0" smtClean="0">
-                <a:latin typeface="Times New Roman" pitchFamily="18" charset="0"/>
-              </a:rPr>
-              <a:t>”</a:t>
-            </a:r>
-          </a:p>
-          <a:p>
-            <a:pPr marL="714375" indent="-533400" algn="ctr" eaLnBrk="1" hangingPunct="1">
-              <a:spcAft>
-                <a:spcPts val="2400"/>
-              </a:spcAft>
-              <a:buClr>
-                <a:srgbClr val="C00000"/>
-              </a:buClr>
-              <a:buSzPct val="120000"/>
-              <a:tabLst>
-                <a:tab pos="93663" algn="l"/>
-              </a:tabLst>
-            </a:pPr>
-            <a:r>
-              <a:rPr lang="en-GB" altLang="zh-CN" sz="3600" i="1" dirty="0" smtClean="0">
-                <a:latin typeface="Times New Roman" pitchFamily="18" charset="0"/>
-              </a:rPr>
-              <a:t>Level 6: </a:t>
-            </a:r>
-            <a:r>
-              <a:rPr lang="en-GB" altLang="zh-CN" sz="3600" i="1" dirty="0">
-                <a:latin typeface="Times New Roman" pitchFamily="18" charset="0"/>
-              </a:rPr>
-              <a:t>“Web Application Development</a:t>
-            </a:r>
-            <a:r>
-              <a:rPr lang="en-GB" altLang="zh-CN" sz="3600" i="1" dirty="0" smtClean="0">
-                <a:latin typeface="Times New Roman" pitchFamily="18" charset="0"/>
-              </a:rPr>
-              <a:t>”</a:t>
-            </a:r>
-          </a:p>
-          <a:p>
-            <a:pPr marL="714375" indent="-533400" eaLnBrk="1" hangingPunct="1">
-              <a:spcAft>
-                <a:spcPts val="2400"/>
-              </a:spcAft>
-              <a:buClr>
-                <a:srgbClr val="C00000"/>
-              </a:buClr>
-              <a:buSzPct val="120000"/>
-              <a:tabLst>
-                <a:tab pos="93663" algn="l"/>
-              </a:tabLst>
-            </a:pPr>
-            <a:endParaRPr lang="en-GB" altLang="zh-CN" sz="4000" dirty="0">
-              <a:latin typeface="Times New Roman" pitchFamily="18" charset="0"/>
-            </a:endParaRPr>
-          </a:p>
-          <a:p>
-            <a:pPr marL="714375" indent="-533400" eaLnBrk="1" hangingPunct="1">
-              <a:spcAft>
-                <a:spcPts val="1200"/>
-              </a:spcAft>
-              <a:buClr>
-                <a:srgbClr val="C00000"/>
-              </a:buClr>
-              <a:buSzPct val="80000"/>
-              <a:tabLst>
-                <a:tab pos="93663" algn="l"/>
-              </a:tabLst>
-            </a:pPr>
+              <a:rPr lang="en-GB" altLang="zh-CN" sz="4000" dirty="0">
+                <a:solidFill>
+                  <a:srgbClr val="000000"/>
+                </a:solidFill>
+                <a:latin typeface="Times New Roman" pitchFamily="18" charset="0"/>
+              </a:rPr>
+              <a:t> </a:t>
+            </a:r>
+            <a:r>
+              <a:rPr lang="en-GB" altLang="zh-CN" sz="4000" dirty="0" smtClean="0">
+                <a:solidFill>
+                  <a:srgbClr val="000000"/>
+                </a:solidFill>
+                <a:latin typeface="Times New Roman" pitchFamily="18" charset="0"/>
+              </a:rPr>
+              <a:t>A passion for web development </a:t>
+            </a:r>
+            <a:r>
+              <a:rPr lang="en-US" altLang="zh-CN" sz="4000" dirty="0" smtClean="0">
+                <a:solidFill>
+                  <a:srgbClr val="000000"/>
+                </a:solidFill>
+                <a:latin typeface="Times New Roman" pitchFamily="18" charset="0"/>
+                <a:sym typeface="Wingdings"/>
+              </a:rPr>
+              <a:t></a:t>
+            </a:r>
             <a:endParaRPr lang="en-GB" altLang="zh-CN" sz="3400" dirty="0">
               <a:latin typeface="Times New Roman" pitchFamily="18" charset="0"/>
             </a:endParaRPr>
           </a:p>
           <a:p>
-            <a:pPr marL="714375" indent="-533400" eaLnBrk="1" hangingPunct="1">
+            <a:pPr marL="542925" indent="-542925" eaLnBrk="1" hangingPunct="1">
               <a:buClr>
                 <a:srgbClr val="FF0003"/>
               </a:buClr>
@@ -11972,11 +12243,6 @@
         </p:txBody>
       </p:sp>
     </p:spTree>
-    <p:extLst>
-      <p:ext uri="{BB962C8B-B14F-4D97-AF65-F5344CB8AC3E}">
-        <p14:creationId xmlns:p14="http://schemas.microsoft.com/office/powerpoint/2010/main" val="3029082908"/>
-      </p:ext>
-    </p:extLst>
   </p:cSld>
   <p:clrMapOvr>
     <a:masterClrMapping/>
@@ -11984,218 +12250,7 @@
   <p:timing>
     <p:tnLst>
       <p:par>
-        <p:cTn id="1" dur="indefinite" restart="never" nodeType="tmRoot">
-          <p:childTnLst>
-            <p:seq concurrent="1" nextAc="seek">
-              <p:cTn id="2" dur="indefinite" nodeType="mainSeq">
-                <p:childTnLst>
-                  <p:par>
-                    <p:cTn id="3" fill="hold">
-                      <p:stCondLst>
-                        <p:cond delay="indefinite"/>
-                      </p:stCondLst>
-                      <p:childTnLst>
-                        <p:par>
-                          <p:cTn id="4" fill="hold">
-                            <p:stCondLst>
-                              <p:cond delay="0"/>
-                            </p:stCondLst>
-                            <p:childTnLst>
-                              <p:par>
-                                <p:cTn id="5" presetID="2" presetClass="entr" presetSubtype="4" fill="hold" nodeType="clickEffect">
-                                  <p:stCondLst>
-                                    <p:cond delay="0"/>
-                                  </p:stCondLst>
-                                  <p:childTnLst>
-                                    <p:set>
-                                      <p:cBhvr>
-                                        <p:cTn id="6" dur="1" fill="hold">
-                                          <p:stCondLst>
-                                            <p:cond delay="0"/>
-                                          </p:stCondLst>
-                                        </p:cTn>
-                                        <p:tgtEl>
-                                          <p:spTgt spid="8195">
-                                            <p:txEl>
-                                              <p:pRg st="2" end="2"/>
-                                            </p:txEl>
-                                          </p:spTgt>
-                                        </p:tgtEl>
-                                        <p:attrNameLst>
-                                          <p:attrName>style.visibility</p:attrName>
-                                        </p:attrNameLst>
-                                      </p:cBhvr>
-                                      <p:to>
-                                        <p:strVal val="visible"/>
-                                      </p:to>
-                                    </p:set>
-                                    <p:anim calcmode="lin" valueType="num">
-                                      <p:cBhvr additive="base">
-                                        <p:cTn id="7" dur="500" fill="hold"/>
-                                        <p:tgtEl>
-                                          <p:spTgt spid="8195">
-                                            <p:txEl>
-                                              <p:pRg st="2" end="2"/>
-                                            </p:txEl>
-                                          </p:spTgt>
-                                        </p:tgtEl>
-                                        <p:attrNameLst>
-                                          <p:attrName>ppt_x</p:attrName>
-                                        </p:attrNameLst>
-                                      </p:cBhvr>
-                                      <p:tavLst>
-                                        <p:tav tm="0">
-                                          <p:val>
-                                            <p:strVal val="#ppt_x"/>
-                                          </p:val>
-                                        </p:tav>
-                                        <p:tav tm="100000">
-                                          <p:val>
-                                            <p:strVal val="#ppt_x"/>
-                                          </p:val>
-                                        </p:tav>
-                                      </p:tavLst>
-                                    </p:anim>
-                                    <p:anim calcmode="lin" valueType="num">
-                                      <p:cBhvr additive="base">
-                                        <p:cTn id="8" dur="500" fill="hold"/>
-                                        <p:tgtEl>
-                                          <p:spTgt spid="8195">
-                                            <p:txEl>
-                                              <p:pRg st="2" end="2"/>
-                                            </p:txEl>
-                                          </p:spTgt>
-                                        </p:tgtEl>
-                                        <p:attrNameLst>
-                                          <p:attrName>ppt_y</p:attrName>
-                                        </p:attrNameLst>
-                                      </p:cBhvr>
-                                      <p:tavLst>
-                                        <p:tav tm="0">
-                                          <p:val>
-                                            <p:strVal val="1+#ppt_h/2"/>
-                                          </p:val>
-                                        </p:tav>
-                                        <p:tav tm="100000">
-                                          <p:val>
-                                            <p:strVal val="#ppt_y"/>
-                                          </p:val>
-                                        </p:tav>
-                                      </p:tavLst>
-                                    </p:anim>
-                                  </p:childTnLst>
-                                </p:cTn>
-                              </p:par>
-                              <p:par>
-                                <p:cTn id="9" presetID="2" presetClass="entr" presetSubtype="4" fill="hold" nodeType="withEffect">
-                                  <p:stCondLst>
-                                    <p:cond delay="0"/>
-                                  </p:stCondLst>
-                                  <p:childTnLst>
-                                    <p:set>
-                                      <p:cBhvr>
-                                        <p:cTn id="10" dur="1" fill="hold">
-                                          <p:stCondLst>
-                                            <p:cond delay="0"/>
-                                          </p:stCondLst>
-                                        </p:cTn>
-                                        <p:tgtEl>
-                                          <p:spTgt spid="8195">
-                                            <p:txEl>
-                                              <p:pRg st="3" end="3"/>
-                                            </p:txEl>
-                                          </p:spTgt>
-                                        </p:tgtEl>
-                                        <p:attrNameLst>
-                                          <p:attrName>style.visibility</p:attrName>
-                                        </p:attrNameLst>
-                                      </p:cBhvr>
-                                      <p:to>
-                                        <p:strVal val="visible"/>
-                                      </p:to>
-                                    </p:set>
-                                    <p:anim calcmode="lin" valueType="num">
-                                      <p:cBhvr additive="base">
-                                        <p:cTn id="11" dur="500" fill="hold"/>
-                                        <p:tgtEl>
-                                          <p:spTgt spid="8195">
-                                            <p:txEl>
-                                              <p:pRg st="3" end="3"/>
-                                            </p:txEl>
-                                          </p:spTgt>
-                                        </p:tgtEl>
-                                        <p:attrNameLst>
-                                          <p:attrName>ppt_x</p:attrName>
-                                        </p:attrNameLst>
-                                      </p:cBhvr>
-                                      <p:tavLst>
-                                        <p:tav tm="0">
-                                          <p:val>
-                                            <p:strVal val="#ppt_x"/>
-                                          </p:val>
-                                        </p:tav>
-                                        <p:tav tm="100000">
-                                          <p:val>
-                                            <p:strVal val="#ppt_x"/>
-                                          </p:val>
-                                        </p:tav>
-                                      </p:tavLst>
-                                    </p:anim>
-                                    <p:anim calcmode="lin" valueType="num">
-                                      <p:cBhvr additive="base">
-                                        <p:cTn id="12" dur="500" fill="hold"/>
-                                        <p:tgtEl>
-                                          <p:spTgt spid="8195">
-                                            <p:txEl>
-                                              <p:pRg st="3" end="3"/>
-                                            </p:txEl>
-                                          </p:spTgt>
-                                        </p:tgtEl>
-                                        <p:attrNameLst>
-                                          <p:attrName>ppt_y</p:attrName>
-                                        </p:attrNameLst>
-                                      </p:cBhvr>
-                                      <p:tavLst>
-                                        <p:tav tm="0">
-                                          <p:val>
-                                            <p:strVal val="1+#ppt_h/2"/>
-                                          </p:val>
-                                        </p:tav>
-                                        <p:tav tm="100000">
-                                          <p:val>
-                                            <p:strVal val="#ppt_y"/>
-                                          </p:val>
-                                        </p:tav>
-                                      </p:tavLst>
-                                    </p:anim>
-                                  </p:childTnLst>
-                                </p:cTn>
-                              </p:par>
-                            </p:childTnLst>
-                          </p:cTn>
-                        </p:par>
-                      </p:childTnLst>
-                    </p:cTn>
-                  </p:par>
-                </p:childTnLst>
-              </p:cTn>
-              <p:prevCondLst>
-                <p:cond evt="onPrev" delay="0">
-                  <p:tgtEl>
-                    <p:sldTgt/>
-                  </p:tgtEl>
-                </p:cond>
-              </p:prevCondLst>
-              <p:nextCondLst>
-                <p:cond evt="onNext" delay="0">
-                  <p:tgtEl>
-                    <p:sldTgt/>
-                  </p:tgtEl>
-                </p:cond>
-              </p:nextCondLst>
-            </p:seq>
-          </p:childTnLst>
-        </p:cTn>
+        <p:cTn id="1" dur="indefinite" restart="never" nodeType="tmRoot"/>
       </p:par>
     </p:tnLst>
   </p:timing>

--- a/sessions/week1/slides.pptx
+++ b/sessions/week1/slides.pptx
@@ -12,16 +12,16 @@
   </p:handoutMasterIdLst>
   <p:sldIdLst>
     <p:sldId id="265" r:id="rId2"/>
-    <p:sldId id="317" r:id="rId3"/>
-    <p:sldId id="306" r:id="rId4"/>
-    <p:sldId id="282" r:id="rId5"/>
-    <p:sldId id="307" r:id="rId6"/>
-    <p:sldId id="316" r:id="rId7"/>
-    <p:sldId id="281" r:id="rId8"/>
-    <p:sldId id="296" r:id="rId9"/>
-    <p:sldId id="298" r:id="rId10"/>
-    <p:sldId id="308" r:id="rId11"/>
-    <p:sldId id="309" r:id="rId12"/>
+    <p:sldId id="306" r:id="rId3"/>
+    <p:sldId id="318" r:id="rId4"/>
+    <p:sldId id="317" r:id="rId5"/>
+    <p:sldId id="282" r:id="rId6"/>
+    <p:sldId id="307" r:id="rId7"/>
+    <p:sldId id="320" r:id="rId8"/>
+    <p:sldId id="309" r:id="rId9"/>
+    <p:sldId id="281" r:id="rId10"/>
+    <p:sldId id="316" r:id="rId11"/>
+    <p:sldId id="319" r:id="rId12"/>
     <p:sldId id="310" r:id="rId13"/>
     <p:sldId id="300" r:id="rId14"/>
     <p:sldId id="286" r:id="rId15"/>
@@ -988,9 +988,40 @@
       </p:grpSpPr>
       <p:sp>
         <p:nvSpPr>
-          <p:cNvPr id="21506" name="Slide Image Placeholder 1"/>
+          <p:cNvPr id="54274" name="Rectangle 7"/>
           <p:cNvSpPr>
-            <a:spLocks noGrp="1" noRot="1" noChangeAspect="1" noTextEdit="1"/>
+            <a:spLocks noGrp="1" noChangeArrowheads="1"/>
+          </p:cNvSpPr>
+          <p:nvPr>
+            <p:ph type="sldNum" sz="quarter" idx="5"/>
+          </p:nvPr>
+        </p:nvSpPr>
+        <p:spPr bwMode="auto">
+          <a:noFill/>
+          <a:ln>
+            <a:miter lim="800000"/>
+            <a:headEnd/>
+            <a:tailEnd/>
+          </a:ln>
+        </p:spPr>
+        <p:txBody>
+          <a:bodyPr/>
+          <a:lstStyle/>
+          <a:p>
+            <a:fld id="{1DC1DAAA-B61E-4B13-A3CA-5F53EA3A7023}" type="slidenum">
+              <a:rPr lang="en-US" altLang="zh-CN" smtClean="0"/>
+              <a:pPr/>
+              <a:t>14</a:t>
+            </a:fld>
+            <a:endParaRPr lang="en-US" altLang="zh-CN" smtClean="0"/>
+          </a:p>
+        </p:txBody>
+      </p:sp>
+      <p:sp>
+        <p:nvSpPr>
+          <p:cNvPr id="54275" name="Rectangle 2"/>
+          <p:cNvSpPr>
+            <a:spLocks noGrp="1" noRot="1" noChangeAspect="1" noChangeArrowheads="1" noTextEdit="1"/>
           </p:cNvSpPr>
           <p:nvPr>
             <p:ph type="sldImg"/>
@@ -1010,9 +1041,9 @@
       </p:sp>
       <p:sp>
         <p:nvSpPr>
-          <p:cNvPr id="21507" name="Notes Placeholder 2"/>
+          <p:cNvPr id="54276" name="Rectangle 3"/>
           <p:cNvSpPr>
-            <a:spLocks noGrp="1"/>
+            <a:spLocks noGrp="1" noChangeArrowheads="1"/>
           </p:cNvSpPr>
           <p:nvPr>
             <p:ph type="body" idx="1"/>
@@ -1025,45 +1056,47 @@
           <a:bodyPr/>
           <a:lstStyle/>
           <a:p>
-            <a:endParaRPr lang="en-GB" smtClean="0"/>
-          </a:p>
-        </p:txBody>
-      </p:sp>
-      <p:sp>
-        <p:nvSpPr>
-          <p:cNvPr id="21508" name="Slide Number Placeholder 3"/>
-          <p:cNvSpPr>
-            <a:spLocks noGrp="1"/>
-          </p:cNvSpPr>
-          <p:nvPr>
-            <p:ph type="sldNum" sz="quarter" idx="5"/>
-          </p:nvPr>
-        </p:nvSpPr>
-        <p:spPr bwMode="auto">
-          <a:noFill/>
-          <a:ln>
-            <a:miter lim="800000"/>
-            <a:headEnd/>
-            <a:tailEnd/>
-          </a:ln>
-        </p:spPr>
-        <p:txBody>
-          <a:bodyPr/>
-          <a:lstStyle/>
-          <a:p>
-            <a:fld id="{CFF5450F-A3EF-4057-87A9-6172334CC88F}" type="slidenum">
+            <a:r>
+              <a:rPr lang="en-US" altLang="zh-CN" smtClean="0"/>
+              <a:t>A little bit history about hypertext. Originated from Vannevar Bush, hypertext is an idea of linking documents together to make it easier to keep track of relationships between documents. The concept is more focus on individual, instead of a global system linking documents from many sources. </a:t>
+            </a:r>
+          </a:p>
+          <a:p>
+            <a:endParaRPr lang="en-US" altLang="zh-CN" smtClean="0"/>
+          </a:p>
+          <a:p>
+            <a:r>
+              <a:rPr lang="en-US" altLang="zh-CN" smtClean="0"/>
+              <a:t>----</a:t>
+            </a:r>
+          </a:p>
+          <a:p>
+            <a:endParaRPr lang="en-US" altLang="zh-CN" smtClean="0"/>
+          </a:p>
+          <a:p>
+            <a:r>
               <a:rPr lang="en-GB" smtClean="0"/>
-              <a:pPr/>
-              <a:t>11</a:t>
-            </a:fld>
-            <a:endParaRPr lang="en-GB" smtClean="0"/>
+              <a:t>Other then the obvious, the letter "L," there's not much of a difference between the two extensions. Most, if not all, web browsers and servers will treat a file with an HTM extension exactly as it would a file with an HTML extension, and vice versa</a:t>
+            </a:r>
+          </a:p>
+          <a:p>
+            <a:r>
+              <a:rPr lang="en-US" altLang="zh-CN" smtClean="0"/>
+              <a:t>http://www.sightspecific.com/~mosh/WWW_FAQ/ext.html</a:t>
+            </a:r>
+          </a:p>
+          <a:p>
+            <a:r>
+              <a:rPr lang="en-US" altLang="zh-CN" smtClean="0"/>
+              <a:t>-----</a:t>
+            </a:r>
           </a:p>
         </p:txBody>
       </p:sp>
     </p:spTree>
     <p:extLst>
       <p:ext uri="{BB962C8B-B14F-4D97-AF65-F5344CB8AC3E}">
-        <p14:creationId xmlns:p14="http://schemas.microsoft.com/office/powerpoint/2010/main" val="1697862548"/>
+        <p14:creationId xmlns:p14="http://schemas.microsoft.com/office/powerpoint/2010/main" val="2753040786"/>
       </p:ext>
     </p:extLst>
   </p:cSld>
@@ -1092,7 +1125,7 @@
       </p:grpSpPr>
       <p:sp>
         <p:nvSpPr>
-          <p:cNvPr id="22530" name="Slide Image Placeholder 1"/>
+          <p:cNvPr id="55298" name="Slide Image Placeholder 1"/>
           <p:cNvSpPr>
             <a:spLocks noGrp="1" noRot="1" noChangeAspect="1" noTextEdit="1"/>
           </p:cNvSpPr>
@@ -1114,7 +1147,7 @@
       </p:sp>
       <p:sp>
         <p:nvSpPr>
-          <p:cNvPr id="22531" name="Notes Placeholder 2"/>
+          <p:cNvPr id="55299" name="Notes Placeholder 2"/>
           <p:cNvSpPr>
             <a:spLocks noGrp="1"/>
           </p:cNvSpPr>
@@ -1135,7 +1168,7 @@
       </p:sp>
       <p:sp>
         <p:nvSpPr>
-          <p:cNvPr id="22532" name="Slide Number Placeholder 3"/>
+          <p:cNvPr id="55300" name="Slide Number Placeholder 3"/>
           <p:cNvSpPr>
             <a:spLocks noGrp="1"/>
           </p:cNvSpPr>
@@ -1155,10 +1188,10 @@
           <a:bodyPr/>
           <a:lstStyle/>
           <a:p>
-            <a:fld id="{95F9670F-0C69-454F-A8ED-CC08BD1E5A6B}" type="slidenum">
+            <a:fld id="{965B33FB-F30F-401F-8A87-F4FF129CBD0D}" type="slidenum">
               <a:rPr lang="en-GB" smtClean="0"/>
               <a:pPr/>
-              <a:t>12</a:t>
+              <a:t>15</a:t>
             </a:fld>
             <a:endParaRPr lang="en-GB" smtClean="0"/>
           </a:p>
@@ -1167,7 +1200,7 @@
     </p:spTree>
     <p:extLst>
       <p:ext uri="{BB962C8B-B14F-4D97-AF65-F5344CB8AC3E}">
-        <p14:creationId xmlns:p14="http://schemas.microsoft.com/office/powerpoint/2010/main" val="2110110433"/>
+        <p14:creationId xmlns:p14="http://schemas.microsoft.com/office/powerpoint/2010/main" val="2111340792"/>
       </p:ext>
     </p:extLst>
   </p:cSld>
@@ -1196,7 +1229,7 @@
       </p:grpSpPr>
       <p:sp>
         <p:nvSpPr>
-          <p:cNvPr id="52226" name="Slide Image Placeholder 1"/>
+          <p:cNvPr id="60418" name="Slide Image Placeholder 1"/>
           <p:cNvSpPr>
             <a:spLocks noGrp="1" noRot="1" noChangeAspect="1" noTextEdit="1"/>
           </p:cNvSpPr>
@@ -1218,7 +1251,7 @@
       </p:sp>
       <p:sp>
         <p:nvSpPr>
-          <p:cNvPr id="52227" name="Notes Placeholder 2"/>
+          <p:cNvPr id="60419" name="Notes Placeholder 2"/>
           <p:cNvSpPr>
             <a:spLocks noGrp="1"/>
           </p:cNvSpPr>
@@ -1233,13 +1266,16 @@
           <a:bodyPr/>
           <a:lstStyle/>
           <a:p>
-            <a:endParaRPr lang="en-GB" smtClean="0"/>
+            <a:r>
+              <a:rPr lang="en-GB" smtClean="0"/>
+              <a:t>The link address is specified in the href attribute</a:t>
+            </a:r>
           </a:p>
         </p:txBody>
       </p:sp>
       <p:sp>
         <p:nvSpPr>
-          <p:cNvPr id="52228" name="Slide Number Placeholder 3"/>
+          <p:cNvPr id="60420" name="Slide Number Placeholder 3"/>
           <p:cNvSpPr>
             <a:spLocks noGrp="1"/>
           </p:cNvSpPr>
@@ -1259,10 +1295,10 @@
           <a:bodyPr/>
           <a:lstStyle/>
           <a:p>
-            <a:fld id="{861127C5-50DC-40AF-92FD-231644126025}" type="slidenum">
+            <a:fld id="{D2267919-C7B6-4CA8-9A49-DC9C37204E69}" type="slidenum">
               <a:rPr lang="en-GB" smtClean="0"/>
               <a:pPr/>
-              <a:t>13</a:t>
+              <a:t>16</a:t>
             </a:fld>
             <a:endParaRPr lang="en-GB" smtClean="0"/>
           </a:p>
@@ -1271,7 +1307,7 @@
     </p:spTree>
     <p:extLst>
       <p:ext uri="{BB962C8B-B14F-4D97-AF65-F5344CB8AC3E}">
-        <p14:creationId xmlns:p14="http://schemas.microsoft.com/office/powerpoint/2010/main" val="2475403989"/>
+        <p14:creationId xmlns:p14="http://schemas.microsoft.com/office/powerpoint/2010/main" val="1877601833"/>
       </p:ext>
     </p:extLst>
   </p:cSld>
@@ -1300,40 +1336,9 @@
       </p:grpSpPr>
       <p:sp>
         <p:nvSpPr>
-          <p:cNvPr id="54274" name="Rectangle 7"/>
+          <p:cNvPr id="61442" name="Slide Image Placeholder 1"/>
           <p:cNvSpPr>
-            <a:spLocks noGrp="1" noChangeArrowheads="1"/>
-          </p:cNvSpPr>
-          <p:nvPr>
-            <p:ph type="sldNum" sz="quarter" idx="5"/>
-          </p:nvPr>
-        </p:nvSpPr>
-        <p:spPr bwMode="auto">
-          <a:noFill/>
-          <a:ln>
-            <a:miter lim="800000"/>
-            <a:headEnd/>
-            <a:tailEnd/>
-          </a:ln>
-        </p:spPr>
-        <p:txBody>
-          <a:bodyPr/>
-          <a:lstStyle/>
-          <a:p>
-            <a:fld id="{1DC1DAAA-B61E-4B13-A3CA-5F53EA3A7023}" type="slidenum">
-              <a:rPr lang="en-US" altLang="zh-CN" smtClean="0"/>
-              <a:pPr/>
-              <a:t>14</a:t>
-            </a:fld>
-            <a:endParaRPr lang="en-US" altLang="zh-CN" smtClean="0"/>
-          </a:p>
-        </p:txBody>
-      </p:sp>
-      <p:sp>
-        <p:nvSpPr>
-          <p:cNvPr id="54275" name="Rectangle 2"/>
-          <p:cNvSpPr>
-            <a:spLocks noGrp="1" noRot="1" noChangeAspect="1" noChangeArrowheads="1" noTextEdit="1"/>
+            <a:spLocks noGrp="1" noRot="1" noChangeAspect="1" noTextEdit="1"/>
           </p:cNvSpPr>
           <p:nvPr>
             <p:ph type="sldImg"/>
@@ -1353,9 +1358,9 @@
       </p:sp>
       <p:sp>
         <p:nvSpPr>
-          <p:cNvPr id="54276" name="Rectangle 3"/>
+          <p:cNvPr id="61443" name="Notes Placeholder 2"/>
           <p:cNvSpPr>
-            <a:spLocks noGrp="1" noChangeArrowheads="1"/>
+            <a:spLocks noGrp="1"/>
           </p:cNvSpPr>
           <p:nvPr>
             <p:ph type="body" idx="1"/>
@@ -1369,46 +1374,68 @@
           <a:lstStyle/>
           <a:p>
             <a:r>
-              <a:rPr lang="en-US" altLang="zh-CN" smtClean="0"/>
-              <a:t>A little bit history about hypertext. Originated from Vannevar Bush, hypertext is an idea of linking documents together to make it easier to keep track of relationships between documents. The concept is more focus on individual, instead of a global system linking documents from many sources. </a:t>
-            </a:r>
-          </a:p>
-          <a:p>
-            <a:endParaRPr lang="en-US" altLang="zh-CN" smtClean="0"/>
-          </a:p>
-          <a:p>
-            <a:r>
-              <a:rPr lang="en-US" altLang="zh-CN" smtClean="0"/>
-              <a:t>----</a:t>
-            </a:r>
-          </a:p>
-          <a:p>
-            <a:endParaRPr lang="en-US" altLang="zh-CN" smtClean="0"/>
-          </a:p>
-          <a:p>
-            <a:r>
               <a:rPr lang="en-GB" smtClean="0"/>
-              <a:t>Other then the obvious, the letter "L," there's not much of a difference between the two extensions. Most, if not all, web browsers and servers will treat a file with an HTM extension exactly as it would a file with an HTML extension, and vice versa</a:t>
-            </a:r>
-          </a:p>
-          <a:p>
-            <a:r>
-              <a:rPr lang="en-US" altLang="zh-CN" smtClean="0"/>
-              <a:t>http://www.sightspecific.com/~mosh/WWW_FAQ/ext.html</a:t>
-            </a:r>
-          </a:p>
-          <a:p>
-            <a:r>
-              <a:rPr lang="en-US" altLang="zh-CN" smtClean="0"/>
-              <a:t>-----</a:t>
-            </a:r>
+              <a:t>Src stands for "source". The value of the src attribute is the URL of the image you want to display</a:t>
+            </a:r>
+          </a:p>
+          <a:p>
+            <a:endParaRPr lang="en-GB" smtClean="0"/>
+          </a:p>
+          <a:p>
+            <a:endParaRPr lang="en-GB" smtClean="0"/>
+          </a:p>
+          <a:p>
+            <a:r>
+              <a:rPr lang="en-GB" smtClean="0"/>
+              <a:t>The alt attribute provides alternative information for an image if a user for some reason cannot view it (because of slow connection, an error in the src attribute, or if the user uses a screen reader).</a:t>
+            </a:r>
+          </a:p>
+          <a:p>
+            <a:endParaRPr lang="en-GB" smtClean="0"/>
+          </a:p>
+          <a:p>
+            <a:r>
+              <a:rPr lang="en-GB" smtClean="0"/>
+              <a:t>The link address is specified in the href attribute</a:t>
+            </a:r>
+          </a:p>
+        </p:txBody>
+      </p:sp>
+      <p:sp>
+        <p:nvSpPr>
+          <p:cNvPr id="61444" name="Slide Number Placeholder 3"/>
+          <p:cNvSpPr>
+            <a:spLocks noGrp="1"/>
+          </p:cNvSpPr>
+          <p:nvPr>
+            <p:ph type="sldNum" sz="quarter" idx="5"/>
+          </p:nvPr>
+        </p:nvSpPr>
+        <p:spPr bwMode="auto">
+          <a:noFill/>
+          <a:ln>
+            <a:miter lim="800000"/>
+            <a:headEnd/>
+            <a:tailEnd/>
+          </a:ln>
+        </p:spPr>
+        <p:txBody>
+          <a:bodyPr/>
+          <a:lstStyle/>
+          <a:p>
+            <a:fld id="{54E40160-C7A8-4B38-9F96-A2AAEBCE7093}" type="slidenum">
+              <a:rPr lang="en-GB" smtClean="0"/>
+              <a:pPr/>
+              <a:t>17</a:t>
+            </a:fld>
+            <a:endParaRPr lang="en-GB" smtClean="0"/>
           </a:p>
         </p:txBody>
       </p:sp>
     </p:spTree>
     <p:extLst>
       <p:ext uri="{BB962C8B-B14F-4D97-AF65-F5344CB8AC3E}">
-        <p14:creationId xmlns:p14="http://schemas.microsoft.com/office/powerpoint/2010/main" val="2753040786"/>
+        <p14:creationId xmlns:p14="http://schemas.microsoft.com/office/powerpoint/2010/main" val="3127077066"/>
       </p:ext>
     </p:extLst>
   </p:cSld>
@@ -1437,7 +1464,7 @@
       </p:grpSpPr>
       <p:sp>
         <p:nvSpPr>
-          <p:cNvPr id="55298" name="Slide Image Placeholder 1"/>
+          <p:cNvPr id="64514" name="Slide Image Placeholder 1"/>
           <p:cNvSpPr>
             <a:spLocks noGrp="1" noRot="1" noChangeAspect="1" noTextEdit="1"/>
           </p:cNvSpPr>
@@ -1459,7 +1486,7 @@
       </p:sp>
       <p:sp>
         <p:nvSpPr>
-          <p:cNvPr id="55299" name="Notes Placeholder 2"/>
+          <p:cNvPr id="64515" name="Notes Placeholder 2"/>
           <p:cNvSpPr>
             <a:spLocks noGrp="1"/>
           </p:cNvSpPr>
@@ -1480,7 +1507,7 @@
       </p:sp>
       <p:sp>
         <p:nvSpPr>
-          <p:cNvPr id="55300" name="Slide Number Placeholder 3"/>
+          <p:cNvPr id="64516" name="Slide Number Placeholder 3"/>
           <p:cNvSpPr>
             <a:spLocks noGrp="1"/>
           </p:cNvSpPr>
@@ -1500,10 +1527,10 @@
           <a:bodyPr/>
           <a:lstStyle/>
           <a:p>
-            <a:fld id="{965B33FB-F30F-401F-8A87-F4FF129CBD0D}" type="slidenum">
+            <a:fld id="{F1CC1756-0B1C-4B73-80EA-635050A30487}" type="slidenum">
               <a:rPr lang="en-GB" smtClean="0"/>
               <a:pPr/>
-              <a:t>15</a:t>
+              <a:t>18</a:t>
             </a:fld>
             <a:endParaRPr lang="en-GB" smtClean="0"/>
           </a:p>
@@ -1512,7 +1539,7 @@
     </p:spTree>
     <p:extLst>
       <p:ext uri="{BB962C8B-B14F-4D97-AF65-F5344CB8AC3E}">
-        <p14:creationId xmlns:p14="http://schemas.microsoft.com/office/powerpoint/2010/main" val="2111340792"/>
+        <p14:creationId xmlns:p14="http://schemas.microsoft.com/office/powerpoint/2010/main" val="3677995706"/>
       </p:ext>
     </p:extLst>
   </p:cSld>
@@ -1541,345 +1568,6 @@
       </p:grpSpPr>
       <p:sp>
         <p:nvSpPr>
-          <p:cNvPr id="60418" name="Slide Image Placeholder 1"/>
-          <p:cNvSpPr>
-            <a:spLocks noGrp="1" noRot="1" noChangeAspect="1" noTextEdit="1"/>
-          </p:cNvSpPr>
-          <p:nvPr>
-            <p:ph type="sldImg"/>
-          </p:nvPr>
-        </p:nvSpPr>
-        <p:spPr bwMode="auto">
-          <a:noFill/>
-          <a:ln>
-            <a:solidFill>
-              <a:srgbClr val="000000"/>
-            </a:solidFill>
-            <a:miter lim="800000"/>
-            <a:headEnd/>
-            <a:tailEnd/>
-          </a:ln>
-        </p:spPr>
-      </p:sp>
-      <p:sp>
-        <p:nvSpPr>
-          <p:cNvPr id="60419" name="Notes Placeholder 2"/>
-          <p:cNvSpPr>
-            <a:spLocks noGrp="1"/>
-          </p:cNvSpPr>
-          <p:nvPr>
-            <p:ph type="body" idx="1"/>
-          </p:nvPr>
-        </p:nvSpPr>
-        <p:spPr bwMode="auto">
-          <a:noFill/>
-        </p:spPr>
-        <p:txBody>
-          <a:bodyPr/>
-          <a:lstStyle/>
-          <a:p>
-            <a:r>
-              <a:rPr lang="en-GB" smtClean="0"/>
-              <a:t>The link address is specified in the href attribute</a:t>
-            </a:r>
-          </a:p>
-        </p:txBody>
-      </p:sp>
-      <p:sp>
-        <p:nvSpPr>
-          <p:cNvPr id="60420" name="Slide Number Placeholder 3"/>
-          <p:cNvSpPr>
-            <a:spLocks noGrp="1"/>
-          </p:cNvSpPr>
-          <p:nvPr>
-            <p:ph type="sldNum" sz="quarter" idx="5"/>
-          </p:nvPr>
-        </p:nvSpPr>
-        <p:spPr bwMode="auto">
-          <a:noFill/>
-          <a:ln>
-            <a:miter lim="800000"/>
-            <a:headEnd/>
-            <a:tailEnd/>
-          </a:ln>
-        </p:spPr>
-        <p:txBody>
-          <a:bodyPr/>
-          <a:lstStyle/>
-          <a:p>
-            <a:fld id="{D2267919-C7B6-4CA8-9A49-DC9C37204E69}" type="slidenum">
-              <a:rPr lang="en-GB" smtClean="0"/>
-              <a:pPr/>
-              <a:t>16</a:t>
-            </a:fld>
-            <a:endParaRPr lang="en-GB" smtClean="0"/>
-          </a:p>
-        </p:txBody>
-      </p:sp>
-    </p:spTree>
-    <p:extLst>
-      <p:ext uri="{BB962C8B-B14F-4D97-AF65-F5344CB8AC3E}">
-        <p14:creationId xmlns:p14="http://schemas.microsoft.com/office/powerpoint/2010/main" val="1877601833"/>
-      </p:ext>
-    </p:extLst>
-  </p:cSld>
-  <p:clrMapOvr>
-    <a:masterClrMapping/>
-  </p:clrMapOvr>
-</p:notes>
-</file>
-
-<file path=ppt/notesSlides/notesSlide16.xml><?xml version="1.0" encoding="utf-8"?>
-<p:notes xmlns:a="http://schemas.openxmlformats.org/drawingml/2006/main" xmlns:r="http://schemas.openxmlformats.org/officeDocument/2006/relationships" xmlns:p="http://schemas.openxmlformats.org/presentationml/2006/main">
-  <p:cSld>
-    <p:spTree>
-      <p:nvGrpSpPr>
-        <p:cNvPr id="1" name=""/>
-        <p:cNvGrpSpPr/>
-        <p:nvPr/>
-      </p:nvGrpSpPr>
-      <p:grpSpPr>
-        <a:xfrm>
-          <a:off x="0" y="0"/>
-          <a:ext cx="0" cy="0"/>
-          <a:chOff x="0" y="0"/>
-          <a:chExt cx="0" cy="0"/>
-        </a:xfrm>
-      </p:grpSpPr>
-      <p:sp>
-        <p:nvSpPr>
-          <p:cNvPr id="61442" name="Slide Image Placeholder 1"/>
-          <p:cNvSpPr>
-            <a:spLocks noGrp="1" noRot="1" noChangeAspect="1" noTextEdit="1"/>
-          </p:cNvSpPr>
-          <p:nvPr>
-            <p:ph type="sldImg"/>
-          </p:nvPr>
-        </p:nvSpPr>
-        <p:spPr bwMode="auto">
-          <a:noFill/>
-          <a:ln>
-            <a:solidFill>
-              <a:srgbClr val="000000"/>
-            </a:solidFill>
-            <a:miter lim="800000"/>
-            <a:headEnd/>
-            <a:tailEnd/>
-          </a:ln>
-        </p:spPr>
-      </p:sp>
-      <p:sp>
-        <p:nvSpPr>
-          <p:cNvPr id="61443" name="Notes Placeholder 2"/>
-          <p:cNvSpPr>
-            <a:spLocks noGrp="1"/>
-          </p:cNvSpPr>
-          <p:nvPr>
-            <p:ph type="body" idx="1"/>
-          </p:nvPr>
-        </p:nvSpPr>
-        <p:spPr bwMode="auto">
-          <a:noFill/>
-        </p:spPr>
-        <p:txBody>
-          <a:bodyPr/>
-          <a:lstStyle/>
-          <a:p>
-            <a:r>
-              <a:rPr lang="en-GB" smtClean="0"/>
-              <a:t>Src stands for "source". The value of the src attribute is the URL of the image you want to display</a:t>
-            </a:r>
-          </a:p>
-          <a:p>
-            <a:endParaRPr lang="en-GB" smtClean="0"/>
-          </a:p>
-          <a:p>
-            <a:endParaRPr lang="en-GB" smtClean="0"/>
-          </a:p>
-          <a:p>
-            <a:r>
-              <a:rPr lang="en-GB" smtClean="0"/>
-              <a:t>The alt attribute provides alternative information for an image if a user for some reason cannot view it (because of slow connection, an error in the src attribute, or if the user uses a screen reader).</a:t>
-            </a:r>
-          </a:p>
-          <a:p>
-            <a:endParaRPr lang="en-GB" smtClean="0"/>
-          </a:p>
-          <a:p>
-            <a:r>
-              <a:rPr lang="en-GB" smtClean="0"/>
-              <a:t>The link address is specified in the href attribute</a:t>
-            </a:r>
-          </a:p>
-        </p:txBody>
-      </p:sp>
-      <p:sp>
-        <p:nvSpPr>
-          <p:cNvPr id="61444" name="Slide Number Placeholder 3"/>
-          <p:cNvSpPr>
-            <a:spLocks noGrp="1"/>
-          </p:cNvSpPr>
-          <p:nvPr>
-            <p:ph type="sldNum" sz="quarter" idx="5"/>
-          </p:nvPr>
-        </p:nvSpPr>
-        <p:spPr bwMode="auto">
-          <a:noFill/>
-          <a:ln>
-            <a:miter lim="800000"/>
-            <a:headEnd/>
-            <a:tailEnd/>
-          </a:ln>
-        </p:spPr>
-        <p:txBody>
-          <a:bodyPr/>
-          <a:lstStyle/>
-          <a:p>
-            <a:fld id="{54E40160-C7A8-4B38-9F96-A2AAEBCE7093}" type="slidenum">
-              <a:rPr lang="en-GB" smtClean="0"/>
-              <a:pPr/>
-              <a:t>17</a:t>
-            </a:fld>
-            <a:endParaRPr lang="en-GB" smtClean="0"/>
-          </a:p>
-        </p:txBody>
-      </p:sp>
-    </p:spTree>
-    <p:extLst>
-      <p:ext uri="{BB962C8B-B14F-4D97-AF65-F5344CB8AC3E}">
-        <p14:creationId xmlns:p14="http://schemas.microsoft.com/office/powerpoint/2010/main" val="3127077066"/>
-      </p:ext>
-    </p:extLst>
-  </p:cSld>
-  <p:clrMapOvr>
-    <a:masterClrMapping/>
-  </p:clrMapOvr>
-</p:notes>
-</file>
-
-<file path=ppt/notesSlides/notesSlide17.xml><?xml version="1.0" encoding="utf-8"?>
-<p:notes xmlns:a="http://schemas.openxmlformats.org/drawingml/2006/main" xmlns:r="http://schemas.openxmlformats.org/officeDocument/2006/relationships" xmlns:p="http://schemas.openxmlformats.org/presentationml/2006/main">
-  <p:cSld>
-    <p:spTree>
-      <p:nvGrpSpPr>
-        <p:cNvPr id="1" name=""/>
-        <p:cNvGrpSpPr/>
-        <p:nvPr/>
-      </p:nvGrpSpPr>
-      <p:grpSpPr>
-        <a:xfrm>
-          <a:off x="0" y="0"/>
-          <a:ext cx="0" cy="0"/>
-          <a:chOff x="0" y="0"/>
-          <a:chExt cx="0" cy="0"/>
-        </a:xfrm>
-      </p:grpSpPr>
-      <p:sp>
-        <p:nvSpPr>
-          <p:cNvPr id="64514" name="Slide Image Placeholder 1"/>
-          <p:cNvSpPr>
-            <a:spLocks noGrp="1" noRot="1" noChangeAspect="1" noTextEdit="1"/>
-          </p:cNvSpPr>
-          <p:nvPr>
-            <p:ph type="sldImg"/>
-          </p:nvPr>
-        </p:nvSpPr>
-        <p:spPr bwMode="auto">
-          <a:noFill/>
-          <a:ln>
-            <a:solidFill>
-              <a:srgbClr val="000000"/>
-            </a:solidFill>
-            <a:miter lim="800000"/>
-            <a:headEnd/>
-            <a:tailEnd/>
-          </a:ln>
-        </p:spPr>
-      </p:sp>
-      <p:sp>
-        <p:nvSpPr>
-          <p:cNvPr id="64515" name="Notes Placeholder 2"/>
-          <p:cNvSpPr>
-            <a:spLocks noGrp="1"/>
-          </p:cNvSpPr>
-          <p:nvPr>
-            <p:ph type="body" idx="1"/>
-          </p:nvPr>
-        </p:nvSpPr>
-        <p:spPr bwMode="auto">
-          <a:noFill/>
-        </p:spPr>
-        <p:txBody>
-          <a:bodyPr/>
-          <a:lstStyle/>
-          <a:p>
-            <a:endParaRPr lang="en-GB" smtClean="0"/>
-          </a:p>
-        </p:txBody>
-      </p:sp>
-      <p:sp>
-        <p:nvSpPr>
-          <p:cNvPr id="64516" name="Slide Number Placeholder 3"/>
-          <p:cNvSpPr>
-            <a:spLocks noGrp="1"/>
-          </p:cNvSpPr>
-          <p:nvPr>
-            <p:ph type="sldNum" sz="quarter" idx="5"/>
-          </p:nvPr>
-        </p:nvSpPr>
-        <p:spPr bwMode="auto">
-          <a:noFill/>
-          <a:ln>
-            <a:miter lim="800000"/>
-            <a:headEnd/>
-            <a:tailEnd/>
-          </a:ln>
-        </p:spPr>
-        <p:txBody>
-          <a:bodyPr/>
-          <a:lstStyle/>
-          <a:p>
-            <a:fld id="{F1CC1756-0B1C-4B73-80EA-635050A30487}" type="slidenum">
-              <a:rPr lang="en-GB" smtClean="0"/>
-              <a:pPr/>
-              <a:t>18</a:t>
-            </a:fld>
-            <a:endParaRPr lang="en-GB" smtClean="0"/>
-          </a:p>
-        </p:txBody>
-      </p:sp>
-    </p:spTree>
-    <p:extLst>
-      <p:ext uri="{BB962C8B-B14F-4D97-AF65-F5344CB8AC3E}">
-        <p14:creationId xmlns:p14="http://schemas.microsoft.com/office/powerpoint/2010/main" val="3677995706"/>
-      </p:ext>
-    </p:extLst>
-  </p:cSld>
-  <p:clrMapOvr>
-    <a:masterClrMapping/>
-  </p:clrMapOvr>
-</p:notes>
-</file>
-
-<file path=ppt/notesSlides/notesSlide18.xml><?xml version="1.0" encoding="utf-8"?>
-<p:notes xmlns:a="http://schemas.openxmlformats.org/drawingml/2006/main" xmlns:r="http://schemas.openxmlformats.org/officeDocument/2006/relationships" xmlns:p="http://schemas.openxmlformats.org/presentationml/2006/main">
-  <p:cSld>
-    <p:spTree>
-      <p:nvGrpSpPr>
-        <p:cNvPr id="1" name=""/>
-        <p:cNvGrpSpPr/>
-        <p:nvPr/>
-      </p:nvGrpSpPr>
-      <p:grpSpPr>
-        <a:xfrm>
-          <a:off x="0" y="0"/>
-          <a:ext cx="0" cy="0"/>
-          <a:chOff x="0" y="0"/>
-          <a:chExt cx="0" cy="0"/>
-        </a:xfrm>
-      </p:grpSpPr>
-      <p:sp>
-        <p:nvSpPr>
           <p:cNvPr id="65538" name="Slide Image Placeholder 1"/>
           <p:cNvSpPr>
             <a:spLocks noGrp="1" noRot="1" noChangeAspect="1" noTextEdit="1"/>
@@ -1965,7 +1653,7 @@
 </p:notes>
 </file>
 
-<file path=ppt/notesSlides/notesSlide19.xml><?xml version="1.0" encoding="utf-8"?>
+<file path=ppt/notesSlides/notesSlide16.xml><?xml version="1.0" encoding="utf-8"?>
 <p:notes xmlns:a="http://schemas.openxmlformats.org/drawingml/2006/main" xmlns:r="http://schemas.openxmlformats.org/officeDocument/2006/relationships" xmlns:p="http://schemas.openxmlformats.org/presentationml/2006/main">
   <p:cSld>
     <p:spTree>
@@ -2154,7 +1842,7 @@
             <a:fld id="{5457D2E8-E502-42FC-8041-4E5697E5807E}" type="slidenum">
               <a:rPr lang="en-GB" smtClean="0"/>
               <a:pPr/>
-              <a:t>3</a:t>
+              <a:t>2</a:t>
             </a:fld>
             <a:endParaRPr lang="en-GB" smtClean="0"/>
           </a:p>
@@ -2258,7 +1946,7 @@
             <a:fld id="{7E38EC94-2EE5-49CC-83FF-7664353A1071}" type="slidenum">
               <a:rPr lang="en-GB" smtClean="0"/>
               <a:pPr/>
-              <a:t>4</a:t>
+              <a:t>5</a:t>
             </a:fld>
             <a:endParaRPr lang="en-GB" smtClean="0"/>
           </a:p>
@@ -2362,7 +2050,7 @@
             <a:fld id="{6C588666-2FA9-4EF9-A6A2-A724689BE486}" type="slidenum">
               <a:rPr lang="en-GB" smtClean="0"/>
               <a:pPr/>
-              <a:t>5</a:t>
+              <a:t>6</a:t>
             </a:fld>
             <a:endParaRPr lang="en-GB" smtClean="0"/>
           </a:p>
@@ -2400,7 +2088,7 @@
       </p:grpSpPr>
       <p:sp>
         <p:nvSpPr>
-          <p:cNvPr id="17410" name="Slide Image Placeholder 1"/>
+          <p:cNvPr id="21506" name="Slide Image Placeholder 1"/>
           <p:cNvSpPr>
             <a:spLocks noGrp="1" noRot="1" noChangeAspect="1" noTextEdit="1"/>
           </p:cNvSpPr>
@@ -2422,7 +2110,7 @@
       </p:sp>
       <p:sp>
         <p:nvSpPr>
-          <p:cNvPr id="17411" name="Notes Placeholder 2"/>
+          <p:cNvPr id="21507" name="Notes Placeholder 2"/>
           <p:cNvSpPr>
             <a:spLocks noGrp="1"/>
           </p:cNvSpPr>
@@ -2443,7 +2131,7 @@
       </p:sp>
       <p:sp>
         <p:nvSpPr>
-          <p:cNvPr id="17412" name="Slide Number Placeholder 3"/>
+          <p:cNvPr id="21508" name="Slide Number Placeholder 3"/>
           <p:cNvSpPr>
             <a:spLocks noGrp="1"/>
           </p:cNvSpPr>
@@ -2463,10 +2151,10 @@
           <a:bodyPr/>
           <a:lstStyle/>
           <a:p>
-            <a:fld id="{6C588666-2FA9-4EF9-A6A2-A724689BE486}" type="slidenum">
+            <a:fld id="{CFF5450F-A3EF-4057-87A9-6172334CC88F}" type="slidenum">
               <a:rPr lang="en-GB" smtClean="0"/>
               <a:pPr/>
-              <a:t>6</a:t>
+              <a:t>8</a:t>
             </a:fld>
             <a:endParaRPr lang="en-GB" smtClean="0"/>
           </a:p>
@@ -2475,7 +2163,7 @@
     </p:spTree>
     <p:extLst>
       <p:ext uri="{BB962C8B-B14F-4D97-AF65-F5344CB8AC3E}">
-        <p14:creationId xmlns:p14="http://schemas.microsoft.com/office/powerpoint/2010/main" val="1427007499"/>
+        <p14:creationId xmlns:p14="http://schemas.microsoft.com/office/powerpoint/2010/main" val="1697862548"/>
       </p:ext>
     </p:extLst>
   </p:cSld>
@@ -2527,7 +2215,7 @@
             <a:fld id="{96104FE3-68E9-47DA-8F10-572B1A92EF17}" type="slidenum">
               <a:rPr lang="en-GB" smtClean="0"/>
               <a:pPr/>
-              <a:t>7</a:t>
+              <a:t>9</a:t>
             </a:fld>
             <a:endParaRPr lang="en-GB" smtClean="0"/>
           </a:p>
@@ -2619,7 +2307,7 @@
       </p:grpSpPr>
       <p:sp>
         <p:nvSpPr>
-          <p:cNvPr id="43010" name="Slide Image Placeholder 1"/>
+          <p:cNvPr id="17410" name="Slide Image Placeholder 1"/>
           <p:cNvSpPr>
             <a:spLocks noGrp="1" noRot="1" noChangeAspect="1" noTextEdit="1"/>
           </p:cNvSpPr>
@@ -2641,7 +2329,7 @@
       </p:sp>
       <p:sp>
         <p:nvSpPr>
-          <p:cNvPr id="43011" name="Notes Placeholder 2"/>
+          <p:cNvPr id="17411" name="Notes Placeholder 2"/>
           <p:cNvSpPr>
             <a:spLocks noGrp="1"/>
           </p:cNvSpPr>
@@ -2656,42 +2344,13 @@
           <a:bodyPr/>
           <a:lstStyle/>
           <a:p>
-            <a:r>
-              <a:rPr lang="en-GB" dirty="0" smtClean="0"/>
-              <a:t>Most web developers are self-taught via blogs, books, articles, workshops …</a:t>
-            </a:r>
-          </a:p>
-          <a:p>
-            <a:endParaRPr lang="en-GB" dirty="0" smtClean="0"/>
-          </a:p>
-          <a:p>
-            <a:r>
-              <a:rPr lang="en-GB" dirty="0" smtClean="0"/>
-              <a:t>One characteristic of the self-taught is that our knowledge is often “a mile wide and an inch deep”. There are good reasons for this: developing for the web is a highly practical task and our knowledge “a mile deep and an inch wide” is of little use in this field. But it does mean that we often lack an inside –out </a:t>
-            </a:r>
-            <a:r>
-              <a:rPr lang="en-GB" dirty="0" err="1" smtClean="0"/>
-              <a:t>understandking</a:t>
-            </a:r>
-            <a:r>
-              <a:rPr lang="en-GB" dirty="0" smtClean="0"/>
-              <a:t> of even our core technologies: e.g. the DOM element object or CSS attribute selectors. And all too often, once we’ve figured one way to accomplish a particular task, we tend to use that method over and over again instead of seeking our possible better alternatives</a:t>
-            </a:r>
-          </a:p>
-          <a:p>
-            <a:endParaRPr lang="en-GB" dirty="0" smtClean="0"/>
-          </a:p>
-          <a:p>
-            <a:r>
-              <a:rPr lang="en-GB" dirty="0" smtClean="0"/>
-              <a:t>Therefore, this unit is also for experienced developers who want to deepen their understanding of their practice, and of the technologies they use, to go beyond the methods and models they already know</a:t>
-            </a:r>
+            <a:endParaRPr lang="en-GB" smtClean="0"/>
           </a:p>
         </p:txBody>
       </p:sp>
       <p:sp>
         <p:nvSpPr>
-          <p:cNvPr id="43012" name="Slide Number Placeholder 3"/>
+          <p:cNvPr id="17412" name="Slide Number Placeholder 3"/>
           <p:cNvSpPr>
             <a:spLocks noGrp="1"/>
           </p:cNvSpPr>
@@ -2711,10 +2370,10 @@
           <a:bodyPr/>
           <a:lstStyle/>
           <a:p>
-            <a:fld id="{8E26BE78-D965-4202-B88B-ED3FE03F33D3}" type="slidenum">
+            <a:fld id="{6C588666-2FA9-4EF9-A6A2-A724689BE486}" type="slidenum">
               <a:rPr lang="en-GB" smtClean="0"/>
               <a:pPr/>
-              <a:t>8</a:t>
+              <a:t>10</a:t>
             </a:fld>
             <a:endParaRPr lang="en-GB" smtClean="0"/>
           </a:p>
@@ -2723,7 +2382,7 @@
     </p:spTree>
     <p:extLst>
       <p:ext uri="{BB962C8B-B14F-4D97-AF65-F5344CB8AC3E}">
-        <p14:creationId xmlns:p14="http://schemas.microsoft.com/office/powerpoint/2010/main" val="1313550579"/>
+        <p14:creationId xmlns:p14="http://schemas.microsoft.com/office/powerpoint/2010/main" val="1427007499"/>
       </p:ext>
     </p:extLst>
   </p:cSld>
@@ -2752,7 +2411,7 @@
       </p:grpSpPr>
       <p:sp>
         <p:nvSpPr>
-          <p:cNvPr id="45058" name="Slide Image Placeholder 1"/>
+          <p:cNvPr id="22530" name="Slide Image Placeholder 1"/>
           <p:cNvSpPr>
             <a:spLocks noGrp="1" noRot="1" noChangeAspect="1" noTextEdit="1"/>
           </p:cNvSpPr>
@@ -2774,7 +2433,7 @@
       </p:sp>
       <p:sp>
         <p:nvSpPr>
-          <p:cNvPr id="45059" name="Notes Placeholder 2"/>
+          <p:cNvPr id="22531" name="Notes Placeholder 2"/>
           <p:cNvSpPr>
             <a:spLocks noGrp="1"/>
           </p:cNvSpPr>
@@ -2789,37 +2448,13 @@
           <a:bodyPr/>
           <a:lstStyle/>
           <a:p>
-            <a:r>
-              <a:rPr lang="en-GB" smtClean="0"/>
-              <a:t>For web developer, no matter how knowledgeable or proficient they are, they cannot (or not necessary to) remember each aspect of every feature of the HTML, CSS or Javascript. But if you understand the core technologies of web development – how they work and don’t work, why they work the way they do …then you know what to look for. </a:t>
-            </a:r>
-          </a:p>
-          <a:p>
-            <a:r>
-              <a:rPr lang="en-GB" smtClean="0"/>
-              <a:t>Can’t remember how to make a checkbox checked by default?</a:t>
-            </a:r>
-          </a:p>
-          <a:p>
-            <a:r>
-              <a:rPr lang="en-GB" smtClean="0"/>
-              <a:t>Can’t remember whether it is text-align or text-alignment?</a:t>
-            </a:r>
-          </a:p>
-          <a:p>
             <a:endParaRPr lang="en-GB" smtClean="0"/>
           </a:p>
-          <a:p>
-            <a:r>
-              <a:rPr lang="en-GB" smtClean="0"/>
-              <a:t>That’s all fine, because you will know what question to ask and where to go to get the answer</a:t>
-            </a:r>
-          </a:p>
         </p:txBody>
       </p:sp>
       <p:sp>
         <p:nvSpPr>
-          <p:cNvPr id="45060" name="Slide Number Placeholder 3"/>
+          <p:cNvPr id="22532" name="Slide Number Placeholder 3"/>
           <p:cNvSpPr>
             <a:spLocks noGrp="1"/>
           </p:cNvSpPr>
@@ -2839,10 +2474,10 @@
           <a:bodyPr/>
           <a:lstStyle/>
           <a:p>
-            <a:fld id="{0796EE8F-3F0D-4432-B3AD-74D2BC0EA465}" type="slidenum">
+            <a:fld id="{95F9670F-0C69-454F-A8ED-CC08BD1E5A6B}" type="slidenum">
               <a:rPr lang="en-GB" smtClean="0"/>
               <a:pPr/>
-              <a:t>9</a:t>
+              <a:t>12</a:t>
             </a:fld>
             <a:endParaRPr lang="en-GB" smtClean="0"/>
           </a:p>
@@ -2851,7 +2486,7 @@
     </p:spTree>
     <p:extLst>
       <p:ext uri="{BB962C8B-B14F-4D97-AF65-F5344CB8AC3E}">
-        <p14:creationId xmlns:p14="http://schemas.microsoft.com/office/powerpoint/2010/main" val="370442806"/>
+        <p14:creationId xmlns:p14="http://schemas.microsoft.com/office/powerpoint/2010/main" val="2110110433"/>
       </p:ext>
     </p:extLst>
   </p:cSld>
@@ -2880,7 +2515,7 @@
       </p:grpSpPr>
       <p:sp>
         <p:nvSpPr>
-          <p:cNvPr id="20482" name="Slide Image Placeholder 1"/>
+          <p:cNvPr id="52226" name="Slide Image Placeholder 1"/>
           <p:cNvSpPr>
             <a:spLocks noGrp="1" noRot="1" noChangeAspect="1" noTextEdit="1"/>
           </p:cNvSpPr>
@@ -2902,7 +2537,7 @@
       </p:sp>
       <p:sp>
         <p:nvSpPr>
-          <p:cNvPr id="20483" name="Notes Placeholder 2"/>
+          <p:cNvPr id="52227" name="Notes Placeholder 2"/>
           <p:cNvSpPr>
             <a:spLocks noGrp="1"/>
           </p:cNvSpPr>
@@ -2923,7 +2558,7 @@
       </p:sp>
       <p:sp>
         <p:nvSpPr>
-          <p:cNvPr id="20484" name="Slide Number Placeholder 3"/>
+          <p:cNvPr id="52228" name="Slide Number Placeholder 3"/>
           <p:cNvSpPr>
             <a:spLocks noGrp="1"/>
           </p:cNvSpPr>
@@ -2943,10 +2578,10 @@
           <a:bodyPr/>
           <a:lstStyle/>
           <a:p>
-            <a:fld id="{8E7AE63F-D5A3-4599-84C1-CE59A0B9CE4B}" type="slidenum">
+            <a:fld id="{861127C5-50DC-40AF-92FD-231644126025}" type="slidenum">
               <a:rPr lang="en-GB" smtClean="0"/>
               <a:pPr/>
-              <a:t>10</a:t>
+              <a:t>13</a:t>
             </a:fld>
             <a:endParaRPr lang="en-GB" smtClean="0"/>
           </a:p>
@@ -2955,7 +2590,7 @@
     </p:spTree>
     <p:extLst>
       <p:ext uri="{BB962C8B-B14F-4D97-AF65-F5344CB8AC3E}">
-        <p14:creationId xmlns:p14="http://schemas.microsoft.com/office/powerpoint/2010/main" val="2364819548"/>
+        <p14:creationId xmlns:p14="http://schemas.microsoft.com/office/powerpoint/2010/main" val="2475403989"/>
       </p:ext>
     </p:extLst>
   </p:cSld>
@@ -5568,6 +5203,396 @@
 </file>
 
 <file path=ppt/slides/slide10.xml><?xml version="1.0" encoding="utf-8"?>
+<p:sld xmlns:a="http://schemas.openxmlformats.org/drawingml/2006/main" xmlns:r="http://schemas.openxmlformats.org/officeDocument/2006/relationships" xmlns:p="http://schemas.openxmlformats.org/presentationml/2006/main" showMasterSp="0">
+  <p:cSld>
+    <p:spTree>
+      <p:nvGrpSpPr>
+        <p:cNvPr id="1" name=""/>
+        <p:cNvGrpSpPr/>
+        <p:nvPr/>
+      </p:nvGrpSpPr>
+      <p:grpSpPr>
+        <a:xfrm>
+          <a:off x="0" y="0"/>
+          <a:ext cx="0" cy="0"/>
+          <a:chOff x="0" y="0"/>
+          <a:chExt cx="0" cy="0"/>
+        </a:xfrm>
+      </p:grpSpPr>
+      <p:sp>
+        <p:nvSpPr>
+          <p:cNvPr id="5122" name="Rectangle 2"/>
+          <p:cNvSpPr txBox="1">
+            <a:spLocks noChangeArrowheads="1"/>
+          </p:cNvSpPr>
+          <p:nvPr/>
+        </p:nvSpPr>
+        <p:spPr bwMode="auto">
+          <a:xfrm>
+            <a:off x="476266" y="188640"/>
+            <a:ext cx="8443912" cy="911225"/>
+          </a:xfrm>
+          <a:prstGeom prst="rect">
+            <a:avLst/>
+          </a:prstGeom>
+          <a:noFill/>
+          <a:ln w="9525">
+            <a:noFill/>
+            <a:miter lim="800000"/>
+            <a:headEnd/>
+            <a:tailEnd/>
+          </a:ln>
+        </p:spPr>
+        <p:txBody>
+          <a:bodyPr lIns="0" tIns="0" rIns="0" bIns="0"/>
+          <a:lstStyle/>
+          <a:p>
+            <a:pPr algn="ctr" eaLnBrk="1" hangingPunct="1"/>
+            <a:r>
+              <a:rPr lang="en-GB" sz="4400" b="1" dirty="0" smtClean="0">
+                <a:solidFill>
+                  <a:srgbClr val="C00000"/>
+                </a:solidFill>
+                <a:latin typeface="Trebuchet MS" pitchFamily="34" charset="0"/>
+              </a:rPr>
+              <a:t>Why This Unit Is Exciting </a:t>
+            </a:r>
+            <a:endParaRPr lang="en-GB" sz="2800" b="1" dirty="0">
+              <a:solidFill>
+                <a:srgbClr val="595959"/>
+              </a:solidFill>
+              <a:latin typeface="Trebuchet MS" pitchFamily="34" charset="0"/>
+            </a:endParaRPr>
+          </a:p>
+        </p:txBody>
+      </p:sp>
+      <p:sp>
+        <p:nvSpPr>
+          <p:cNvPr id="5123" name="Rectangle 3"/>
+          <p:cNvSpPr txBox="1">
+            <a:spLocks noChangeArrowheads="1"/>
+          </p:cNvSpPr>
+          <p:nvPr/>
+        </p:nvSpPr>
+        <p:spPr bwMode="auto">
+          <a:xfrm>
+            <a:off x="395288" y="980728"/>
+            <a:ext cx="8605868" cy="5399088"/>
+          </a:xfrm>
+          <a:prstGeom prst="rect">
+            <a:avLst/>
+          </a:prstGeom>
+          <a:noFill/>
+          <a:ln w="9525">
+            <a:noFill/>
+            <a:miter lim="800000"/>
+            <a:headEnd/>
+            <a:tailEnd/>
+          </a:ln>
+        </p:spPr>
+        <p:txBody>
+          <a:bodyPr lIns="0" tIns="0" rIns="0" bIns="0"/>
+          <a:lstStyle/>
+          <a:p>
+            <a:pPr marL="266700" indent="-266700" eaLnBrk="1" hangingPunct="1">
+              <a:spcBef>
+                <a:spcPts val="1200"/>
+              </a:spcBef>
+              <a:spcAft>
+                <a:spcPts val="1200"/>
+              </a:spcAft>
+              <a:buClr>
+                <a:srgbClr val="C00000"/>
+              </a:buClr>
+              <a:buSzPct val="80000"/>
+              <a:buFont typeface="Arial" charset="0"/>
+              <a:buChar char="•"/>
+              <a:tabLst>
+                <a:tab pos="93663" algn="l"/>
+              </a:tabLst>
+            </a:pPr>
+            <a:r>
+              <a:rPr lang="en-GB" altLang="zh-CN" sz="3200" dirty="0">
+                <a:latin typeface="Times New Roman" pitchFamily="18" charset="0"/>
+                <a:cs typeface="Times New Roman" pitchFamily="18" charset="0"/>
+              </a:rPr>
+              <a:t> </a:t>
+            </a:r>
+            <a:r>
+              <a:rPr lang="en-GB" altLang="zh-CN" sz="3200" dirty="0" smtClean="0">
+                <a:latin typeface="Times New Roman" pitchFamily="18" charset="0"/>
+                <a:cs typeface="Times New Roman" pitchFamily="18" charset="0"/>
+              </a:rPr>
+              <a:t>There’s a huge demand for the skills covered</a:t>
+            </a:r>
+          </a:p>
+          <a:p>
+            <a:pPr marL="723900" lvl="1" indent="-266700" eaLnBrk="1" hangingPunct="1">
+              <a:spcBef>
+                <a:spcPts val="1200"/>
+              </a:spcBef>
+              <a:spcAft>
+                <a:spcPts val="1200"/>
+              </a:spcAft>
+              <a:buClr>
+                <a:srgbClr val="C00000"/>
+              </a:buClr>
+              <a:buSzPct val="80000"/>
+              <a:buFont typeface="Arial" charset="0"/>
+              <a:buChar char="•"/>
+              <a:tabLst>
+                <a:tab pos="93663" algn="l"/>
+              </a:tabLst>
+            </a:pPr>
+            <a:r>
+              <a:rPr lang="en-GB" altLang="zh-CN" sz="3200" dirty="0" smtClean="0">
+                <a:latin typeface="Times New Roman" pitchFamily="18" charset="0"/>
+                <a:cs typeface="Times New Roman" pitchFamily="18" charset="0"/>
+              </a:rPr>
+              <a:t>680 million websites live on the web </a:t>
+            </a:r>
+          </a:p>
+          <a:p>
+            <a:pPr marL="723900" lvl="1" indent="-266700" eaLnBrk="1" hangingPunct="1">
+              <a:spcBef>
+                <a:spcPts val="1200"/>
+              </a:spcBef>
+              <a:spcAft>
+                <a:spcPts val="1200"/>
+              </a:spcAft>
+              <a:buClr>
+                <a:srgbClr val="C00000"/>
+              </a:buClr>
+              <a:buSzPct val="80000"/>
+              <a:buFont typeface="Arial" charset="0"/>
+              <a:buChar char="•"/>
+              <a:tabLst>
+                <a:tab pos="93663" algn="l"/>
+              </a:tabLst>
+            </a:pPr>
+            <a:r>
+              <a:rPr lang="en-GB" altLang="zh-CN" sz="3200" dirty="0" smtClean="0">
+                <a:latin typeface="Times New Roman" pitchFamily="18" charset="0"/>
+                <a:cs typeface="Times New Roman" pitchFamily="18" charset="0"/>
+              </a:rPr>
+              <a:t>Thousands more being added daily</a:t>
+            </a:r>
+          </a:p>
+          <a:p>
+            <a:pPr marL="266700" indent="-266700" eaLnBrk="1" hangingPunct="1">
+              <a:spcBef>
+                <a:spcPts val="1200"/>
+              </a:spcBef>
+              <a:spcAft>
+                <a:spcPts val="1200"/>
+              </a:spcAft>
+              <a:buClr>
+                <a:srgbClr val="C00000"/>
+              </a:buClr>
+              <a:buSzPct val="80000"/>
+              <a:buFont typeface="Arial" charset="0"/>
+              <a:buChar char="•"/>
+              <a:tabLst>
+                <a:tab pos="93663" algn="l"/>
+              </a:tabLst>
+            </a:pPr>
+            <a:r>
+              <a:rPr lang="en-GB" altLang="zh-CN" sz="3200" dirty="0" smtClean="0">
+                <a:latin typeface="Times New Roman" pitchFamily="18" charset="0"/>
+                <a:cs typeface="Times New Roman" pitchFamily="18" charset="0"/>
+              </a:rPr>
+              <a:t>HTML5 is no longer static, it allows us to create feature rich stunning graphical applications </a:t>
+            </a:r>
+          </a:p>
+          <a:p>
+            <a:pPr marL="723900" lvl="1" indent="-266700" eaLnBrk="1" hangingPunct="1">
+              <a:spcBef>
+                <a:spcPts val="1200"/>
+              </a:spcBef>
+              <a:spcAft>
+                <a:spcPts val="1200"/>
+              </a:spcAft>
+              <a:buClr>
+                <a:srgbClr val="C00000"/>
+              </a:buClr>
+              <a:buSzPct val="80000"/>
+              <a:buFont typeface="Arial" charset="0"/>
+              <a:buChar char="•"/>
+              <a:tabLst>
+                <a:tab pos="93663" algn="l"/>
+              </a:tabLst>
+            </a:pPr>
+            <a:r>
+              <a:rPr lang="en-US" altLang="zh-CN" sz="3200" dirty="0" smtClean="0">
+                <a:latin typeface="Times New Roman" pitchFamily="18" charset="0"/>
+                <a:cs typeface="Times New Roman" pitchFamily="18" charset="0"/>
+                <a:hlinkClick r:id="rId3"/>
+              </a:rPr>
+              <a:t>Want to know the hostory of the world</a:t>
+            </a:r>
+          </a:p>
+          <a:p>
+            <a:pPr marL="723900" lvl="1" indent="-266700" eaLnBrk="1" hangingPunct="1">
+              <a:spcBef>
+                <a:spcPts val="1200"/>
+              </a:spcBef>
+              <a:spcAft>
+                <a:spcPts val="1200"/>
+              </a:spcAft>
+              <a:buClr>
+                <a:srgbClr val="C00000"/>
+              </a:buClr>
+              <a:buSzPct val="80000"/>
+              <a:buFont typeface="Arial" charset="0"/>
+              <a:buChar char="•"/>
+              <a:tabLst>
+                <a:tab pos="93663" algn="l"/>
+              </a:tabLst>
+            </a:pPr>
+            <a:r>
+              <a:rPr lang="en-US" altLang="zh-CN" sz="3200" dirty="0" smtClean="0">
+                <a:latin typeface="Times New Roman" pitchFamily="18" charset="0"/>
+                <a:cs typeface="Times New Roman" pitchFamily="18" charset="0"/>
+                <a:hlinkClick r:id="rId3"/>
+              </a:rPr>
+              <a:t>Amazing </a:t>
+            </a:r>
+            <a:r>
+              <a:rPr lang="en-US" altLang="zh-CN" sz="3200" dirty="0" smtClean="0">
+                <a:latin typeface="Times New Roman" pitchFamily="18" charset="0"/>
+                <a:cs typeface="Times New Roman" pitchFamily="18" charset="0"/>
+                <a:hlinkClick r:id="rId3"/>
+              </a:rPr>
+              <a:t>interactive graphics</a:t>
+            </a:r>
+            <a:endParaRPr lang="en-US" altLang="zh-CN" sz="3200" dirty="0" smtClean="0">
+              <a:latin typeface="Times New Roman" pitchFamily="18" charset="0"/>
+              <a:cs typeface="Times New Roman" pitchFamily="18" charset="0"/>
+            </a:endParaRPr>
+          </a:p>
+          <a:p>
+            <a:pPr marL="723900" lvl="1" indent="-266700" eaLnBrk="1" hangingPunct="1">
+              <a:spcBef>
+                <a:spcPts val="1200"/>
+              </a:spcBef>
+              <a:spcAft>
+                <a:spcPts val="1200"/>
+              </a:spcAft>
+              <a:buClr>
+                <a:srgbClr val="C00000"/>
+              </a:buClr>
+              <a:buSzPct val="80000"/>
+              <a:buFont typeface="Arial" charset="0"/>
+              <a:buChar char="•"/>
+              <a:tabLst>
+                <a:tab pos="93663" algn="l"/>
+              </a:tabLst>
+            </a:pPr>
+            <a:r>
+              <a:rPr lang="en-US" altLang="zh-CN" sz="3200" dirty="0" smtClean="0">
+                <a:latin typeface="Times New Roman" pitchFamily="18" charset="0"/>
+                <a:cs typeface="Times New Roman" pitchFamily="18" charset="0"/>
+                <a:hlinkClick r:id="rId4"/>
+              </a:rPr>
+              <a:t>Another Example</a:t>
+            </a:r>
+            <a:endParaRPr lang="en-US" altLang="zh-CN" sz="3200" dirty="0" smtClean="0">
+              <a:latin typeface="Times New Roman" pitchFamily="18" charset="0"/>
+              <a:cs typeface="Times New Roman" pitchFamily="18" charset="0"/>
+            </a:endParaRPr>
+          </a:p>
+          <a:p>
+            <a:pPr marL="723900" lvl="1" indent="-266700" eaLnBrk="1" hangingPunct="1">
+              <a:spcBef>
+                <a:spcPts val="1200"/>
+              </a:spcBef>
+              <a:spcAft>
+                <a:spcPts val="1200"/>
+              </a:spcAft>
+              <a:buClr>
+                <a:srgbClr val="C00000"/>
+              </a:buClr>
+              <a:buSzPct val="80000"/>
+              <a:buFont typeface="Arial" charset="0"/>
+              <a:buChar char="•"/>
+              <a:tabLst>
+                <a:tab pos="93663" algn="l"/>
+              </a:tabLst>
+            </a:pPr>
+            <a:endParaRPr lang="en-US" altLang="zh-CN" sz="3200" dirty="0" smtClean="0">
+              <a:latin typeface="Times New Roman" pitchFamily="18" charset="0"/>
+              <a:cs typeface="Times New Roman" pitchFamily="18" charset="0"/>
+            </a:endParaRPr>
+          </a:p>
+          <a:p>
+            <a:pPr marL="723900" lvl="1" indent="-266700" eaLnBrk="1" hangingPunct="1">
+              <a:spcBef>
+                <a:spcPts val="1200"/>
+              </a:spcBef>
+              <a:spcAft>
+                <a:spcPts val="1200"/>
+              </a:spcAft>
+              <a:buClr>
+                <a:srgbClr val="C00000"/>
+              </a:buClr>
+              <a:buSzPct val="80000"/>
+              <a:buFont typeface="Arial" charset="0"/>
+              <a:buChar char="•"/>
+              <a:tabLst>
+                <a:tab pos="93663" algn="l"/>
+              </a:tabLst>
+            </a:pPr>
+            <a:endParaRPr lang="en-GB" altLang="zh-CN" sz="3200" dirty="0" smtClean="0">
+              <a:latin typeface="Times New Roman" pitchFamily="18" charset="0"/>
+              <a:cs typeface="Times New Roman" pitchFamily="18" charset="0"/>
+            </a:endParaRPr>
+          </a:p>
+          <a:p>
+            <a:pPr marL="723900" lvl="1" indent="-266700" eaLnBrk="1" hangingPunct="1">
+              <a:spcBef>
+                <a:spcPts val="1200"/>
+              </a:spcBef>
+              <a:spcAft>
+                <a:spcPts val="1200"/>
+              </a:spcAft>
+              <a:buClr>
+                <a:srgbClr val="C00000"/>
+              </a:buClr>
+              <a:buSzPct val="80000"/>
+              <a:buFont typeface="Arial" charset="0"/>
+              <a:buChar char="•"/>
+              <a:tabLst>
+                <a:tab pos="93663" algn="l"/>
+              </a:tabLst>
+            </a:pPr>
+            <a:endParaRPr lang="en-GB" altLang="zh-CN" sz="3200" dirty="0" smtClean="0">
+              <a:latin typeface="Times New Roman" pitchFamily="18" charset="0"/>
+              <a:cs typeface="Times New Roman" pitchFamily="18" charset="0"/>
+            </a:endParaRPr>
+          </a:p>
+        </p:txBody>
+      </p:sp>
+    </p:spTree>
+    <p:extLst>
+      <p:ext uri="{BB962C8B-B14F-4D97-AF65-F5344CB8AC3E}">
+        <p14:creationId xmlns:p14="http://schemas.microsoft.com/office/powerpoint/2010/main" val="2388980174"/>
+      </p:ext>
+    </p:extLst>
+  </p:cSld>
+  <p:clrMapOvr>
+    <a:masterClrMapping/>
+  </p:clrMapOvr>
+  <p:timing>
+    <p:tnLst>
+      <p:par>
+        <p:cTn id="1" dur="indefinite" restart="never" nodeType="tmRoot"/>
+      </p:par>
+    </p:tnLst>
+  </p:timing>
+</p:sld>
+</file>
+
+<file path=ppt/slides/slide11.xml><?xml version="1.0" encoding="utf-8"?>
 <p:sld xmlns:a="http://schemas.openxmlformats.org/drawingml/2006/main" xmlns:r="http://schemas.openxmlformats.org/officeDocument/2006/relationships" xmlns:p="http://schemas.openxmlformats.org/presentationml/2006/main">
   <p:cSld>
     <p:spTree>
@@ -5586,873 +5611,101 @@
       </p:grpSpPr>
       <p:sp>
         <p:nvSpPr>
-          <p:cNvPr id="8194" name="Rectangle 2"/>
-          <p:cNvSpPr txBox="1">
-            <a:spLocks noChangeArrowheads="1"/>
-          </p:cNvSpPr>
+          <p:cNvPr id="2" name="Title 1"/>
+          <p:cNvSpPr>
+            <a:spLocks noGrp="1"/>
+          </p:cNvSpPr>
+          <p:nvPr>
+            <p:ph type="title"/>
+          </p:nvPr>
+        </p:nvSpPr>
+        <p:spPr/>
+        <p:txBody>
+          <a:bodyPr/>
+          <a:lstStyle/>
+          <a:p>
+            <a:r>
+              <a:rPr lang="en-US" dirty="0" smtClean="0"/>
+              <a:t>The internet offers a great </a:t>
+            </a:r>
+            <a:r>
+              <a:rPr lang="en-US" dirty="0" err="1" smtClean="0"/>
+              <a:t>buisness</a:t>
+            </a:r>
+            <a:r>
+              <a:rPr lang="en-US" dirty="0" smtClean="0"/>
+              <a:t> opportunity </a:t>
+            </a:r>
+            <a:endParaRPr lang="en-US" dirty="0"/>
+          </a:p>
+        </p:txBody>
+      </p:sp>
+      <p:pic>
+        <p:nvPicPr>
+          <p:cNvPr id="4" name="Picture 3"/>
+          <p:cNvPicPr>
+            <a:picLocks noChangeAspect="1"/>
+          </p:cNvPicPr>
           <p:nvPr/>
-        </p:nvSpPr>
-        <p:spPr bwMode="auto">
+        </p:nvPicPr>
+        <p:blipFill>
+          <a:blip r:embed="rId2"/>
+          <a:stretch>
+            <a:fillRect/>
+          </a:stretch>
+        </p:blipFill>
+        <p:spPr>
           <a:xfrm>
-            <a:off x="500063" y="358775"/>
-            <a:ext cx="8443912" cy="909638"/>
+            <a:off x="3146581" y="2348880"/>
+            <a:ext cx="2159000" cy="762000"/>
+          </a:xfrm>
+          <a:prstGeom prst="rect">
+            <a:avLst/>
+          </a:prstGeom>
+        </p:spPr>
+      </p:pic>
+      <p:sp>
+        <p:nvSpPr>
+          <p:cNvPr id="6" name="TextBox 5"/>
+          <p:cNvSpPr txBox="1"/>
+          <p:nvPr/>
+        </p:nvSpPr>
+        <p:spPr>
+          <a:xfrm>
+            <a:off x="2862167" y="3110879"/>
+            <a:ext cx="2924903" cy="461665"/>
           </a:xfrm>
           <a:prstGeom prst="rect">
             <a:avLst/>
           </a:prstGeom>
           <a:noFill/>
-          <a:ln w="9525">
-            <a:noFill/>
-            <a:miter lim="800000"/>
-            <a:headEnd/>
-            <a:tailEnd/>
-          </a:ln>
         </p:spPr>
         <p:txBody>
-          <a:bodyPr lIns="0" tIns="0" rIns="0" bIns="0"/>
+          <a:bodyPr wrap="none" rtlCol="0">
+            <a:spAutoFit/>
+          </a:bodyPr>
           <a:lstStyle/>
           <a:p>
-            <a:pPr algn="ctr" eaLnBrk="1" hangingPunct="1"/>
-            <a:r>
-              <a:rPr lang="en-GB" sz="4000" b="1">
-                <a:solidFill>
-                  <a:srgbClr val="C00000"/>
-                </a:solidFill>
-                <a:latin typeface="Trebuchet MS" pitchFamily="34" charset="0"/>
-              </a:rPr>
-              <a:t>What you won’t get from this Unit?</a:t>
-            </a:r>
-            <a:endParaRPr lang="en-GB" sz="4000" b="1">
-              <a:solidFill>
-                <a:srgbClr val="595959"/>
-              </a:solidFill>
-              <a:latin typeface="Trebuchet MS" pitchFamily="34" charset="0"/>
-            </a:endParaRPr>
-          </a:p>
-        </p:txBody>
-      </p:sp>
-      <p:sp>
-        <p:nvSpPr>
-          <p:cNvPr id="8195" name="Rectangle 3"/>
-          <p:cNvSpPr txBox="1">
-            <a:spLocks noChangeArrowheads="1"/>
-          </p:cNvSpPr>
-          <p:nvPr/>
-        </p:nvSpPr>
-        <p:spPr bwMode="auto">
-          <a:xfrm>
-            <a:off x="395288" y="1556792"/>
-            <a:ext cx="8497887" cy="4608512"/>
-          </a:xfrm>
-          <a:prstGeom prst="rect">
-            <a:avLst/>
-          </a:prstGeom>
-          <a:noFill/>
-          <a:ln w="9525">
-            <a:noFill/>
-            <a:miter lim="800000"/>
-            <a:headEnd/>
-            <a:tailEnd/>
-          </a:ln>
-        </p:spPr>
-        <p:txBody>
-          <a:bodyPr lIns="0" tIns="0" rIns="0" bIns="0"/>
-          <a:lstStyle/>
-          <a:p>
-            <a:pPr marL="714375" indent="-533400" eaLnBrk="1" hangingPunct="1">
-              <a:spcAft>
-                <a:spcPts val="2400"/>
-              </a:spcAft>
-              <a:buClr>
-                <a:srgbClr val="C00000"/>
-              </a:buClr>
-              <a:buSzPct val="120000"/>
-              <a:buFont typeface="Symbol" pitchFamily="18" charset="2"/>
-              <a:buChar char="´"/>
-              <a:tabLst>
-                <a:tab pos="93663" algn="l"/>
-              </a:tabLst>
-            </a:pPr>
-            <a:r>
-              <a:rPr lang="en-GB" altLang="zh-CN" sz="3600" dirty="0">
-                <a:latin typeface="Times New Roman" pitchFamily="18" charset="0"/>
-              </a:rPr>
-              <a:t>This unit does </a:t>
-            </a:r>
-            <a:r>
-              <a:rPr lang="en-GB" altLang="zh-CN" sz="3600" i="1" dirty="0">
-                <a:latin typeface="Times New Roman" pitchFamily="18" charset="0"/>
-              </a:rPr>
-              <a:t>not</a:t>
-            </a:r>
-            <a:r>
-              <a:rPr lang="en-GB" altLang="zh-CN" sz="3600" dirty="0">
-                <a:latin typeface="Times New Roman" pitchFamily="18" charset="0"/>
-              </a:rPr>
-              <a:t> provide information about what happens on the </a:t>
-            </a:r>
-            <a:r>
-              <a:rPr lang="en-GB" altLang="zh-CN" sz="3600" i="1" dirty="0" smtClean="0">
-                <a:latin typeface="Times New Roman" pitchFamily="18" charset="0"/>
-              </a:rPr>
-              <a:t>server</a:t>
-            </a:r>
-          </a:p>
-          <a:p>
-            <a:pPr marL="714375" indent="-533400" eaLnBrk="1" hangingPunct="1">
-              <a:spcAft>
-                <a:spcPts val="2400"/>
-              </a:spcAft>
-              <a:buClr>
-                <a:srgbClr val="C00000"/>
-              </a:buClr>
-              <a:buSzPct val="120000"/>
-              <a:buFont typeface="Symbol" pitchFamily="18" charset="2"/>
-              <a:buChar char="´"/>
-              <a:tabLst>
-                <a:tab pos="93663" algn="l"/>
-              </a:tabLst>
-            </a:pPr>
-            <a:r>
-              <a:rPr lang="en-GB" altLang="zh-CN" sz="3600" dirty="0" smtClean="0">
-                <a:latin typeface="Times New Roman" pitchFamily="18" charset="0"/>
-              </a:rPr>
-              <a:t>This unit will </a:t>
-            </a:r>
-            <a:r>
-              <a:rPr lang="en-GB" altLang="zh-CN" sz="3600" i="1" dirty="0" smtClean="0">
-                <a:latin typeface="Times New Roman" pitchFamily="18" charset="0"/>
-              </a:rPr>
-              <a:t>not</a:t>
-            </a:r>
-            <a:r>
-              <a:rPr lang="en-GB" altLang="zh-CN" sz="3600" dirty="0" smtClean="0">
-                <a:latin typeface="Times New Roman" pitchFamily="18" charset="0"/>
-              </a:rPr>
-              <a:t> consider </a:t>
-            </a:r>
-            <a:r>
-              <a:rPr lang="en-GB" altLang="zh-CN" sz="3600" i="1" dirty="0" smtClean="0">
-                <a:latin typeface="Times New Roman" pitchFamily="18" charset="0"/>
-              </a:rPr>
-              <a:t>mobile</a:t>
-            </a:r>
-            <a:r>
-              <a:rPr lang="en-GB" altLang="zh-CN" sz="3600" dirty="0" smtClean="0">
-                <a:latin typeface="Times New Roman" pitchFamily="18" charset="0"/>
-              </a:rPr>
-              <a:t> web development</a:t>
-            </a:r>
-            <a:endParaRPr lang="en-GB" altLang="zh-CN" sz="3600" dirty="0">
-              <a:latin typeface="Times New Roman" pitchFamily="18" charset="0"/>
-            </a:endParaRPr>
-          </a:p>
-          <a:p>
-            <a:pPr marL="714375" indent="-533400" eaLnBrk="1" hangingPunct="1">
-              <a:spcAft>
-                <a:spcPts val="2400"/>
-              </a:spcAft>
-              <a:buClr>
-                <a:srgbClr val="C00000"/>
-              </a:buClr>
-              <a:buSzPct val="120000"/>
-              <a:tabLst>
-                <a:tab pos="93663" algn="l"/>
-              </a:tabLst>
-            </a:pPr>
-            <a:r>
-              <a:rPr lang="en-GB" altLang="zh-CN" sz="3600" i="1" dirty="0">
-                <a:latin typeface="Times New Roman" pitchFamily="18" charset="0"/>
-              </a:rPr>
-              <a:t>      </a:t>
-            </a:r>
-            <a:r>
-              <a:rPr lang="en-GB" altLang="zh-CN" sz="3600" i="1" dirty="0" smtClean="0">
-                <a:latin typeface="Times New Roman" pitchFamily="18" charset="0"/>
-              </a:rPr>
-              <a:t>Level 5: </a:t>
-            </a:r>
-            <a:r>
-              <a:rPr lang="en-GB" altLang="zh-CN" sz="3600" i="1" dirty="0">
-                <a:latin typeface="Times New Roman" pitchFamily="18" charset="0"/>
-              </a:rPr>
-              <a:t>“Developing for the Internet</a:t>
-            </a:r>
-            <a:r>
-              <a:rPr lang="en-GB" altLang="zh-CN" sz="3600" i="1" dirty="0" smtClean="0">
-                <a:latin typeface="Times New Roman" pitchFamily="18" charset="0"/>
-              </a:rPr>
-              <a:t>”</a:t>
-            </a:r>
-          </a:p>
-          <a:p>
-            <a:pPr marL="714375" indent="-533400" algn="ctr" eaLnBrk="1" hangingPunct="1">
-              <a:spcAft>
-                <a:spcPts val="2400"/>
-              </a:spcAft>
-              <a:buClr>
-                <a:srgbClr val="C00000"/>
-              </a:buClr>
-              <a:buSzPct val="120000"/>
-              <a:tabLst>
-                <a:tab pos="93663" algn="l"/>
-              </a:tabLst>
-            </a:pPr>
-            <a:r>
-              <a:rPr lang="en-GB" altLang="zh-CN" sz="3600" i="1" dirty="0" smtClean="0">
-                <a:latin typeface="Times New Roman" pitchFamily="18" charset="0"/>
-              </a:rPr>
-              <a:t>Level 6: </a:t>
-            </a:r>
-            <a:r>
-              <a:rPr lang="en-GB" altLang="zh-CN" sz="3600" i="1" dirty="0">
-                <a:latin typeface="Times New Roman" pitchFamily="18" charset="0"/>
-              </a:rPr>
-              <a:t>“Web Application Development</a:t>
-            </a:r>
-            <a:r>
-              <a:rPr lang="en-GB" altLang="zh-CN" sz="3600" i="1" dirty="0" smtClean="0">
-                <a:latin typeface="Times New Roman" pitchFamily="18" charset="0"/>
-              </a:rPr>
-              <a:t>”</a:t>
-            </a:r>
-          </a:p>
-          <a:p>
-            <a:pPr marL="714375" indent="-533400" eaLnBrk="1" hangingPunct="1">
-              <a:spcAft>
-                <a:spcPts val="2400"/>
-              </a:spcAft>
-              <a:buClr>
-                <a:srgbClr val="C00000"/>
-              </a:buClr>
-              <a:buSzPct val="120000"/>
-              <a:tabLst>
-                <a:tab pos="93663" algn="l"/>
-              </a:tabLst>
-            </a:pPr>
-            <a:endParaRPr lang="en-GB" altLang="zh-CN" sz="4000" dirty="0">
-              <a:latin typeface="Times New Roman" pitchFamily="18" charset="0"/>
-            </a:endParaRPr>
-          </a:p>
-          <a:p>
-            <a:pPr marL="714375" indent="-533400" eaLnBrk="1" hangingPunct="1">
-              <a:spcAft>
-                <a:spcPts val="1200"/>
-              </a:spcAft>
-              <a:buClr>
-                <a:srgbClr val="C00000"/>
-              </a:buClr>
-              <a:buSzPct val="80000"/>
-              <a:tabLst>
-                <a:tab pos="93663" algn="l"/>
-              </a:tabLst>
-            </a:pPr>
-            <a:endParaRPr lang="en-GB" altLang="zh-CN" sz="3400" dirty="0">
-              <a:latin typeface="Times New Roman" pitchFamily="18" charset="0"/>
-            </a:endParaRPr>
-          </a:p>
-          <a:p>
-            <a:pPr marL="714375" indent="-533400" eaLnBrk="1" hangingPunct="1">
-              <a:buClr>
-                <a:srgbClr val="FF0003"/>
-              </a:buClr>
-              <a:buSzPct val="80000"/>
-              <a:tabLst>
-                <a:tab pos="93663" algn="l"/>
-              </a:tabLst>
-            </a:pPr>
-            <a:endParaRPr lang="en-GB" altLang="zh-CN" sz="2600" dirty="0">
-              <a:latin typeface="Times New Roman" pitchFamily="18" charset="0"/>
-            </a:endParaRPr>
+            <a:r>
+              <a:rPr lang="en-US" dirty="0" smtClean="0">
+                <a:hlinkClick r:id="rId3"/>
+              </a:rPr>
+              <a:t>A business example</a:t>
+            </a:r>
+            <a:endParaRPr lang="en-US" dirty="0"/>
           </a:p>
         </p:txBody>
       </p:sp>
     </p:spTree>
     <p:extLst>
       <p:ext uri="{BB962C8B-B14F-4D97-AF65-F5344CB8AC3E}">
-        <p14:creationId xmlns:p14="http://schemas.microsoft.com/office/powerpoint/2010/main" val="3029082908"/>
+        <p14:creationId xmlns:p14="http://schemas.microsoft.com/office/powerpoint/2010/main" val="589908243"/>
       </p:ext>
     </p:extLst>
   </p:cSld>
   <p:clrMapOvr>
     <a:masterClrMapping/>
   </p:clrMapOvr>
-  <p:timing>
-    <p:tnLst>
-      <p:par>
-        <p:cTn id="1" dur="indefinite" restart="never" nodeType="tmRoot">
-          <p:childTnLst>
-            <p:seq concurrent="1" nextAc="seek">
-              <p:cTn id="2" dur="indefinite" nodeType="mainSeq">
-                <p:childTnLst>
-                  <p:par>
-                    <p:cTn id="3" fill="hold">
-                      <p:stCondLst>
-                        <p:cond delay="indefinite"/>
-                      </p:stCondLst>
-                      <p:childTnLst>
-                        <p:par>
-                          <p:cTn id="4" fill="hold">
-                            <p:stCondLst>
-                              <p:cond delay="0"/>
-                            </p:stCondLst>
-                            <p:childTnLst>
-                              <p:par>
-                                <p:cTn id="5" presetID="2" presetClass="entr" presetSubtype="4" fill="hold" nodeType="clickEffect">
-                                  <p:stCondLst>
-                                    <p:cond delay="0"/>
-                                  </p:stCondLst>
-                                  <p:childTnLst>
-                                    <p:set>
-                                      <p:cBhvr>
-                                        <p:cTn id="6" dur="1" fill="hold">
-                                          <p:stCondLst>
-                                            <p:cond delay="0"/>
-                                          </p:stCondLst>
-                                        </p:cTn>
-                                        <p:tgtEl>
-                                          <p:spTgt spid="8195">
-                                            <p:txEl>
-                                              <p:pRg st="2" end="2"/>
-                                            </p:txEl>
-                                          </p:spTgt>
-                                        </p:tgtEl>
-                                        <p:attrNameLst>
-                                          <p:attrName>style.visibility</p:attrName>
-                                        </p:attrNameLst>
-                                      </p:cBhvr>
-                                      <p:to>
-                                        <p:strVal val="visible"/>
-                                      </p:to>
-                                    </p:set>
-                                    <p:anim calcmode="lin" valueType="num">
-                                      <p:cBhvr additive="base">
-                                        <p:cTn id="7" dur="500" fill="hold"/>
-                                        <p:tgtEl>
-                                          <p:spTgt spid="8195">
-                                            <p:txEl>
-                                              <p:pRg st="2" end="2"/>
-                                            </p:txEl>
-                                          </p:spTgt>
-                                        </p:tgtEl>
-                                        <p:attrNameLst>
-                                          <p:attrName>ppt_x</p:attrName>
-                                        </p:attrNameLst>
-                                      </p:cBhvr>
-                                      <p:tavLst>
-                                        <p:tav tm="0">
-                                          <p:val>
-                                            <p:strVal val="#ppt_x"/>
-                                          </p:val>
-                                        </p:tav>
-                                        <p:tav tm="100000">
-                                          <p:val>
-                                            <p:strVal val="#ppt_x"/>
-                                          </p:val>
-                                        </p:tav>
-                                      </p:tavLst>
-                                    </p:anim>
-                                    <p:anim calcmode="lin" valueType="num">
-                                      <p:cBhvr additive="base">
-                                        <p:cTn id="8" dur="500" fill="hold"/>
-                                        <p:tgtEl>
-                                          <p:spTgt spid="8195">
-                                            <p:txEl>
-                                              <p:pRg st="2" end="2"/>
-                                            </p:txEl>
-                                          </p:spTgt>
-                                        </p:tgtEl>
-                                        <p:attrNameLst>
-                                          <p:attrName>ppt_y</p:attrName>
-                                        </p:attrNameLst>
-                                      </p:cBhvr>
-                                      <p:tavLst>
-                                        <p:tav tm="0">
-                                          <p:val>
-                                            <p:strVal val="1+#ppt_h/2"/>
-                                          </p:val>
-                                        </p:tav>
-                                        <p:tav tm="100000">
-                                          <p:val>
-                                            <p:strVal val="#ppt_y"/>
-                                          </p:val>
-                                        </p:tav>
-                                      </p:tavLst>
-                                    </p:anim>
-                                  </p:childTnLst>
-                                </p:cTn>
-                              </p:par>
-                              <p:par>
-                                <p:cTn id="9" presetID="2" presetClass="entr" presetSubtype="4" fill="hold" nodeType="withEffect">
-                                  <p:stCondLst>
-                                    <p:cond delay="0"/>
-                                  </p:stCondLst>
-                                  <p:childTnLst>
-                                    <p:set>
-                                      <p:cBhvr>
-                                        <p:cTn id="10" dur="1" fill="hold">
-                                          <p:stCondLst>
-                                            <p:cond delay="0"/>
-                                          </p:stCondLst>
-                                        </p:cTn>
-                                        <p:tgtEl>
-                                          <p:spTgt spid="8195">
-                                            <p:txEl>
-                                              <p:pRg st="3" end="3"/>
-                                            </p:txEl>
-                                          </p:spTgt>
-                                        </p:tgtEl>
-                                        <p:attrNameLst>
-                                          <p:attrName>style.visibility</p:attrName>
-                                        </p:attrNameLst>
-                                      </p:cBhvr>
-                                      <p:to>
-                                        <p:strVal val="visible"/>
-                                      </p:to>
-                                    </p:set>
-                                    <p:anim calcmode="lin" valueType="num">
-                                      <p:cBhvr additive="base">
-                                        <p:cTn id="11" dur="500" fill="hold"/>
-                                        <p:tgtEl>
-                                          <p:spTgt spid="8195">
-                                            <p:txEl>
-                                              <p:pRg st="3" end="3"/>
-                                            </p:txEl>
-                                          </p:spTgt>
-                                        </p:tgtEl>
-                                        <p:attrNameLst>
-                                          <p:attrName>ppt_x</p:attrName>
-                                        </p:attrNameLst>
-                                      </p:cBhvr>
-                                      <p:tavLst>
-                                        <p:tav tm="0">
-                                          <p:val>
-                                            <p:strVal val="#ppt_x"/>
-                                          </p:val>
-                                        </p:tav>
-                                        <p:tav tm="100000">
-                                          <p:val>
-                                            <p:strVal val="#ppt_x"/>
-                                          </p:val>
-                                        </p:tav>
-                                      </p:tavLst>
-                                    </p:anim>
-                                    <p:anim calcmode="lin" valueType="num">
-                                      <p:cBhvr additive="base">
-                                        <p:cTn id="12" dur="500" fill="hold"/>
-                                        <p:tgtEl>
-                                          <p:spTgt spid="8195">
-                                            <p:txEl>
-                                              <p:pRg st="3" end="3"/>
-                                            </p:txEl>
-                                          </p:spTgt>
-                                        </p:tgtEl>
-                                        <p:attrNameLst>
-                                          <p:attrName>ppt_y</p:attrName>
-                                        </p:attrNameLst>
-                                      </p:cBhvr>
-                                      <p:tavLst>
-                                        <p:tav tm="0">
-                                          <p:val>
-                                            <p:strVal val="1+#ppt_h/2"/>
-                                          </p:val>
-                                        </p:tav>
-                                        <p:tav tm="100000">
-                                          <p:val>
-                                            <p:strVal val="#ppt_y"/>
-                                          </p:val>
-                                        </p:tav>
-                                      </p:tavLst>
-                                    </p:anim>
-                                  </p:childTnLst>
-                                </p:cTn>
-                              </p:par>
-                            </p:childTnLst>
-                          </p:cTn>
-                        </p:par>
-                      </p:childTnLst>
-                    </p:cTn>
-                  </p:par>
-                </p:childTnLst>
-              </p:cTn>
-              <p:prevCondLst>
-                <p:cond evt="onPrev" delay="0">
-                  <p:tgtEl>
-                    <p:sldTgt/>
-                  </p:tgtEl>
-                </p:cond>
-              </p:prevCondLst>
-              <p:nextCondLst>
-                <p:cond evt="onNext" delay="0">
-                  <p:tgtEl>
-                    <p:sldTgt/>
-                  </p:tgtEl>
-                </p:cond>
-              </p:nextCondLst>
-            </p:seq>
-          </p:childTnLst>
-        </p:cTn>
-      </p:par>
-    </p:tnLst>
-  </p:timing>
-</p:sld>
-</file>
-
-<file path=ppt/slides/slide11.xml><?xml version="1.0" encoding="utf-8"?>
-<p:sld xmlns:a="http://schemas.openxmlformats.org/drawingml/2006/main" xmlns:r="http://schemas.openxmlformats.org/officeDocument/2006/relationships" xmlns:p="http://schemas.openxmlformats.org/presentationml/2006/main" showMasterSp="0">
-  <p:cSld>
-    <p:spTree>
-      <p:nvGrpSpPr>
-        <p:cNvPr id="1" name=""/>
-        <p:cNvGrpSpPr/>
-        <p:nvPr/>
-      </p:nvGrpSpPr>
-      <p:grpSpPr>
-        <a:xfrm>
-          <a:off x="0" y="0"/>
-          <a:ext cx="0" cy="0"/>
-          <a:chOff x="0" y="0"/>
-          <a:chExt cx="0" cy="0"/>
-        </a:xfrm>
-      </p:grpSpPr>
-      <p:sp>
-        <p:nvSpPr>
-          <p:cNvPr id="9218" name="Rectangle 2"/>
-          <p:cNvSpPr txBox="1">
-            <a:spLocks noChangeArrowheads="1"/>
-          </p:cNvSpPr>
-          <p:nvPr/>
-        </p:nvSpPr>
-        <p:spPr bwMode="auto">
-          <a:xfrm>
-            <a:off x="500063" y="357188"/>
-            <a:ext cx="8443912" cy="911225"/>
-          </a:xfrm>
-          <a:prstGeom prst="rect">
-            <a:avLst/>
-          </a:prstGeom>
-          <a:noFill/>
-          <a:ln w="9525">
-            <a:noFill/>
-            <a:miter lim="800000"/>
-            <a:headEnd/>
-            <a:tailEnd/>
-          </a:ln>
-        </p:spPr>
-        <p:txBody>
-          <a:bodyPr lIns="0" tIns="0" rIns="0" bIns="0"/>
-          <a:lstStyle/>
-          <a:p>
-            <a:pPr algn="ctr" eaLnBrk="1" hangingPunct="1"/>
-            <a:r>
-              <a:rPr lang="en-GB" sz="4400" b="1" dirty="0" smtClean="0">
-                <a:solidFill>
-                  <a:srgbClr val="C00000"/>
-                </a:solidFill>
-                <a:latin typeface="Trebuchet MS" pitchFamily="34" charset="0"/>
-              </a:rPr>
-              <a:t>Unit Commitments </a:t>
-            </a:r>
-            <a:endParaRPr lang="en-GB" sz="2800" b="1" dirty="0">
-              <a:solidFill>
-                <a:srgbClr val="595959"/>
-              </a:solidFill>
-              <a:latin typeface="Trebuchet MS" pitchFamily="34" charset="0"/>
-            </a:endParaRPr>
-          </a:p>
-        </p:txBody>
-      </p:sp>
-      <p:sp>
-        <p:nvSpPr>
-          <p:cNvPr id="3075" name="Rectangle 3"/>
-          <p:cNvSpPr txBox="1">
-            <a:spLocks noChangeArrowheads="1"/>
-          </p:cNvSpPr>
-          <p:nvPr/>
-        </p:nvSpPr>
-        <p:spPr bwMode="auto">
-          <a:xfrm>
-            <a:off x="467867" y="1355056"/>
-            <a:ext cx="8642350" cy="5472112"/>
-          </a:xfrm>
-          <a:prstGeom prst="rect">
-            <a:avLst/>
-          </a:prstGeom>
-          <a:noFill/>
-          <a:ln>
-            <a:noFill/>
-          </a:ln>
-          <a:extLst>
-            <a:ext uri="{909E8E84-426E-40dd-AFC4-6F175D3DCCD1}">
-              <a14:hiddenFill xmlns:a14="http://schemas.microsoft.com/office/drawing/2010/main" xmlns="">
-                <a:solidFill>
-                  <a:srgbClr val="FFFFFF"/>
-                </a:solidFill>
-              </a14:hiddenFill>
-            </a:ext>
-            <a:ext uri="{91240B29-F687-4f45-9708-019B960494DF}">
-              <a14:hiddenLine xmlns:a14="http://schemas.microsoft.com/office/drawing/2010/main" xmlns="" w="9525">
-                <a:solidFill>
-                  <a:srgbClr val="000000"/>
-                </a:solidFill>
-                <a:miter lim="800000"/>
-                <a:headEnd/>
-                <a:tailEnd/>
-              </a14:hiddenLine>
-            </a:ext>
-          </a:extLst>
-        </p:spPr>
-        <p:txBody>
-          <a:bodyPr lIns="0" tIns="0" rIns="0" bIns="0"/>
-          <a:lstStyle>
-            <a:lvl1pPr marL="361950" indent="-361950">
-              <a:tabLst>
-                <a:tab pos="93663" algn="l"/>
-              </a:tabLst>
-              <a:defRPr sz="2400">
-                <a:solidFill>
-                  <a:schemeClr val="tx1"/>
-                </a:solidFill>
-                <a:latin typeface="Arial" charset="0"/>
-                <a:ea typeface="MS PGothic" pitchFamily="34" charset="-128"/>
-              </a:defRPr>
-            </a:lvl1pPr>
-            <a:lvl2pPr marL="742950" indent="-285750">
-              <a:tabLst>
-                <a:tab pos="93663" algn="l"/>
-              </a:tabLst>
-              <a:defRPr sz="2400">
-                <a:solidFill>
-                  <a:schemeClr val="tx1"/>
-                </a:solidFill>
-                <a:latin typeface="Arial" charset="0"/>
-                <a:ea typeface="MS PGothic" pitchFamily="34" charset="-128"/>
-              </a:defRPr>
-            </a:lvl2pPr>
-            <a:lvl3pPr marL="982663" indent="-354013">
-              <a:tabLst>
-                <a:tab pos="93663" algn="l"/>
-              </a:tabLst>
-              <a:defRPr sz="2400">
-                <a:solidFill>
-                  <a:schemeClr val="tx1"/>
-                </a:solidFill>
-                <a:latin typeface="Arial" charset="0"/>
-                <a:ea typeface="MS PGothic" pitchFamily="34" charset="-128"/>
-              </a:defRPr>
-            </a:lvl3pPr>
-            <a:lvl4pPr marL="1600200" indent="-228600">
-              <a:tabLst>
-                <a:tab pos="93663" algn="l"/>
-              </a:tabLst>
-              <a:defRPr sz="2400">
-                <a:solidFill>
-                  <a:schemeClr val="tx1"/>
-                </a:solidFill>
-                <a:latin typeface="Arial" charset="0"/>
-                <a:ea typeface="MS PGothic" pitchFamily="34" charset="-128"/>
-              </a:defRPr>
-            </a:lvl4pPr>
-            <a:lvl5pPr marL="2057400" indent="-228600">
-              <a:tabLst>
-                <a:tab pos="93663" algn="l"/>
-              </a:tabLst>
-              <a:defRPr sz="2400">
-                <a:solidFill>
-                  <a:schemeClr val="tx1"/>
-                </a:solidFill>
-                <a:latin typeface="Arial" charset="0"/>
-                <a:ea typeface="MS PGothic" pitchFamily="34" charset="-128"/>
-              </a:defRPr>
-            </a:lvl5pPr>
-            <a:lvl6pPr marL="2514600" indent="-228600" eaLnBrk="0" fontAlgn="base" hangingPunct="0">
-              <a:spcBef>
-                <a:spcPct val="0"/>
-              </a:spcBef>
-              <a:spcAft>
-                <a:spcPct val="0"/>
-              </a:spcAft>
-              <a:tabLst>
-                <a:tab pos="93663" algn="l"/>
-              </a:tabLst>
-              <a:defRPr sz="2400">
-                <a:solidFill>
-                  <a:schemeClr val="tx1"/>
-                </a:solidFill>
-                <a:latin typeface="Arial" charset="0"/>
-                <a:ea typeface="MS PGothic" pitchFamily="34" charset="-128"/>
-              </a:defRPr>
-            </a:lvl6pPr>
-            <a:lvl7pPr marL="2971800" indent="-228600" eaLnBrk="0" fontAlgn="base" hangingPunct="0">
-              <a:spcBef>
-                <a:spcPct val="0"/>
-              </a:spcBef>
-              <a:spcAft>
-                <a:spcPct val="0"/>
-              </a:spcAft>
-              <a:tabLst>
-                <a:tab pos="93663" algn="l"/>
-              </a:tabLst>
-              <a:defRPr sz="2400">
-                <a:solidFill>
-                  <a:schemeClr val="tx1"/>
-                </a:solidFill>
-                <a:latin typeface="Arial" charset="0"/>
-                <a:ea typeface="MS PGothic" pitchFamily="34" charset="-128"/>
-              </a:defRPr>
-            </a:lvl7pPr>
-            <a:lvl8pPr marL="3429000" indent="-228600" eaLnBrk="0" fontAlgn="base" hangingPunct="0">
-              <a:spcBef>
-                <a:spcPct val="0"/>
-              </a:spcBef>
-              <a:spcAft>
-                <a:spcPct val="0"/>
-              </a:spcAft>
-              <a:tabLst>
-                <a:tab pos="93663" algn="l"/>
-              </a:tabLst>
-              <a:defRPr sz="2400">
-                <a:solidFill>
-                  <a:schemeClr val="tx1"/>
-                </a:solidFill>
-                <a:latin typeface="Arial" charset="0"/>
-                <a:ea typeface="MS PGothic" pitchFamily="34" charset="-128"/>
-              </a:defRPr>
-            </a:lvl8pPr>
-            <a:lvl9pPr marL="3886200" indent="-228600" eaLnBrk="0" fontAlgn="base" hangingPunct="0">
-              <a:spcBef>
-                <a:spcPct val="0"/>
-              </a:spcBef>
-              <a:spcAft>
-                <a:spcPct val="0"/>
-              </a:spcAft>
-              <a:tabLst>
-                <a:tab pos="93663" algn="l"/>
-              </a:tabLst>
-              <a:defRPr sz="2400">
-                <a:solidFill>
-                  <a:schemeClr val="tx1"/>
-                </a:solidFill>
-                <a:latin typeface="Arial" charset="0"/>
-                <a:ea typeface="MS PGothic" pitchFamily="34" charset="-128"/>
-              </a:defRPr>
-            </a:lvl9pPr>
-          </a:lstStyle>
-          <a:p>
-            <a:pPr marL="514350" indent="-514350" eaLnBrk="1" hangingPunct="1">
-              <a:spcAft>
-                <a:spcPts val="1200"/>
-              </a:spcAft>
-              <a:buClr>
-                <a:srgbClr val="C00000"/>
-              </a:buClr>
-              <a:buSzPct val="100000"/>
-              <a:buAutoNum type="arabicPeriod"/>
-              <a:defRPr/>
-            </a:pPr>
-            <a:r>
-              <a:rPr lang="en-GB" altLang="zh-CN" sz="2800" b="1" dirty="0" smtClean="0">
-                <a:latin typeface="Times New Roman" pitchFamily="18" charset="0"/>
-                <a:cs typeface="Times New Roman" pitchFamily="18" charset="0"/>
-              </a:rPr>
-              <a:t>A one hour lecture each week </a:t>
-            </a:r>
-          </a:p>
-          <a:p>
-            <a:pPr marL="514350" indent="-514350" eaLnBrk="1" hangingPunct="1">
-              <a:spcAft>
-                <a:spcPts val="1200"/>
-              </a:spcAft>
-              <a:buClr>
-                <a:srgbClr val="C00000"/>
-              </a:buClr>
-              <a:buSzPct val="100000"/>
-              <a:buAutoNum type="arabicPeriod"/>
-              <a:defRPr/>
-            </a:pPr>
-            <a:r>
-              <a:rPr lang="en-GB" altLang="zh-CN" sz="2800" b="1" dirty="0" smtClean="0">
-                <a:latin typeface="Times New Roman" pitchFamily="18" charset="0"/>
-                <a:cs typeface="Times New Roman" pitchFamily="18" charset="0"/>
-              </a:rPr>
-              <a:t>Up to a 2 hour practical weekly </a:t>
-            </a:r>
-          </a:p>
-          <a:p>
-            <a:pPr marL="514350" indent="-514350" eaLnBrk="1" hangingPunct="1">
-              <a:spcAft>
-                <a:spcPts val="1200"/>
-              </a:spcAft>
-              <a:buClr>
-                <a:srgbClr val="C00000"/>
-              </a:buClr>
-              <a:buSzPct val="100000"/>
-              <a:buAutoNum type="arabicPeriod" startAt="3"/>
-              <a:defRPr/>
-            </a:pPr>
-            <a:r>
-              <a:rPr lang="en-GB" altLang="zh-CN" sz="2800" b="1" dirty="0" smtClean="0">
-                <a:latin typeface="Times New Roman" pitchFamily="18" charset="0"/>
-                <a:cs typeface="Times New Roman" pitchFamily="18" charset="0"/>
-              </a:rPr>
-              <a:t>A Time Constrained Assessment</a:t>
-            </a:r>
-            <a:r>
-              <a:rPr lang="en-GB" altLang="zh-CN" sz="2800" dirty="0" smtClean="0">
-                <a:latin typeface="Times New Roman" pitchFamily="18" charset="0"/>
-                <a:cs typeface="Times New Roman" pitchFamily="18" charset="0"/>
-              </a:rPr>
-              <a:t>(100%) delivered in mid January 2017</a:t>
-            </a:r>
-            <a:r>
-              <a:rPr lang="en-GB" altLang="zh-CN" sz="2800" dirty="0" smtClean="0">
-                <a:solidFill>
-                  <a:srgbClr val="0000CC"/>
-                </a:solidFill>
-                <a:latin typeface="Times New Roman" pitchFamily="18" charset="0"/>
-                <a:cs typeface="Times New Roman" pitchFamily="18" charset="0"/>
-              </a:rPr>
-              <a:t> (date tbc)</a:t>
-            </a:r>
-          </a:p>
-          <a:p>
-            <a:pPr marL="0" indent="0" eaLnBrk="1" hangingPunct="1">
-              <a:spcAft>
-                <a:spcPts val="1200"/>
-              </a:spcAft>
-              <a:buClr>
-                <a:srgbClr val="C00000"/>
-              </a:buClr>
-              <a:buSzPct val="100000"/>
-              <a:defRPr/>
-            </a:pPr>
-            <a:endParaRPr lang="en-GB" altLang="zh-CN" sz="2800" dirty="0" smtClean="0">
-              <a:solidFill>
-                <a:srgbClr val="0000CC"/>
-              </a:solidFill>
-              <a:latin typeface="Times New Roman" pitchFamily="18" charset="0"/>
-              <a:cs typeface="Times New Roman" pitchFamily="18" charset="0"/>
-            </a:endParaRPr>
-          </a:p>
-        </p:txBody>
-      </p:sp>
-    </p:spTree>
-    <p:extLst>
-      <p:ext uri="{BB962C8B-B14F-4D97-AF65-F5344CB8AC3E}">
-        <p14:creationId xmlns:p14="http://schemas.microsoft.com/office/powerpoint/2010/main" val="3655507655"/>
-      </p:ext>
-    </p:extLst>
-  </p:cSld>
-  <p:clrMapOvr>
-    <a:masterClrMapping/>
-  </p:clrMapOvr>
-  <p:timing>
-    <p:tnLst>
-      <p:par>
-        <p:cTn id="1" dur="indefinite" restart="never" nodeType="tmRoot"/>
-      </p:par>
-    </p:tnLst>
-  </p:timing>
 </p:sld>
 </file>
 
@@ -9671,364 +8924,6 @@
 </file>
 
 <file path=ppt/slides/slide2.xml><?xml version="1.0" encoding="utf-8"?>
-<p:sld xmlns:a="http://schemas.openxmlformats.org/drawingml/2006/main" xmlns:r="http://schemas.openxmlformats.org/officeDocument/2006/relationships" xmlns:p="http://schemas.openxmlformats.org/presentationml/2006/main">
-  <p:cSld>
-    <p:spTree>
-      <p:nvGrpSpPr>
-        <p:cNvPr id="1" name=""/>
-        <p:cNvGrpSpPr/>
-        <p:nvPr/>
-      </p:nvGrpSpPr>
-      <p:grpSpPr>
-        <a:xfrm>
-          <a:off x="0" y="0"/>
-          <a:ext cx="0" cy="0"/>
-          <a:chOff x="0" y="0"/>
-          <a:chExt cx="0" cy="0"/>
-        </a:xfrm>
-      </p:grpSpPr>
-      <p:pic>
-        <p:nvPicPr>
-          <p:cNvPr id="4" name="Picture 3"/>
-          <p:cNvPicPr>
-            <a:picLocks noChangeAspect="1"/>
-          </p:cNvPicPr>
-          <p:nvPr/>
-        </p:nvPicPr>
-        <p:blipFill>
-          <a:blip r:embed="rId2"/>
-          <a:stretch>
-            <a:fillRect/>
-          </a:stretch>
-        </p:blipFill>
-        <p:spPr>
-          <a:xfrm>
-            <a:off x="1979712" y="116632"/>
-            <a:ext cx="5733256" cy="5876546"/>
-          </a:xfrm>
-          <a:prstGeom prst="rect">
-            <a:avLst/>
-          </a:prstGeom>
-        </p:spPr>
-      </p:pic>
-    </p:spTree>
-    <p:extLst>
-      <p:ext uri="{BB962C8B-B14F-4D97-AF65-F5344CB8AC3E}">
-        <p14:creationId xmlns:p14="http://schemas.microsoft.com/office/powerpoint/2010/main" val="397354091"/>
-      </p:ext>
-    </p:extLst>
-  </p:cSld>
-  <p:clrMapOvr>
-    <a:masterClrMapping/>
-  </p:clrMapOvr>
-</p:sld>
-</file>
-
-<file path=ppt/slides/slide20.xml><?xml version="1.0" encoding="utf-8"?>
-<p:sld xmlns:a="http://schemas.openxmlformats.org/drawingml/2006/main" xmlns:r="http://schemas.openxmlformats.org/officeDocument/2006/relationships" xmlns:p="http://schemas.openxmlformats.org/presentationml/2006/main">
-  <p:cSld>
-    <p:spTree>
-      <p:nvGrpSpPr>
-        <p:cNvPr id="1" name=""/>
-        <p:cNvGrpSpPr/>
-        <p:nvPr/>
-      </p:nvGrpSpPr>
-      <p:grpSpPr>
-        <a:xfrm>
-          <a:off x="0" y="0"/>
-          <a:ext cx="0" cy="0"/>
-          <a:chOff x="0" y="0"/>
-          <a:chExt cx="0" cy="0"/>
-        </a:xfrm>
-      </p:grpSpPr>
-      <p:sp>
-        <p:nvSpPr>
-          <p:cNvPr id="9" name="Rectangle 2"/>
-          <p:cNvSpPr txBox="1">
-            <a:spLocks noChangeArrowheads="1"/>
-          </p:cNvSpPr>
-          <p:nvPr/>
-        </p:nvSpPr>
-        <p:spPr bwMode="auto">
-          <a:xfrm>
-            <a:off x="500063" y="260350"/>
-            <a:ext cx="8443912" cy="857250"/>
-          </a:xfrm>
-          <a:prstGeom prst="rect">
-            <a:avLst/>
-          </a:prstGeom>
-          <a:noFill/>
-          <a:ln w="9525">
-            <a:noFill/>
-            <a:miter lim="800000"/>
-            <a:headEnd/>
-            <a:tailEnd/>
-          </a:ln>
-        </p:spPr>
-        <p:txBody>
-          <a:bodyPr lIns="0" tIns="0" rIns="0" bIns="0"/>
-          <a:lstStyle/>
-          <a:p>
-            <a:pPr algn="ctr" eaLnBrk="1" hangingPunct="1">
-              <a:defRPr/>
-            </a:pPr>
-            <a:r>
-              <a:rPr lang="en-GB" sz="4400" b="1" kern="0" dirty="0" smtClean="0">
-                <a:solidFill>
-                  <a:srgbClr val="C00000"/>
-                </a:solidFill>
-                <a:latin typeface="+mj-lt"/>
-                <a:ea typeface="+mj-ea"/>
-                <a:cs typeface="+mj-cs"/>
-              </a:rPr>
-              <a:t>References</a:t>
-            </a:r>
-            <a:endParaRPr lang="en-GB" sz="4400" b="1" kern="0" dirty="0">
-              <a:solidFill>
-                <a:srgbClr val="C00000"/>
-              </a:solidFill>
-              <a:latin typeface="+mj-lt"/>
-              <a:ea typeface="+mj-ea"/>
-              <a:cs typeface="+mj-cs"/>
-            </a:endParaRPr>
-          </a:p>
-        </p:txBody>
-      </p:sp>
-      <p:sp>
-        <p:nvSpPr>
-          <p:cNvPr id="33795" name="Rectangle 3"/>
-          <p:cNvSpPr txBox="1">
-            <a:spLocks noChangeArrowheads="1"/>
-          </p:cNvSpPr>
-          <p:nvPr/>
-        </p:nvSpPr>
-        <p:spPr bwMode="auto">
-          <a:xfrm>
-            <a:off x="642938" y="1500188"/>
-            <a:ext cx="7643812" cy="4737124"/>
-          </a:xfrm>
-          <a:prstGeom prst="rect">
-            <a:avLst/>
-          </a:prstGeom>
-          <a:noFill/>
-          <a:ln w="9525">
-            <a:noFill/>
-            <a:miter lim="800000"/>
-            <a:headEnd/>
-            <a:tailEnd/>
-          </a:ln>
-        </p:spPr>
-        <p:txBody>
-          <a:bodyPr lIns="0" tIns="0" rIns="0" bIns="0"/>
-          <a:lstStyle/>
-          <a:p>
-            <a:pPr marL="447675" indent="-447675" eaLnBrk="1" hangingPunct="1">
-              <a:buClr>
-                <a:srgbClr val="C00000"/>
-              </a:buClr>
-              <a:buSzPct val="80000"/>
-              <a:buFont typeface="Wingdings" pitchFamily="2" charset="2"/>
-              <a:buChar char="Ø"/>
-              <a:tabLst>
-                <a:tab pos="93663" algn="l"/>
-              </a:tabLst>
-            </a:pPr>
-            <a:r>
-              <a:rPr lang="en-GB" altLang="zh-CN" sz="1800" dirty="0">
-                <a:solidFill>
-                  <a:srgbClr val="000000"/>
-                </a:solidFill>
-                <a:latin typeface="Times New Roman" pitchFamily="18" charset="0"/>
-                <a:cs typeface="Times New Roman" pitchFamily="18" charset="0"/>
-              </a:rPr>
-              <a:t>Notepad++ </a:t>
-            </a:r>
-            <a:r>
-              <a:rPr lang="en-GB" altLang="zh-CN" sz="1800" dirty="0" smtClean="0">
-                <a:solidFill>
-                  <a:srgbClr val="000000"/>
-                </a:solidFill>
-                <a:latin typeface="Times New Roman" pitchFamily="18" charset="0"/>
-                <a:cs typeface="Times New Roman" pitchFamily="18" charset="0"/>
-              </a:rPr>
-              <a:t>available online </a:t>
-            </a:r>
-            <a:r>
-              <a:rPr lang="en-GB" altLang="zh-CN" sz="1800" dirty="0">
-                <a:solidFill>
-                  <a:srgbClr val="000000"/>
-                </a:solidFill>
-                <a:latin typeface="Times New Roman" pitchFamily="18" charset="0"/>
-                <a:cs typeface="Times New Roman" pitchFamily="18" charset="0"/>
-              </a:rPr>
-              <a:t>at    </a:t>
-            </a:r>
-            <a:r>
-              <a:rPr lang="en-GB" altLang="zh-CN" sz="1800" dirty="0" smtClean="0">
-                <a:solidFill>
-                  <a:srgbClr val="000000"/>
-                </a:solidFill>
-                <a:latin typeface="Times New Roman" pitchFamily="18" charset="0"/>
-                <a:cs typeface="Times New Roman" pitchFamily="18" charset="0"/>
-              </a:rPr>
-              <a:t>http</a:t>
-            </a:r>
-            <a:r>
-              <a:rPr lang="en-GB" altLang="zh-CN" sz="1800" dirty="0">
-                <a:solidFill>
-                  <a:srgbClr val="000000"/>
-                </a:solidFill>
-                <a:latin typeface="Times New Roman" pitchFamily="18" charset="0"/>
-                <a:cs typeface="Times New Roman" pitchFamily="18" charset="0"/>
-              </a:rPr>
-              <a:t>://notepad-plus-plus.org/ </a:t>
-            </a:r>
-          </a:p>
-          <a:p>
-            <a:pPr marL="447675" indent="-447675" eaLnBrk="1" hangingPunct="1">
-              <a:buClr>
-                <a:srgbClr val="C00000"/>
-              </a:buClr>
-              <a:buSzPct val="80000"/>
-              <a:buFont typeface="Wingdings" pitchFamily="2" charset="2"/>
-              <a:buChar char="Ø"/>
-              <a:tabLst>
-                <a:tab pos="93663" algn="l"/>
-              </a:tabLst>
-            </a:pPr>
-            <a:r>
-              <a:rPr lang="en-GB" altLang="zh-CN" sz="1800" dirty="0">
-                <a:solidFill>
-                  <a:srgbClr val="000000"/>
-                </a:solidFill>
-                <a:latin typeface="Times New Roman" pitchFamily="18" charset="0"/>
-                <a:cs typeface="Times New Roman" pitchFamily="18" charset="0"/>
-              </a:rPr>
-              <a:t>Sir Tim Berners-Lee Biography   </a:t>
-            </a:r>
-            <a:r>
-              <a:rPr lang="en-GB" altLang="zh-CN" sz="1800" dirty="0" smtClean="0">
-                <a:solidFill>
-                  <a:srgbClr val="000000"/>
-                </a:solidFill>
-                <a:latin typeface="Times New Roman" pitchFamily="18" charset="0"/>
-                <a:cs typeface="Times New Roman" pitchFamily="18" charset="0"/>
-              </a:rPr>
-              <a:t>http</a:t>
-            </a:r>
-            <a:r>
-              <a:rPr lang="en-GB" altLang="zh-CN" sz="1800" dirty="0">
-                <a:solidFill>
-                  <a:srgbClr val="000000"/>
-                </a:solidFill>
-                <a:latin typeface="Times New Roman" pitchFamily="18" charset="0"/>
-                <a:cs typeface="Times New Roman" pitchFamily="18" charset="0"/>
-              </a:rPr>
-              <a:t>://www.w3.org/People/Berners-Lee/</a:t>
-            </a:r>
-          </a:p>
-          <a:p>
-            <a:pPr marL="447675" indent="-447675" eaLnBrk="1" hangingPunct="1">
-              <a:buClr>
-                <a:srgbClr val="C00000"/>
-              </a:buClr>
-              <a:buSzPct val="80000"/>
-              <a:buFont typeface="Wingdings" pitchFamily="2" charset="2"/>
-              <a:buChar char="Ø"/>
-              <a:tabLst>
-                <a:tab pos="93663" algn="l"/>
-              </a:tabLst>
-            </a:pPr>
-            <a:r>
-              <a:rPr lang="en-GB" altLang="zh-CN" sz="1800" dirty="0">
-                <a:solidFill>
-                  <a:srgbClr val="000000"/>
-                </a:solidFill>
-                <a:latin typeface="Times New Roman" pitchFamily="18" charset="0"/>
-                <a:cs typeface="Times New Roman" pitchFamily="18" charset="0"/>
-              </a:rPr>
-              <a:t>W3C  http://www.w3.org/</a:t>
-            </a:r>
-          </a:p>
-          <a:p>
-            <a:pPr marL="447675" indent="-447675" eaLnBrk="1" hangingPunct="1">
-              <a:buClr>
-                <a:srgbClr val="C00000"/>
-              </a:buClr>
-              <a:buSzPct val="80000"/>
-              <a:buFont typeface="Wingdings" pitchFamily="2" charset="2"/>
-              <a:buChar char="Ø"/>
-              <a:tabLst>
-                <a:tab pos="93663" algn="l"/>
-              </a:tabLst>
-            </a:pPr>
-            <a:r>
-              <a:rPr lang="en-GB" altLang="zh-CN" sz="1800" dirty="0">
-                <a:solidFill>
-                  <a:srgbClr val="000000"/>
-                </a:solidFill>
-                <a:latin typeface="Times New Roman" pitchFamily="18" charset="0"/>
-                <a:cs typeface="Times New Roman" pitchFamily="18" charset="0"/>
-              </a:rPr>
-              <a:t>HTML5 Introduction  http://</a:t>
-            </a:r>
-            <a:r>
-              <a:rPr lang="en-GB" altLang="zh-CN" sz="1800" dirty="0" smtClean="0">
-                <a:solidFill>
-                  <a:srgbClr val="000000"/>
-                </a:solidFill>
-                <a:latin typeface="Times New Roman" pitchFamily="18" charset="0"/>
-                <a:cs typeface="Times New Roman" pitchFamily="18" charset="0"/>
-              </a:rPr>
-              <a:t>www.w3schools.com/html/html5_intro.asp</a:t>
-            </a:r>
-            <a:endParaRPr lang="en-GB" altLang="zh-CN" sz="1800" dirty="0">
-              <a:solidFill>
-                <a:srgbClr val="000000"/>
-              </a:solidFill>
-              <a:latin typeface="Times New Roman" pitchFamily="18" charset="0"/>
-              <a:cs typeface="Times New Roman" pitchFamily="18" charset="0"/>
-            </a:endParaRPr>
-          </a:p>
-          <a:p>
-            <a:pPr marL="447675" indent="-447675" eaLnBrk="1" hangingPunct="1">
-              <a:buClr>
-                <a:srgbClr val="FF0003"/>
-              </a:buClr>
-              <a:buSzPct val="80000"/>
-              <a:buFont typeface="Wingdings" pitchFamily="2" charset="2"/>
-              <a:buChar char="Ø"/>
-              <a:tabLst>
-                <a:tab pos="93663" algn="l"/>
-              </a:tabLst>
-            </a:pPr>
-            <a:endParaRPr lang="en-GB" altLang="zh-CN" sz="1800" dirty="0">
-              <a:latin typeface="Times New Roman" pitchFamily="18" charset="0"/>
-            </a:endParaRPr>
-          </a:p>
-        </p:txBody>
-      </p:sp>
-    </p:spTree>
-    <p:extLst>
-      <p:ext uri="{BB962C8B-B14F-4D97-AF65-F5344CB8AC3E}">
-        <p14:creationId xmlns:p14="http://schemas.microsoft.com/office/powerpoint/2010/main" val="954163763"/>
-      </p:ext>
-    </p:extLst>
-  </p:cSld>
-  <p:clrMapOvr>
-    <a:masterClrMapping/>
-  </p:clrMapOvr>
-  <p:timing>
-    <p:tnLst>
-      <p:par>
-        <p:cTn id="1" dur="indefinite" restart="never" nodeType="tmRoot"/>
-      </p:par>
-    </p:tnLst>
-  </p:timing>
-</p:sld>
-</file>
-
-<file path=ppt/slides/slide3.xml><?xml version="1.0" encoding="utf-8"?>
 <p:sld xmlns:a="http://schemas.openxmlformats.org/drawingml/2006/main" xmlns:r="http://schemas.openxmlformats.org/officeDocument/2006/relationships" xmlns:p="http://schemas.openxmlformats.org/presentationml/2006/main" showMasterSp="0">
   <p:cSld>
     <p:spTree>
@@ -10457,7 +9352,494 @@
 </p:sld>
 </file>
 
+<file path=ppt/slides/slide20.xml><?xml version="1.0" encoding="utf-8"?>
+<p:sld xmlns:a="http://schemas.openxmlformats.org/drawingml/2006/main" xmlns:r="http://schemas.openxmlformats.org/officeDocument/2006/relationships" xmlns:p="http://schemas.openxmlformats.org/presentationml/2006/main">
+  <p:cSld>
+    <p:spTree>
+      <p:nvGrpSpPr>
+        <p:cNvPr id="1" name=""/>
+        <p:cNvGrpSpPr/>
+        <p:nvPr/>
+      </p:nvGrpSpPr>
+      <p:grpSpPr>
+        <a:xfrm>
+          <a:off x="0" y="0"/>
+          <a:ext cx="0" cy="0"/>
+          <a:chOff x="0" y="0"/>
+          <a:chExt cx="0" cy="0"/>
+        </a:xfrm>
+      </p:grpSpPr>
+      <p:sp>
+        <p:nvSpPr>
+          <p:cNvPr id="9" name="Rectangle 2"/>
+          <p:cNvSpPr txBox="1">
+            <a:spLocks noChangeArrowheads="1"/>
+          </p:cNvSpPr>
+          <p:nvPr/>
+        </p:nvSpPr>
+        <p:spPr bwMode="auto">
+          <a:xfrm>
+            <a:off x="500063" y="260350"/>
+            <a:ext cx="8443912" cy="857250"/>
+          </a:xfrm>
+          <a:prstGeom prst="rect">
+            <a:avLst/>
+          </a:prstGeom>
+          <a:noFill/>
+          <a:ln w="9525">
+            <a:noFill/>
+            <a:miter lim="800000"/>
+            <a:headEnd/>
+            <a:tailEnd/>
+          </a:ln>
+        </p:spPr>
+        <p:txBody>
+          <a:bodyPr lIns="0" tIns="0" rIns="0" bIns="0"/>
+          <a:lstStyle/>
+          <a:p>
+            <a:pPr algn="ctr" eaLnBrk="1" hangingPunct="1">
+              <a:defRPr/>
+            </a:pPr>
+            <a:r>
+              <a:rPr lang="en-GB" sz="4400" b="1" kern="0" dirty="0" smtClean="0">
+                <a:solidFill>
+                  <a:srgbClr val="C00000"/>
+                </a:solidFill>
+                <a:latin typeface="+mj-lt"/>
+                <a:ea typeface="+mj-ea"/>
+                <a:cs typeface="+mj-cs"/>
+              </a:rPr>
+              <a:t>References</a:t>
+            </a:r>
+            <a:endParaRPr lang="en-GB" sz="4400" b="1" kern="0" dirty="0">
+              <a:solidFill>
+                <a:srgbClr val="C00000"/>
+              </a:solidFill>
+              <a:latin typeface="+mj-lt"/>
+              <a:ea typeface="+mj-ea"/>
+              <a:cs typeface="+mj-cs"/>
+            </a:endParaRPr>
+          </a:p>
+        </p:txBody>
+      </p:sp>
+      <p:sp>
+        <p:nvSpPr>
+          <p:cNvPr id="33795" name="Rectangle 3"/>
+          <p:cNvSpPr txBox="1">
+            <a:spLocks noChangeArrowheads="1"/>
+          </p:cNvSpPr>
+          <p:nvPr/>
+        </p:nvSpPr>
+        <p:spPr bwMode="auto">
+          <a:xfrm>
+            <a:off x="642938" y="1500188"/>
+            <a:ext cx="7643812" cy="4737124"/>
+          </a:xfrm>
+          <a:prstGeom prst="rect">
+            <a:avLst/>
+          </a:prstGeom>
+          <a:noFill/>
+          <a:ln w="9525">
+            <a:noFill/>
+            <a:miter lim="800000"/>
+            <a:headEnd/>
+            <a:tailEnd/>
+          </a:ln>
+        </p:spPr>
+        <p:txBody>
+          <a:bodyPr lIns="0" tIns="0" rIns="0" bIns="0"/>
+          <a:lstStyle/>
+          <a:p>
+            <a:pPr marL="447675" indent="-447675" eaLnBrk="1" hangingPunct="1">
+              <a:buClr>
+                <a:srgbClr val="C00000"/>
+              </a:buClr>
+              <a:buSzPct val="80000"/>
+              <a:buFont typeface="Wingdings" pitchFamily="2" charset="2"/>
+              <a:buChar char="Ø"/>
+              <a:tabLst>
+                <a:tab pos="93663" algn="l"/>
+              </a:tabLst>
+            </a:pPr>
+            <a:r>
+              <a:rPr lang="en-GB" altLang="zh-CN" sz="1800" dirty="0">
+                <a:solidFill>
+                  <a:srgbClr val="000000"/>
+                </a:solidFill>
+                <a:latin typeface="Times New Roman" pitchFamily="18" charset="0"/>
+                <a:cs typeface="Times New Roman" pitchFamily="18" charset="0"/>
+              </a:rPr>
+              <a:t>Notepad++ </a:t>
+            </a:r>
+            <a:r>
+              <a:rPr lang="en-GB" altLang="zh-CN" sz="1800" dirty="0" smtClean="0">
+                <a:solidFill>
+                  <a:srgbClr val="000000"/>
+                </a:solidFill>
+                <a:latin typeface="Times New Roman" pitchFamily="18" charset="0"/>
+                <a:cs typeface="Times New Roman" pitchFamily="18" charset="0"/>
+              </a:rPr>
+              <a:t>available online </a:t>
+            </a:r>
+            <a:r>
+              <a:rPr lang="en-GB" altLang="zh-CN" sz="1800" dirty="0">
+                <a:solidFill>
+                  <a:srgbClr val="000000"/>
+                </a:solidFill>
+                <a:latin typeface="Times New Roman" pitchFamily="18" charset="0"/>
+                <a:cs typeface="Times New Roman" pitchFamily="18" charset="0"/>
+              </a:rPr>
+              <a:t>at    </a:t>
+            </a:r>
+            <a:r>
+              <a:rPr lang="en-GB" altLang="zh-CN" sz="1800" dirty="0" smtClean="0">
+                <a:solidFill>
+                  <a:srgbClr val="000000"/>
+                </a:solidFill>
+                <a:latin typeface="Times New Roman" pitchFamily="18" charset="0"/>
+                <a:cs typeface="Times New Roman" pitchFamily="18" charset="0"/>
+              </a:rPr>
+              <a:t>http</a:t>
+            </a:r>
+            <a:r>
+              <a:rPr lang="en-GB" altLang="zh-CN" sz="1800" dirty="0">
+                <a:solidFill>
+                  <a:srgbClr val="000000"/>
+                </a:solidFill>
+                <a:latin typeface="Times New Roman" pitchFamily="18" charset="0"/>
+                <a:cs typeface="Times New Roman" pitchFamily="18" charset="0"/>
+              </a:rPr>
+              <a:t>://notepad-plus-plus.org/ </a:t>
+            </a:r>
+          </a:p>
+          <a:p>
+            <a:pPr marL="447675" indent="-447675" eaLnBrk="1" hangingPunct="1">
+              <a:buClr>
+                <a:srgbClr val="C00000"/>
+              </a:buClr>
+              <a:buSzPct val="80000"/>
+              <a:buFont typeface="Wingdings" pitchFamily="2" charset="2"/>
+              <a:buChar char="Ø"/>
+              <a:tabLst>
+                <a:tab pos="93663" algn="l"/>
+              </a:tabLst>
+            </a:pPr>
+            <a:r>
+              <a:rPr lang="en-GB" altLang="zh-CN" sz="1800" dirty="0">
+                <a:solidFill>
+                  <a:srgbClr val="000000"/>
+                </a:solidFill>
+                <a:latin typeface="Times New Roman" pitchFamily="18" charset="0"/>
+                <a:cs typeface="Times New Roman" pitchFamily="18" charset="0"/>
+              </a:rPr>
+              <a:t>Sir Tim Berners-Lee Biography   </a:t>
+            </a:r>
+            <a:r>
+              <a:rPr lang="en-GB" altLang="zh-CN" sz="1800" dirty="0" smtClean="0">
+                <a:solidFill>
+                  <a:srgbClr val="000000"/>
+                </a:solidFill>
+                <a:latin typeface="Times New Roman" pitchFamily="18" charset="0"/>
+                <a:cs typeface="Times New Roman" pitchFamily="18" charset="0"/>
+              </a:rPr>
+              <a:t>http</a:t>
+            </a:r>
+            <a:r>
+              <a:rPr lang="en-GB" altLang="zh-CN" sz="1800" dirty="0">
+                <a:solidFill>
+                  <a:srgbClr val="000000"/>
+                </a:solidFill>
+                <a:latin typeface="Times New Roman" pitchFamily="18" charset="0"/>
+                <a:cs typeface="Times New Roman" pitchFamily="18" charset="0"/>
+              </a:rPr>
+              <a:t>://www.w3.org/People/Berners-Lee/</a:t>
+            </a:r>
+          </a:p>
+          <a:p>
+            <a:pPr marL="447675" indent="-447675" eaLnBrk="1" hangingPunct="1">
+              <a:buClr>
+                <a:srgbClr val="C00000"/>
+              </a:buClr>
+              <a:buSzPct val="80000"/>
+              <a:buFont typeface="Wingdings" pitchFamily="2" charset="2"/>
+              <a:buChar char="Ø"/>
+              <a:tabLst>
+                <a:tab pos="93663" algn="l"/>
+              </a:tabLst>
+            </a:pPr>
+            <a:r>
+              <a:rPr lang="en-GB" altLang="zh-CN" sz="1800" dirty="0">
+                <a:solidFill>
+                  <a:srgbClr val="000000"/>
+                </a:solidFill>
+                <a:latin typeface="Times New Roman" pitchFamily="18" charset="0"/>
+                <a:cs typeface="Times New Roman" pitchFamily="18" charset="0"/>
+              </a:rPr>
+              <a:t>W3C  http://www.w3.org/</a:t>
+            </a:r>
+          </a:p>
+          <a:p>
+            <a:pPr marL="447675" indent="-447675" eaLnBrk="1" hangingPunct="1">
+              <a:buClr>
+                <a:srgbClr val="C00000"/>
+              </a:buClr>
+              <a:buSzPct val="80000"/>
+              <a:buFont typeface="Wingdings" pitchFamily="2" charset="2"/>
+              <a:buChar char="Ø"/>
+              <a:tabLst>
+                <a:tab pos="93663" algn="l"/>
+              </a:tabLst>
+            </a:pPr>
+            <a:r>
+              <a:rPr lang="en-GB" altLang="zh-CN" sz="1800" dirty="0">
+                <a:solidFill>
+                  <a:srgbClr val="000000"/>
+                </a:solidFill>
+                <a:latin typeface="Times New Roman" pitchFamily="18" charset="0"/>
+                <a:cs typeface="Times New Roman" pitchFamily="18" charset="0"/>
+              </a:rPr>
+              <a:t>HTML5 Introduction  http://</a:t>
+            </a:r>
+            <a:r>
+              <a:rPr lang="en-GB" altLang="zh-CN" sz="1800" dirty="0" smtClean="0">
+                <a:solidFill>
+                  <a:srgbClr val="000000"/>
+                </a:solidFill>
+                <a:latin typeface="Times New Roman" pitchFamily="18" charset="0"/>
+                <a:cs typeface="Times New Roman" pitchFamily="18" charset="0"/>
+              </a:rPr>
+              <a:t>www.w3schools.com/html/html5_intro.asp</a:t>
+            </a:r>
+            <a:endParaRPr lang="en-GB" altLang="zh-CN" sz="1800" dirty="0">
+              <a:solidFill>
+                <a:srgbClr val="000000"/>
+              </a:solidFill>
+              <a:latin typeface="Times New Roman" pitchFamily="18" charset="0"/>
+              <a:cs typeface="Times New Roman" pitchFamily="18" charset="0"/>
+            </a:endParaRPr>
+          </a:p>
+          <a:p>
+            <a:pPr marL="447675" indent="-447675" eaLnBrk="1" hangingPunct="1">
+              <a:buClr>
+                <a:srgbClr val="FF0003"/>
+              </a:buClr>
+              <a:buSzPct val="80000"/>
+              <a:buFont typeface="Wingdings" pitchFamily="2" charset="2"/>
+              <a:buChar char="Ø"/>
+              <a:tabLst>
+                <a:tab pos="93663" algn="l"/>
+              </a:tabLst>
+            </a:pPr>
+            <a:endParaRPr lang="en-GB" altLang="zh-CN" sz="1800" dirty="0">
+              <a:latin typeface="Times New Roman" pitchFamily="18" charset="0"/>
+            </a:endParaRPr>
+          </a:p>
+        </p:txBody>
+      </p:sp>
+    </p:spTree>
+    <p:extLst>
+      <p:ext uri="{BB962C8B-B14F-4D97-AF65-F5344CB8AC3E}">
+        <p14:creationId xmlns:p14="http://schemas.microsoft.com/office/powerpoint/2010/main" val="954163763"/>
+      </p:ext>
+    </p:extLst>
+  </p:cSld>
+  <p:clrMapOvr>
+    <a:masterClrMapping/>
+  </p:clrMapOvr>
+  <p:timing>
+    <p:tnLst>
+      <p:par>
+        <p:cTn id="1" dur="indefinite" restart="never" nodeType="tmRoot"/>
+      </p:par>
+    </p:tnLst>
+  </p:timing>
+</p:sld>
+</file>
+
+<file path=ppt/slides/slide3.xml><?xml version="1.0" encoding="utf-8"?>
+<p:sld xmlns:a="http://schemas.openxmlformats.org/drawingml/2006/main" xmlns:r="http://schemas.openxmlformats.org/officeDocument/2006/relationships" xmlns:p="http://schemas.openxmlformats.org/presentationml/2006/main">
+  <p:cSld>
+    <p:spTree>
+      <p:nvGrpSpPr>
+        <p:cNvPr id="1" name=""/>
+        <p:cNvGrpSpPr/>
+        <p:nvPr/>
+      </p:nvGrpSpPr>
+      <p:grpSpPr>
+        <a:xfrm>
+          <a:off x="0" y="0"/>
+          <a:ext cx="0" cy="0"/>
+          <a:chOff x="0" y="0"/>
+          <a:chExt cx="0" cy="0"/>
+        </a:xfrm>
+      </p:grpSpPr>
+      <p:sp>
+        <p:nvSpPr>
+          <p:cNvPr id="2" name="Title 1"/>
+          <p:cNvSpPr>
+            <a:spLocks noGrp="1"/>
+          </p:cNvSpPr>
+          <p:nvPr>
+            <p:ph type="title"/>
+          </p:nvPr>
+        </p:nvSpPr>
+        <p:spPr/>
+        <p:txBody>
+          <a:bodyPr/>
+          <a:lstStyle/>
+          <a:p>
+            <a:r>
+              <a:rPr lang="en-US" dirty="0" smtClean="0"/>
+              <a:t>University Differs From School </a:t>
+            </a:r>
+            <a:endParaRPr lang="en-US" dirty="0"/>
+          </a:p>
+        </p:txBody>
+      </p:sp>
+      <p:sp>
+        <p:nvSpPr>
+          <p:cNvPr id="3" name="Content Placeholder 2"/>
+          <p:cNvSpPr>
+            <a:spLocks noGrp="1"/>
+          </p:cNvSpPr>
+          <p:nvPr>
+            <p:ph idx="1"/>
+          </p:nvPr>
+        </p:nvSpPr>
+        <p:spPr/>
+        <p:txBody>
+          <a:bodyPr/>
+          <a:lstStyle/>
+          <a:p>
+            <a:r>
+              <a:rPr lang="en-US" dirty="0" smtClean="0"/>
+              <a:t>Try and find a productivity system that works for you!</a:t>
+            </a:r>
+          </a:p>
+          <a:p>
+            <a:endParaRPr lang="en-US" dirty="0"/>
+          </a:p>
+          <a:p>
+            <a:r>
+              <a:rPr lang="en-US" dirty="0" smtClean="0"/>
+              <a:t>I’ve had great success with the </a:t>
+            </a:r>
+            <a:r>
+              <a:rPr lang="en-US" dirty="0" err="1" smtClean="0"/>
+              <a:t>Pompodoro</a:t>
+            </a:r>
+            <a:r>
+              <a:rPr lang="en-US" dirty="0" smtClean="0"/>
+              <a:t> Technic!</a:t>
+            </a:r>
+            <a:endParaRPr lang="en-US" dirty="0"/>
+          </a:p>
+          <a:p>
+            <a:pPr marL="0" indent="0">
+              <a:buNone/>
+            </a:pPr>
+            <a:endParaRPr lang="en-US" dirty="0" smtClean="0"/>
+          </a:p>
+          <a:p>
+            <a:pPr marL="0" indent="0">
+              <a:buNone/>
+            </a:pPr>
+            <a:endParaRPr lang="en-US" dirty="0"/>
+          </a:p>
+        </p:txBody>
+      </p:sp>
+      <p:pic>
+        <p:nvPicPr>
+          <p:cNvPr id="4" name="Picture 3"/>
+          <p:cNvPicPr>
+            <a:picLocks noChangeAspect="1"/>
+          </p:cNvPicPr>
+          <p:nvPr/>
+        </p:nvPicPr>
+        <p:blipFill>
+          <a:blip r:embed="rId2"/>
+          <a:stretch>
+            <a:fillRect/>
+          </a:stretch>
+        </p:blipFill>
+        <p:spPr>
+          <a:xfrm>
+            <a:off x="3203848" y="2780928"/>
+            <a:ext cx="1656184" cy="1656184"/>
+          </a:xfrm>
+          <a:prstGeom prst="rect">
+            <a:avLst/>
+          </a:prstGeom>
+        </p:spPr>
+      </p:pic>
+    </p:spTree>
+    <p:extLst>
+      <p:ext uri="{BB962C8B-B14F-4D97-AF65-F5344CB8AC3E}">
+        <p14:creationId xmlns:p14="http://schemas.microsoft.com/office/powerpoint/2010/main" val="853828047"/>
+      </p:ext>
+    </p:extLst>
+  </p:cSld>
+  <p:clrMapOvr>
+    <a:masterClrMapping/>
+  </p:clrMapOvr>
+</p:sld>
+</file>
+
 <file path=ppt/slides/slide4.xml><?xml version="1.0" encoding="utf-8"?>
+<p:sld xmlns:a="http://schemas.openxmlformats.org/drawingml/2006/main" xmlns:r="http://schemas.openxmlformats.org/officeDocument/2006/relationships" xmlns:p="http://schemas.openxmlformats.org/presentationml/2006/main">
+  <p:cSld>
+    <p:spTree>
+      <p:nvGrpSpPr>
+        <p:cNvPr id="1" name=""/>
+        <p:cNvGrpSpPr/>
+        <p:nvPr/>
+      </p:nvGrpSpPr>
+      <p:grpSpPr>
+        <a:xfrm>
+          <a:off x="0" y="0"/>
+          <a:ext cx="0" cy="0"/>
+          <a:chOff x="0" y="0"/>
+          <a:chExt cx="0" cy="0"/>
+        </a:xfrm>
+      </p:grpSpPr>
+      <p:pic>
+        <p:nvPicPr>
+          <p:cNvPr id="4" name="Picture 3"/>
+          <p:cNvPicPr>
+            <a:picLocks noChangeAspect="1"/>
+          </p:cNvPicPr>
+          <p:nvPr/>
+        </p:nvPicPr>
+        <p:blipFill>
+          <a:blip r:embed="rId2"/>
+          <a:stretch>
+            <a:fillRect/>
+          </a:stretch>
+        </p:blipFill>
+        <p:spPr>
+          <a:xfrm>
+            <a:off x="1979712" y="116632"/>
+            <a:ext cx="5733256" cy="5876546"/>
+          </a:xfrm>
+          <a:prstGeom prst="rect">
+            <a:avLst/>
+          </a:prstGeom>
+        </p:spPr>
+      </p:pic>
+    </p:spTree>
+    <p:extLst>
+      <p:ext uri="{BB962C8B-B14F-4D97-AF65-F5344CB8AC3E}">
+        <p14:creationId xmlns:p14="http://schemas.microsoft.com/office/powerpoint/2010/main" val="397354091"/>
+      </p:ext>
+    </p:extLst>
+  </p:cSld>
+  <p:clrMapOvr>
+    <a:masterClrMapping/>
+  </p:clrMapOvr>
+</p:sld>
+</file>
+
+<file path=ppt/slides/slide5.xml><?xml version="1.0" encoding="utf-8"?>
 <p:sld xmlns:a="http://schemas.openxmlformats.org/drawingml/2006/main" xmlns:r="http://schemas.openxmlformats.org/officeDocument/2006/relationships" xmlns:p="http://schemas.openxmlformats.org/presentationml/2006/main">
   <p:cSld>
     <p:spTree>
@@ -10672,7 +10054,7 @@
 </p:sld>
 </file>
 
-<file path=ppt/slides/slide5.xml><?xml version="1.0" encoding="utf-8"?>
+<file path=ppt/slides/slide6.xml><?xml version="1.0" encoding="utf-8"?>
 <p:sld xmlns:a="http://schemas.openxmlformats.org/drawingml/2006/main" xmlns:r="http://schemas.openxmlformats.org/officeDocument/2006/relationships" xmlns:p="http://schemas.openxmlformats.org/presentationml/2006/main" showMasterSp="0">
   <p:cSld>
     <p:spTree>
@@ -10967,7 +10349,184 @@
 </p:sld>
 </file>
 
-<file path=ppt/slides/slide6.xml><?xml version="1.0" encoding="utf-8"?>
+<file path=ppt/slides/slide7.xml><?xml version="1.0" encoding="utf-8"?>
+<p:sld xmlns:a="http://schemas.openxmlformats.org/drawingml/2006/main" xmlns:r="http://schemas.openxmlformats.org/officeDocument/2006/relationships" xmlns:p="http://schemas.openxmlformats.org/presentationml/2006/main">
+  <p:cSld>
+    <p:spTree>
+      <p:nvGrpSpPr>
+        <p:cNvPr id="1" name=""/>
+        <p:cNvGrpSpPr/>
+        <p:nvPr/>
+      </p:nvGrpSpPr>
+      <p:grpSpPr>
+        <a:xfrm>
+          <a:off x="0" y="0"/>
+          <a:ext cx="0" cy="0"/>
+          <a:chOff x="0" y="0"/>
+          <a:chExt cx="0" cy="0"/>
+        </a:xfrm>
+      </p:grpSpPr>
+      <p:sp>
+        <p:nvSpPr>
+          <p:cNvPr id="2" name="Title 1"/>
+          <p:cNvSpPr>
+            <a:spLocks noGrp="1"/>
+          </p:cNvSpPr>
+          <p:nvPr>
+            <p:ph type="title"/>
+          </p:nvPr>
+        </p:nvSpPr>
+        <p:spPr/>
+        <p:txBody>
+          <a:bodyPr/>
+          <a:lstStyle/>
+          <a:p>
+            <a:r>
+              <a:rPr lang="en-US" sz="4400" dirty="0" smtClean="0"/>
+              <a:t>You’ll Learn </a:t>
+            </a:r>
+            <a:endParaRPr lang="en-US" sz="4400" dirty="0"/>
+          </a:p>
+        </p:txBody>
+      </p:sp>
+      <p:sp>
+        <p:nvSpPr>
+          <p:cNvPr id="4" name="Content Placeholder 3"/>
+          <p:cNvSpPr>
+            <a:spLocks noGrp="1"/>
+          </p:cNvSpPr>
+          <p:nvPr>
+            <p:ph idx="1"/>
+          </p:nvPr>
+        </p:nvSpPr>
+        <p:spPr/>
+        <p:txBody>
+          <a:bodyPr/>
+          <a:lstStyle/>
+          <a:p>
+            <a:r>
+              <a:rPr lang="en-US" dirty="0" smtClean="0"/>
+              <a:t>How To Make Websites Using HTML and CSS</a:t>
+            </a:r>
+          </a:p>
+          <a:p>
+            <a:r>
+              <a:rPr lang="en-US" dirty="0" smtClean="0"/>
+              <a:t>A little bit of legislation </a:t>
+            </a:r>
+          </a:p>
+          <a:p>
+            <a:r>
+              <a:rPr lang="en-US" dirty="0" smtClean="0"/>
+              <a:t>A little bit of SEO and Marketing </a:t>
+            </a:r>
+          </a:p>
+          <a:p>
+            <a:pPr marL="0" indent="0">
+              <a:buNone/>
+            </a:pPr>
+            <a:endParaRPr lang="en-US" dirty="0"/>
+          </a:p>
+        </p:txBody>
+      </p:sp>
+      <p:pic>
+        <p:nvPicPr>
+          <p:cNvPr id="5" name="Picture 4"/>
+          <p:cNvPicPr>
+            <a:picLocks noChangeAspect="1"/>
+          </p:cNvPicPr>
+          <p:nvPr/>
+        </p:nvPicPr>
+        <p:blipFill>
+          <a:blip r:embed="rId2"/>
+          <a:stretch>
+            <a:fillRect/>
+          </a:stretch>
+        </p:blipFill>
+        <p:spPr>
+          <a:xfrm>
+            <a:off x="323528" y="2708920"/>
+            <a:ext cx="3251200" cy="2501900"/>
+          </a:xfrm>
+          <a:prstGeom prst="rect">
+            <a:avLst/>
+          </a:prstGeom>
+        </p:spPr>
+      </p:pic>
+      <p:pic>
+        <p:nvPicPr>
+          <p:cNvPr id="6" name="Picture 5"/>
+          <p:cNvPicPr>
+            <a:picLocks noChangeAspect="1"/>
+          </p:cNvPicPr>
+          <p:nvPr/>
+        </p:nvPicPr>
+        <p:blipFill>
+          <a:blip r:embed="rId3">
+            <a:extLst>
+              <a:ext uri="{28A0092B-C50C-407E-A947-70E740481C1C}">
+                <a14:useLocalDpi xmlns:a14="http://schemas.microsoft.com/office/drawing/2010/main" val="0"/>
+              </a:ext>
+            </a:extLst>
+          </a:blip>
+          <a:stretch>
+            <a:fillRect/>
+          </a:stretch>
+        </p:blipFill>
+        <p:spPr>
+          <a:xfrm>
+            <a:off x="3722145" y="2497956"/>
+            <a:ext cx="5386359" cy="3264296"/>
+          </a:xfrm>
+          <a:prstGeom prst="rect">
+            <a:avLst/>
+          </a:prstGeom>
+        </p:spPr>
+      </p:pic>
+      <p:sp>
+        <p:nvSpPr>
+          <p:cNvPr id="7" name="TextBox 6"/>
+          <p:cNvSpPr txBox="1"/>
+          <p:nvPr/>
+        </p:nvSpPr>
+        <p:spPr>
+          <a:xfrm>
+            <a:off x="6086142" y="5762252"/>
+            <a:ext cx="2135521" cy="461665"/>
+          </a:xfrm>
+          <a:prstGeom prst="rect">
+            <a:avLst/>
+          </a:prstGeom>
+          <a:noFill/>
+        </p:spPr>
+        <p:txBody>
+          <a:bodyPr wrap="none" rtlCol="0">
+            <a:spAutoFit/>
+          </a:bodyPr>
+          <a:lstStyle/>
+          <a:p>
+            <a:r>
+              <a:rPr lang="en-US" smtClean="0"/>
+              <a:t>Buzzfeed.com</a:t>
+            </a:r>
+            <a:endParaRPr lang="en-US" dirty="0"/>
+          </a:p>
+        </p:txBody>
+      </p:sp>
+    </p:spTree>
+    <p:extLst>
+      <p:ext uri="{BB962C8B-B14F-4D97-AF65-F5344CB8AC3E}">
+        <p14:creationId xmlns:p14="http://schemas.microsoft.com/office/powerpoint/2010/main" val="1048618370"/>
+      </p:ext>
+    </p:extLst>
+  </p:cSld>
+  <p:clrMapOvr>
+    <a:masterClrMapping/>
+  </p:clrMapOvr>
+</p:sld>
+</file>
+
+<file path=ppt/slides/slide8.xml><?xml version="1.0" encoding="utf-8"?>
 <p:sld xmlns:a="http://schemas.openxmlformats.org/drawingml/2006/main" xmlns:r="http://schemas.openxmlformats.org/officeDocument/2006/relationships" xmlns:p="http://schemas.openxmlformats.org/presentationml/2006/main" showMasterSp="0">
   <p:cSld>
     <p:spTree>
@@ -10986,7 +10545,7 @@
       </p:grpSpPr>
       <p:sp>
         <p:nvSpPr>
-          <p:cNvPr id="5122" name="Rectangle 2"/>
+          <p:cNvPr id="9218" name="Rectangle 2"/>
           <p:cNvSpPr txBox="1">
             <a:spLocks noChangeArrowheads="1"/>
           </p:cNvSpPr>
@@ -11020,7 +10579,7 @@
                 </a:solidFill>
                 <a:latin typeface="Trebuchet MS" pitchFamily="34" charset="0"/>
               </a:rPr>
-              <a:t>Why This Unit Is Exciting </a:t>
+              <a:t>Unit Commitments </a:t>
             </a:r>
             <a:endParaRPr lang="en-GB" sz="2800" b="1" dirty="0">
               <a:solidFill>
@@ -11033,7 +10592,7 @@
       </p:sp>
       <p:sp>
         <p:nvSpPr>
-          <p:cNvPr id="5123" name="Rectangle 3"/>
+          <p:cNvPr id="3075" name="Rectangle 3"/>
           <p:cNvSpPr txBox="1">
             <a:spLocks noChangeArrowheads="1"/>
           </p:cNvSpPr>
@@ -11041,306 +10600,274 @@
         </p:nvSpPr>
         <p:spPr bwMode="auto">
           <a:xfrm>
-            <a:off x="395288" y="1343025"/>
-            <a:ext cx="8605868" cy="5399088"/>
+            <a:off x="467867" y="1355056"/>
+            <a:ext cx="8642350" cy="5472112"/>
           </a:xfrm>
           <a:prstGeom prst="rect">
             <a:avLst/>
           </a:prstGeom>
           <a:noFill/>
-          <a:ln w="9525">
+          <a:ln>
             <a:noFill/>
-            <a:miter lim="800000"/>
-            <a:headEnd/>
-            <a:tailEnd/>
           </a:ln>
+          <a:extLst>
+            <a:ext uri="{909E8E84-426E-40dd-AFC4-6F175D3DCCD1}">
+              <a14:hiddenFill xmlns:a14="http://schemas.microsoft.com/office/drawing/2010/main" xmlns="">
+                <a:solidFill>
+                  <a:srgbClr val="FFFFFF"/>
+                </a:solidFill>
+              </a14:hiddenFill>
+            </a:ext>
+            <a:ext uri="{91240B29-F687-4f45-9708-019B960494DF}">
+              <a14:hiddenLine xmlns:a14="http://schemas.microsoft.com/office/drawing/2010/main" xmlns="" w="9525">
+                <a:solidFill>
+                  <a:srgbClr val="000000"/>
+                </a:solidFill>
+                <a:miter lim="800000"/>
+                <a:headEnd/>
+                <a:tailEnd/>
+              </a14:hiddenLine>
+            </a:ext>
+          </a:extLst>
         </p:spPr>
         <p:txBody>
           <a:bodyPr lIns="0" tIns="0" rIns="0" bIns="0"/>
-          <a:lstStyle/>
-          <a:p>
-            <a:pPr marL="266700" indent="-266700" eaLnBrk="1" hangingPunct="1">
+          <a:lstStyle>
+            <a:lvl1pPr marL="361950" indent="-361950">
+              <a:tabLst>
+                <a:tab pos="93663" algn="l"/>
+              </a:tabLst>
+              <a:defRPr sz="2400">
+                <a:solidFill>
+                  <a:schemeClr val="tx1"/>
+                </a:solidFill>
+                <a:latin typeface="Arial" charset="0"/>
+                <a:ea typeface="MS PGothic" pitchFamily="34" charset="-128"/>
+              </a:defRPr>
+            </a:lvl1pPr>
+            <a:lvl2pPr marL="742950" indent="-285750">
+              <a:tabLst>
+                <a:tab pos="93663" algn="l"/>
+              </a:tabLst>
+              <a:defRPr sz="2400">
+                <a:solidFill>
+                  <a:schemeClr val="tx1"/>
+                </a:solidFill>
+                <a:latin typeface="Arial" charset="0"/>
+                <a:ea typeface="MS PGothic" pitchFamily="34" charset="-128"/>
+              </a:defRPr>
+            </a:lvl2pPr>
+            <a:lvl3pPr marL="982663" indent="-354013">
+              <a:tabLst>
+                <a:tab pos="93663" algn="l"/>
+              </a:tabLst>
+              <a:defRPr sz="2400">
+                <a:solidFill>
+                  <a:schemeClr val="tx1"/>
+                </a:solidFill>
+                <a:latin typeface="Arial" charset="0"/>
+                <a:ea typeface="MS PGothic" pitchFamily="34" charset="-128"/>
+              </a:defRPr>
+            </a:lvl3pPr>
+            <a:lvl4pPr marL="1600200" indent="-228600">
+              <a:tabLst>
+                <a:tab pos="93663" algn="l"/>
+              </a:tabLst>
+              <a:defRPr sz="2400">
+                <a:solidFill>
+                  <a:schemeClr val="tx1"/>
+                </a:solidFill>
+                <a:latin typeface="Arial" charset="0"/>
+                <a:ea typeface="MS PGothic" pitchFamily="34" charset="-128"/>
+              </a:defRPr>
+            </a:lvl4pPr>
+            <a:lvl5pPr marL="2057400" indent="-228600">
+              <a:tabLst>
+                <a:tab pos="93663" algn="l"/>
+              </a:tabLst>
+              <a:defRPr sz="2400">
+                <a:solidFill>
+                  <a:schemeClr val="tx1"/>
+                </a:solidFill>
+                <a:latin typeface="Arial" charset="0"/>
+                <a:ea typeface="MS PGothic" pitchFamily="34" charset="-128"/>
+              </a:defRPr>
+            </a:lvl5pPr>
+            <a:lvl6pPr marL="2514600" indent="-228600" eaLnBrk="0" fontAlgn="base" hangingPunct="0">
               <a:spcBef>
-                <a:spcPts val="1200"/>
+                <a:spcPct val="0"/>
               </a:spcBef>
+              <a:spcAft>
+                <a:spcPct val="0"/>
+              </a:spcAft>
+              <a:tabLst>
+                <a:tab pos="93663" algn="l"/>
+              </a:tabLst>
+              <a:defRPr sz="2400">
+                <a:solidFill>
+                  <a:schemeClr val="tx1"/>
+                </a:solidFill>
+                <a:latin typeface="Arial" charset="0"/>
+                <a:ea typeface="MS PGothic" pitchFamily="34" charset="-128"/>
+              </a:defRPr>
+            </a:lvl6pPr>
+            <a:lvl7pPr marL="2971800" indent="-228600" eaLnBrk="0" fontAlgn="base" hangingPunct="0">
+              <a:spcBef>
+                <a:spcPct val="0"/>
+              </a:spcBef>
+              <a:spcAft>
+                <a:spcPct val="0"/>
+              </a:spcAft>
+              <a:tabLst>
+                <a:tab pos="93663" algn="l"/>
+              </a:tabLst>
+              <a:defRPr sz="2400">
+                <a:solidFill>
+                  <a:schemeClr val="tx1"/>
+                </a:solidFill>
+                <a:latin typeface="Arial" charset="0"/>
+                <a:ea typeface="MS PGothic" pitchFamily="34" charset="-128"/>
+              </a:defRPr>
+            </a:lvl7pPr>
+            <a:lvl8pPr marL="3429000" indent="-228600" eaLnBrk="0" fontAlgn="base" hangingPunct="0">
+              <a:spcBef>
+                <a:spcPct val="0"/>
+              </a:spcBef>
+              <a:spcAft>
+                <a:spcPct val="0"/>
+              </a:spcAft>
+              <a:tabLst>
+                <a:tab pos="93663" algn="l"/>
+              </a:tabLst>
+              <a:defRPr sz="2400">
+                <a:solidFill>
+                  <a:schemeClr val="tx1"/>
+                </a:solidFill>
+                <a:latin typeface="Arial" charset="0"/>
+                <a:ea typeface="MS PGothic" pitchFamily="34" charset="-128"/>
+              </a:defRPr>
+            </a:lvl8pPr>
+            <a:lvl9pPr marL="3886200" indent="-228600" eaLnBrk="0" fontAlgn="base" hangingPunct="0">
+              <a:spcBef>
+                <a:spcPct val="0"/>
+              </a:spcBef>
+              <a:spcAft>
+                <a:spcPct val="0"/>
+              </a:spcAft>
+              <a:tabLst>
+                <a:tab pos="93663" algn="l"/>
+              </a:tabLst>
+              <a:defRPr sz="2400">
+                <a:solidFill>
+                  <a:schemeClr val="tx1"/>
+                </a:solidFill>
+                <a:latin typeface="Arial" charset="0"/>
+                <a:ea typeface="MS PGothic" pitchFamily="34" charset="-128"/>
+              </a:defRPr>
+            </a:lvl9pPr>
+          </a:lstStyle>
+          <a:p>
+            <a:pPr marL="514350" indent="-514350" eaLnBrk="1" hangingPunct="1">
               <a:spcAft>
                 <a:spcPts val="1200"/>
               </a:spcAft>
               <a:buClr>
                 <a:srgbClr val="C00000"/>
               </a:buClr>
-              <a:buSzPct val="80000"/>
-              <a:buFont typeface="Arial" charset="0"/>
-              <a:buChar char="•"/>
-              <a:tabLst>
-                <a:tab pos="93663" algn="l"/>
-              </a:tabLst>
+              <a:buSzPct val="100000"/>
+              <a:buAutoNum type="arabicPeriod"/>
+              <a:defRPr/>
             </a:pPr>
             <a:r>
-              <a:rPr lang="en-GB" altLang="zh-CN" sz="3200" dirty="0">
+              <a:rPr lang="en-GB" altLang="zh-CN" sz="2800" b="1" dirty="0" smtClean="0">
                 <a:latin typeface="Times New Roman" pitchFamily="18" charset="0"/>
                 <a:cs typeface="Times New Roman" pitchFamily="18" charset="0"/>
               </a:rPr>
-              <a:t> </a:t>
-            </a:r>
-            <a:r>
-              <a:rPr lang="en-GB" altLang="zh-CN" sz="3200" dirty="0" smtClean="0">
-                <a:latin typeface="Times New Roman" pitchFamily="18" charset="0"/>
-                <a:cs typeface="Times New Roman" pitchFamily="18" charset="0"/>
-              </a:rPr>
-              <a:t>There’s a huge demand for the skills covered</a:t>
-            </a:r>
-          </a:p>
-          <a:p>
-            <a:pPr marL="723900" lvl="1" indent="-266700" eaLnBrk="1" hangingPunct="1">
-              <a:spcBef>
-                <a:spcPts val="1200"/>
-              </a:spcBef>
+              <a:t>A one hour lecture each week </a:t>
+            </a:r>
+          </a:p>
+          <a:p>
+            <a:pPr marL="514350" indent="-514350" eaLnBrk="1" hangingPunct="1">
               <a:spcAft>
                 <a:spcPts val="1200"/>
               </a:spcAft>
               <a:buClr>
                 <a:srgbClr val="C00000"/>
               </a:buClr>
-              <a:buSzPct val="80000"/>
-              <a:buFont typeface="Arial" charset="0"/>
-              <a:buChar char="•"/>
-              <a:tabLst>
-                <a:tab pos="93663" algn="l"/>
-              </a:tabLst>
+              <a:buSzPct val="100000"/>
+              <a:buAutoNum type="arabicPeriod"/>
+              <a:defRPr/>
             </a:pPr>
             <a:r>
-              <a:rPr lang="en-GB" altLang="zh-CN" sz="3200" dirty="0" smtClean="0">
+              <a:rPr lang="en-GB" altLang="zh-CN" sz="2800" b="1" dirty="0" smtClean="0">
                 <a:latin typeface="Times New Roman" pitchFamily="18" charset="0"/>
                 <a:cs typeface="Times New Roman" pitchFamily="18" charset="0"/>
               </a:rPr>
-              <a:t>680 million websites live on the web </a:t>
-            </a:r>
-          </a:p>
-          <a:p>
-            <a:pPr marL="723900" lvl="1" indent="-266700" eaLnBrk="1" hangingPunct="1">
-              <a:spcBef>
-                <a:spcPts val="1200"/>
-              </a:spcBef>
+              <a:t>Up to a 2 hour practical weekly </a:t>
+            </a:r>
+          </a:p>
+          <a:p>
+            <a:pPr marL="514350" indent="-514350" eaLnBrk="1" hangingPunct="1">
               <a:spcAft>
                 <a:spcPts val="1200"/>
               </a:spcAft>
               <a:buClr>
                 <a:srgbClr val="C00000"/>
               </a:buClr>
-              <a:buSzPct val="80000"/>
-              <a:buFont typeface="Arial" charset="0"/>
-              <a:buChar char="•"/>
-              <a:tabLst>
-                <a:tab pos="93663" algn="l"/>
-              </a:tabLst>
+              <a:buSzPct val="100000"/>
+              <a:buAutoNum type="arabicPeriod" startAt="3"/>
+              <a:defRPr/>
             </a:pPr>
             <a:r>
-              <a:rPr lang="en-GB" altLang="zh-CN" sz="3200" dirty="0" smtClean="0">
+              <a:rPr lang="en-GB" altLang="zh-CN" sz="2800" b="1" dirty="0" smtClean="0">
                 <a:latin typeface="Times New Roman" pitchFamily="18" charset="0"/>
                 <a:cs typeface="Times New Roman" pitchFamily="18" charset="0"/>
               </a:rPr>
-              <a:t>Thousands more being added daily</a:t>
-            </a:r>
-          </a:p>
-          <a:p>
-            <a:pPr marL="266700" indent="-266700" eaLnBrk="1" hangingPunct="1">
-              <a:spcBef>
-                <a:spcPts val="1200"/>
-              </a:spcBef>
+              <a:t>A Time Constrained Assessment</a:t>
+            </a:r>
+            <a:r>
+              <a:rPr lang="en-GB" altLang="zh-CN" sz="2800" dirty="0" smtClean="0">
+                <a:latin typeface="Times New Roman" pitchFamily="18" charset="0"/>
+                <a:cs typeface="Times New Roman" pitchFamily="18" charset="0"/>
+              </a:rPr>
+              <a:t>(100%) delivered in mid January 2017</a:t>
+            </a:r>
+            <a:r>
+              <a:rPr lang="en-GB" altLang="zh-CN" sz="2800" dirty="0" smtClean="0">
+                <a:solidFill>
+                  <a:srgbClr val="0000CC"/>
+                </a:solidFill>
+                <a:latin typeface="Times New Roman" pitchFamily="18" charset="0"/>
+                <a:cs typeface="Times New Roman" pitchFamily="18" charset="0"/>
+              </a:rPr>
+              <a:t> (date tbc)</a:t>
+            </a:r>
+          </a:p>
+          <a:p>
+            <a:pPr marL="0" indent="0" eaLnBrk="1" hangingPunct="1">
               <a:spcAft>
                 <a:spcPts val="1200"/>
               </a:spcAft>
               <a:buClr>
                 <a:srgbClr val="C00000"/>
               </a:buClr>
-              <a:buSzPct val="80000"/>
-              <a:buFont typeface="Arial" charset="0"/>
-              <a:buChar char="•"/>
-              <a:tabLst>
-                <a:tab pos="93663" algn="l"/>
-              </a:tabLst>
+              <a:buSzPct val="100000"/>
+              <a:defRPr/>
             </a:pPr>
-            <a:r>
-              <a:rPr lang="en-GB" altLang="zh-CN" sz="3200" dirty="0" smtClean="0">
-                <a:latin typeface="Times New Roman" pitchFamily="18" charset="0"/>
-                <a:cs typeface="Times New Roman" pitchFamily="18" charset="0"/>
-              </a:rPr>
-              <a:t>HTML5 is no longer static, it allows us to create feature rich stunning graphical applications </a:t>
-            </a:r>
-          </a:p>
-          <a:p>
-            <a:pPr marL="723900" lvl="1" indent="-266700" eaLnBrk="1" hangingPunct="1">
-              <a:spcBef>
-                <a:spcPts val="1200"/>
-              </a:spcBef>
-              <a:spcAft>
-                <a:spcPts val="1200"/>
-              </a:spcAft>
-              <a:buClr>
-                <a:srgbClr val="C00000"/>
-              </a:buClr>
-              <a:buSzPct val="80000"/>
-              <a:buFont typeface="Arial" charset="0"/>
-              <a:buChar char="•"/>
-              <a:tabLst>
-                <a:tab pos="93663" algn="l"/>
-              </a:tabLst>
-            </a:pPr>
-            <a:r>
-              <a:rPr lang="en-US" altLang="zh-CN" sz="3200" dirty="0" smtClean="0">
-                <a:latin typeface="Times New Roman" pitchFamily="18" charset="0"/>
-                <a:cs typeface="Times New Roman" pitchFamily="18" charset="0"/>
-                <a:hlinkClick r:id="rId3"/>
-              </a:rPr>
-              <a:t>Want to know the hostory of the world</a:t>
-            </a:r>
-          </a:p>
-          <a:p>
-            <a:pPr marL="723900" lvl="1" indent="-266700" eaLnBrk="1" hangingPunct="1">
-              <a:spcBef>
-                <a:spcPts val="1200"/>
-              </a:spcBef>
-              <a:spcAft>
-                <a:spcPts val="1200"/>
-              </a:spcAft>
-              <a:buClr>
-                <a:srgbClr val="C00000"/>
-              </a:buClr>
-              <a:buSzPct val="80000"/>
-              <a:buFont typeface="Arial" charset="0"/>
-              <a:buChar char="•"/>
-              <a:tabLst>
-                <a:tab pos="93663" algn="l"/>
-              </a:tabLst>
-            </a:pPr>
-            <a:r>
-              <a:rPr lang="en-US" altLang="zh-CN" sz="3200" dirty="0" smtClean="0">
-                <a:latin typeface="Times New Roman" pitchFamily="18" charset="0"/>
-                <a:cs typeface="Times New Roman" pitchFamily="18" charset="0"/>
-                <a:hlinkClick r:id="rId3"/>
-              </a:rPr>
-              <a:t>Amazing </a:t>
-            </a:r>
-            <a:r>
-              <a:rPr lang="en-US" altLang="zh-CN" sz="3200" dirty="0" smtClean="0">
-                <a:latin typeface="Times New Roman" pitchFamily="18" charset="0"/>
-                <a:cs typeface="Times New Roman" pitchFamily="18" charset="0"/>
-                <a:hlinkClick r:id="rId3"/>
-              </a:rPr>
-              <a:t>interactive graphics</a:t>
-            </a:r>
-            <a:endParaRPr lang="en-US" altLang="zh-CN" sz="3200" dirty="0" smtClean="0">
+            <a:endParaRPr lang="en-GB" altLang="zh-CN" sz="2800" dirty="0" smtClean="0">
+              <a:solidFill>
+                <a:srgbClr val="0000CC"/>
+              </a:solidFill>
               <a:latin typeface="Times New Roman" pitchFamily="18" charset="0"/>
               <a:cs typeface="Times New Roman" pitchFamily="18" charset="0"/>
             </a:endParaRPr>
           </a:p>
-          <a:p>
-            <a:pPr marL="723900" lvl="1" indent="-266700" eaLnBrk="1" hangingPunct="1">
-              <a:spcBef>
-                <a:spcPts val="1200"/>
-              </a:spcBef>
-              <a:spcAft>
-                <a:spcPts val="1200"/>
-              </a:spcAft>
-              <a:buClr>
-                <a:srgbClr val="C00000"/>
-              </a:buClr>
-              <a:buSzPct val="80000"/>
-              <a:buFont typeface="Arial" charset="0"/>
-              <a:buChar char="•"/>
-              <a:tabLst>
-                <a:tab pos="93663" algn="l"/>
-              </a:tabLst>
-            </a:pPr>
-            <a:r>
-              <a:rPr lang="en-US" altLang="zh-CN" sz="3200" dirty="0" smtClean="0">
-                <a:latin typeface="Times New Roman" pitchFamily="18" charset="0"/>
-                <a:cs typeface="Times New Roman" pitchFamily="18" charset="0"/>
-                <a:hlinkClick r:id="rId4"/>
-              </a:rPr>
-              <a:t>Another Example</a:t>
-            </a:r>
-            <a:endParaRPr lang="en-US" altLang="zh-CN" sz="3200" dirty="0" smtClean="0">
-              <a:latin typeface="Times New Roman" pitchFamily="18" charset="0"/>
-              <a:cs typeface="Times New Roman" pitchFamily="18" charset="0"/>
-            </a:endParaRPr>
-          </a:p>
-          <a:p>
-            <a:pPr marL="723900" lvl="1" indent="-266700" eaLnBrk="1" hangingPunct="1">
-              <a:spcBef>
-                <a:spcPts val="1200"/>
-              </a:spcBef>
-              <a:spcAft>
-                <a:spcPts val="1200"/>
-              </a:spcAft>
-              <a:buClr>
-                <a:srgbClr val="C00000"/>
-              </a:buClr>
-              <a:buSzPct val="80000"/>
-              <a:buFont typeface="Arial" charset="0"/>
-              <a:buChar char="•"/>
-              <a:tabLst>
-                <a:tab pos="93663" algn="l"/>
-              </a:tabLst>
-            </a:pPr>
-            <a:endParaRPr lang="en-US" altLang="zh-CN" sz="3200" dirty="0" smtClean="0">
-              <a:latin typeface="Times New Roman" pitchFamily="18" charset="0"/>
-              <a:cs typeface="Times New Roman" pitchFamily="18" charset="0"/>
-            </a:endParaRPr>
-          </a:p>
-          <a:p>
-            <a:pPr marL="723900" lvl="1" indent="-266700" eaLnBrk="1" hangingPunct="1">
-              <a:spcBef>
-                <a:spcPts val="1200"/>
-              </a:spcBef>
-              <a:spcAft>
-                <a:spcPts val="1200"/>
-              </a:spcAft>
-              <a:buClr>
-                <a:srgbClr val="C00000"/>
-              </a:buClr>
-              <a:buSzPct val="80000"/>
-              <a:buFont typeface="Arial" charset="0"/>
-              <a:buChar char="•"/>
-              <a:tabLst>
-                <a:tab pos="93663" algn="l"/>
-              </a:tabLst>
-            </a:pPr>
-            <a:endParaRPr lang="en-GB" altLang="zh-CN" sz="3200" dirty="0" smtClean="0">
-              <a:latin typeface="Times New Roman" pitchFamily="18" charset="0"/>
-              <a:cs typeface="Times New Roman" pitchFamily="18" charset="0"/>
-            </a:endParaRPr>
-          </a:p>
-          <a:p>
-            <a:pPr marL="723900" lvl="1" indent="-266700" eaLnBrk="1" hangingPunct="1">
-              <a:spcBef>
-                <a:spcPts val="1200"/>
-              </a:spcBef>
-              <a:spcAft>
-                <a:spcPts val="1200"/>
-              </a:spcAft>
-              <a:buClr>
-                <a:srgbClr val="C00000"/>
-              </a:buClr>
-              <a:buSzPct val="80000"/>
-              <a:buFont typeface="Arial" charset="0"/>
-              <a:buChar char="•"/>
-              <a:tabLst>
-                <a:tab pos="93663" algn="l"/>
-              </a:tabLst>
-            </a:pPr>
-            <a:endParaRPr lang="en-GB" altLang="zh-CN" sz="3200" dirty="0" smtClean="0">
-              <a:latin typeface="Times New Roman" pitchFamily="18" charset="0"/>
-              <a:cs typeface="Times New Roman" pitchFamily="18" charset="0"/>
-            </a:endParaRPr>
-          </a:p>
         </p:txBody>
       </p:sp>
     </p:spTree>
     <p:extLst>
       <p:ext uri="{BB962C8B-B14F-4D97-AF65-F5344CB8AC3E}">
-        <p14:creationId xmlns:p14="http://schemas.microsoft.com/office/powerpoint/2010/main" val="2388980174"/>
+        <p14:creationId xmlns:p14="http://schemas.microsoft.com/office/powerpoint/2010/main" val="3655507655"/>
       </p:ext>
     </p:extLst>
   </p:cSld>
@@ -11357,7 +10884,7 @@
 </p:sld>
 </file>
 
-<file path=ppt/slides/slide7.xml><?xml version="1.0" encoding="utf-8"?>
+<file path=ppt/slides/slide9.xml><?xml version="1.0" encoding="utf-8"?>
 <p:sld xmlns:a="http://schemas.openxmlformats.org/drawingml/2006/main" xmlns:r="http://schemas.openxmlformats.org/officeDocument/2006/relationships" xmlns:p="http://schemas.openxmlformats.org/presentationml/2006/main" showMasterSp="0">
   <p:cSld>
     <p:spTree>
@@ -11804,440 +11331,6 @@
               <a:solidFill>
                 <a:srgbClr val="FF0101"/>
               </a:solidFill>
-            </a:endParaRPr>
-          </a:p>
-        </p:txBody>
-      </p:sp>
-    </p:spTree>
-  </p:cSld>
-  <p:clrMapOvr>
-    <a:masterClrMapping/>
-  </p:clrMapOvr>
-  <p:timing>
-    <p:tnLst>
-      <p:par>
-        <p:cTn id="1" dur="indefinite" restart="never" nodeType="tmRoot"/>
-      </p:par>
-    </p:tnLst>
-  </p:timing>
-</p:sld>
-</file>
-
-<file path=ppt/slides/slide8.xml><?xml version="1.0" encoding="utf-8"?>
-<p:sld xmlns:a="http://schemas.openxmlformats.org/drawingml/2006/main" xmlns:r="http://schemas.openxmlformats.org/officeDocument/2006/relationships" xmlns:p="http://schemas.openxmlformats.org/presentationml/2006/main">
-  <p:cSld>
-    <p:spTree>
-      <p:nvGrpSpPr>
-        <p:cNvPr id="1" name=""/>
-        <p:cNvGrpSpPr/>
-        <p:nvPr/>
-      </p:nvGrpSpPr>
-      <p:grpSpPr>
-        <a:xfrm>
-          <a:off x="0" y="0"/>
-          <a:ext cx="0" cy="0"/>
-          <a:chOff x="0" y="0"/>
-          <a:chExt cx="0" cy="0"/>
-        </a:xfrm>
-      </p:grpSpPr>
-      <p:sp>
-        <p:nvSpPr>
-          <p:cNvPr id="9218" name="Rectangle 2"/>
-          <p:cNvSpPr txBox="1">
-            <a:spLocks noChangeArrowheads="1"/>
-          </p:cNvSpPr>
-          <p:nvPr/>
-        </p:nvSpPr>
-        <p:spPr bwMode="auto">
-          <a:xfrm>
-            <a:off x="500063" y="214313"/>
-            <a:ext cx="8443912" cy="911225"/>
-          </a:xfrm>
-          <a:prstGeom prst="rect">
-            <a:avLst/>
-          </a:prstGeom>
-          <a:noFill/>
-          <a:ln w="9525">
-            <a:noFill/>
-            <a:miter lim="800000"/>
-            <a:headEnd/>
-            <a:tailEnd/>
-          </a:ln>
-        </p:spPr>
-        <p:txBody>
-          <a:bodyPr lIns="0" tIns="0" rIns="0" bIns="0"/>
-          <a:lstStyle/>
-          <a:p>
-            <a:pPr algn="ctr" eaLnBrk="1" hangingPunct="1"/>
-            <a:r>
-              <a:rPr lang="en-GB" sz="4400" b="1" dirty="0">
-                <a:solidFill>
-                  <a:srgbClr val="C00000"/>
-                </a:solidFill>
-                <a:latin typeface="Trebuchet MS" pitchFamily="34" charset="0"/>
-              </a:rPr>
-              <a:t>Who is this Unit for?</a:t>
-            </a:r>
-            <a:endParaRPr lang="en-GB" sz="2800" b="1" dirty="0">
-              <a:solidFill>
-                <a:srgbClr val="595959"/>
-              </a:solidFill>
-              <a:latin typeface="Trebuchet MS" pitchFamily="34" charset="0"/>
-            </a:endParaRPr>
-          </a:p>
-        </p:txBody>
-      </p:sp>
-      <p:sp>
-        <p:nvSpPr>
-          <p:cNvPr id="9219" name="Rectangle 3"/>
-          <p:cNvSpPr txBox="1">
-            <a:spLocks noChangeArrowheads="1"/>
-          </p:cNvSpPr>
-          <p:nvPr/>
-        </p:nvSpPr>
-        <p:spPr bwMode="auto">
-          <a:xfrm>
-            <a:off x="395288" y="1341438"/>
-            <a:ext cx="8391525" cy="4587875"/>
-          </a:xfrm>
-          <a:prstGeom prst="rect">
-            <a:avLst/>
-          </a:prstGeom>
-          <a:noFill/>
-          <a:ln w="9525">
-            <a:noFill/>
-            <a:miter lim="800000"/>
-            <a:headEnd/>
-            <a:tailEnd/>
-          </a:ln>
-        </p:spPr>
-        <p:txBody>
-          <a:bodyPr lIns="0" tIns="0" rIns="0" bIns="0"/>
-          <a:lstStyle/>
-          <a:p>
-            <a:pPr marL="542925" indent="-542925" eaLnBrk="1" hangingPunct="1">
-              <a:spcAft>
-                <a:spcPts val="2400"/>
-              </a:spcAft>
-              <a:buClr>
-                <a:srgbClr val="C00000"/>
-              </a:buClr>
-              <a:buSzPct val="80000"/>
-              <a:buFont typeface="Wingdings" pitchFamily="2" charset="2"/>
-              <a:buChar char="ü"/>
-              <a:tabLst>
-                <a:tab pos="93663" algn="l"/>
-              </a:tabLst>
-            </a:pPr>
-            <a:r>
-              <a:rPr lang="en-GB" altLang="zh-CN" sz="4000" dirty="0">
-                <a:latin typeface="Times New Roman" pitchFamily="18" charset="0"/>
-              </a:rPr>
-              <a:t>For students who want to learn how to </a:t>
-            </a:r>
-            <a:r>
-              <a:rPr lang="en-GB" altLang="zh-CN" sz="4000" dirty="0" smtClean="0">
-                <a:latin typeface="Times New Roman" pitchFamily="18" charset="0"/>
-              </a:rPr>
-              <a:t>build HTML5 dynamic </a:t>
-            </a:r>
-            <a:r>
-              <a:rPr lang="en-GB" altLang="zh-CN" sz="4000" dirty="0">
-                <a:latin typeface="Times New Roman" pitchFamily="18" charset="0"/>
-              </a:rPr>
-              <a:t>web sites</a:t>
-            </a:r>
-          </a:p>
-          <a:p>
-            <a:pPr marL="542925" indent="-542925" eaLnBrk="1" hangingPunct="1">
-              <a:spcAft>
-                <a:spcPts val="2400"/>
-              </a:spcAft>
-              <a:buClr>
-                <a:srgbClr val="C00000"/>
-              </a:buClr>
-              <a:buSzPct val="80000"/>
-              <a:buFont typeface="Wingdings" pitchFamily="2" charset="2"/>
-              <a:buChar char="ü"/>
-              <a:tabLst>
-                <a:tab pos="93663" algn="l"/>
-              </a:tabLst>
-            </a:pPr>
-            <a:r>
-              <a:rPr lang="en-GB" altLang="zh-CN" sz="4000" dirty="0">
-                <a:latin typeface="Times New Roman" pitchFamily="18" charset="0"/>
-              </a:rPr>
-              <a:t>For students who seek a deeper understanding of the core web technologies and practices</a:t>
-            </a:r>
-          </a:p>
-          <a:p>
-            <a:pPr marL="542925" indent="-542925" eaLnBrk="1" hangingPunct="1">
-              <a:spcAft>
-                <a:spcPts val="1200"/>
-              </a:spcAft>
-              <a:buClr>
-                <a:srgbClr val="C00000"/>
-              </a:buClr>
-              <a:buSzPct val="80000"/>
-              <a:tabLst>
-                <a:tab pos="93663" algn="l"/>
-              </a:tabLst>
-            </a:pPr>
-            <a:endParaRPr lang="en-GB" altLang="zh-CN" sz="3400" dirty="0">
-              <a:latin typeface="Times New Roman" pitchFamily="18" charset="0"/>
-            </a:endParaRPr>
-          </a:p>
-          <a:p>
-            <a:pPr marL="542925" indent="-542925" eaLnBrk="1" hangingPunct="1">
-              <a:buClr>
-                <a:srgbClr val="FF0003"/>
-              </a:buClr>
-              <a:buSzPct val="80000"/>
-              <a:tabLst>
-                <a:tab pos="93663" algn="l"/>
-              </a:tabLst>
-            </a:pPr>
-            <a:endParaRPr lang="en-GB" altLang="zh-CN" sz="2600" dirty="0">
-              <a:latin typeface="Times New Roman" pitchFamily="18" charset="0"/>
-            </a:endParaRPr>
-          </a:p>
-        </p:txBody>
-      </p:sp>
-    </p:spTree>
-  </p:cSld>
-  <p:clrMapOvr>
-    <a:masterClrMapping/>
-  </p:clrMapOvr>
-  <p:timing>
-    <p:tnLst>
-      <p:par>
-        <p:cTn id="1" dur="indefinite" restart="never" nodeType="tmRoot"/>
-      </p:par>
-    </p:tnLst>
-  </p:timing>
-</p:sld>
-</file>
-
-<file path=ppt/slides/slide9.xml><?xml version="1.0" encoding="utf-8"?>
-<p:sld xmlns:a="http://schemas.openxmlformats.org/drawingml/2006/main" xmlns:r="http://schemas.openxmlformats.org/officeDocument/2006/relationships" xmlns:p="http://schemas.openxmlformats.org/presentationml/2006/main">
-  <p:cSld>
-    <p:spTree>
-      <p:nvGrpSpPr>
-        <p:cNvPr id="1" name=""/>
-        <p:cNvGrpSpPr/>
-        <p:nvPr/>
-      </p:nvGrpSpPr>
-      <p:grpSpPr>
-        <a:xfrm>
-          <a:off x="0" y="0"/>
-          <a:ext cx="0" cy="0"/>
-          <a:chOff x="0" y="0"/>
-          <a:chExt cx="0" cy="0"/>
-        </a:xfrm>
-      </p:grpSpPr>
-      <p:sp>
-        <p:nvSpPr>
-          <p:cNvPr id="11266" name="Rectangle 2"/>
-          <p:cNvSpPr txBox="1">
-            <a:spLocks noChangeArrowheads="1"/>
-          </p:cNvSpPr>
-          <p:nvPr/>
-        </p:nvSpPr>
-        <p:spPr bwMode="auto">
-          <a:xfrm>
-            <a:off x="500063" y="214313"/>
-            <a:ext cx="8443912" cy="911225"/>
-          </a:xfrm>
-          <a:prstGeom prst="rect">
-            <a:avLst/>
-          </a:prstGeom>
-          <a:noFill/>
-          <a:ln w="9525">
-            <a:noFill/>
-            <a:miter lim="800000"/>
-            <a:headEnd/>
-            <a:tailEnd/>
-          </a:ln>
-        </p:spPr>
-        <p:txBody>
-          <a:bodyPr lIns="0" tIns="0" rIns="0" bIns="0"/>
-          <a:lstStyle/>
-          <a:p>
-            <a:pPr algn="ctr" eaLnBrk="1" hangingPunct="1"/>
-            <a:r>
-              <a:rPr lang="en-GB" sz="4000" b="1">
-                <a:solidFill>
-                  <a:srgbClr val="C00000"/>
-                </a:solidFill>
-                <a:latin typeface="Trebuchet MS" pitchFamily="34" charset="0"/>
-              </a:rPr>
-              <a:t>What will you get from this Unit?</a:t>
-            </a:r>
-            <a:endParaRPr lang="en-GB" sz="4000" b="1">
-              <a:solidFill>
-                <a:srgbClr val="595959"/>
-              </a:solidFill>
-              <a:latin typeface="Trebuchet MS" pitchFamily="34" charset="0"/>
-            </a:endParaRPr>
-          </a:p>
-        </p:txBody>
-      </p:sp>
-      <p:sp>
-        <p:nvSpPr>
-          <p:cNvPr id="11267" name="Rectangle 3"/>
-          <p:cNvSpPr txBox="1">
-            <a:spLocks noChangeArrowheads="1"/>
-          </p:cNvSpPr>
-          <p:nvPr/>
-        </p:nvSpPr>
-        <p:spPr bwMode="auto">
-          <a:xfrm>
-            <a:off x="395288" y="1341438"/>
-            <a:ext cx="8391525" cy="4587875"/>
-          </a:xfrm>
-          <a:prstGeom prst="rect">
-            <a:avLst/>
-          </a:prstGeom>
-          <a:noFill/>
-          <a:ln w="9525">
-            <a:noFill/>
-            <a:miter lim="800000"/>
-            <a:headEnd/>
-            <a:tailEnd/>
-          </a:ln>
-        </p:spPr>
-        <p:txBody>
-          <a:bodyPr lIns="0" tIns="0" rIns="0" bIns="0"/>
-          <a:lstStyle/>
-          <a:p>
-            <a:pPr marL="542925" indent="-542925" eaLnBrk="1" hangingPunct="1">
-              <a:spcAft>
-                <a:spcPts val="2400"/>
-              </a:spcAft>
-              <a:buClr>
-                <a:srgbClr val="C00000"/>
-              </a:buClr>
-              <a:buSzPct val="80000"/>
-              <a:buFont typeface="Wingdings" pitchFamily="2" charset="2"/>
-              <a:buChar char="ü"/>
-              <a:tabLst>
-                <a:tab pos="93663" algn="l"/>
-              </a:tabLst>
-            </a:pPr>
-            <a:r>
-              <a:rPr lang="en-GB" altLang="zh-CN" sz="4000" dirty="0">
-                <a:solidFill>
-                  <a:srgbClr val="000000"/>
-                </a:solidFill>
-                <a:latin typeface="Times New Roman" pitchFamily="18" charset="0"/>
-              </a:rPr>
-              <a:t>The goal is to help you build </a:t>
-            </a:r>
-            <a:r>
-              <a:rPr lang="en-GB" altLang="zh-CN" sz="4000" dirty="0" smtClean="0">
-                <a:solidFill>
-                  <a:srgbClr val="000000"/>
-                </a:solidFill>
-                <a:latin typeface="Times New Roman" pitchFamily="18" charset="0"/>
-              </a:rPr>
-              <a:t>an understating of HTML5, </a:t>
-            </a:r>
-            <a:r>
-              <a:rPr lang="en-GB" altLang="zh-CN" sz="4000" dirty="0" smtClean="0">
-                <a:solidFill>
-                  <a:srgbClr val="000000"/>
-                </a:solidFill>
-                <a:latin typeface="Times New Roman" pitchFamily="18" charset="0"/>
-              </a:rPr>
-              <a:t>CSS3 Developing </a:t>
-            </a:r>
-            <a:r>
-              <a:rPr lang="en-GB" altLang="zh-CN" sz="4000" dirty="0">
-                <a:solidFill>
-                  <a:srgbClr val="000000"/>
-                </a:solidFill>
-                <a:latin typeface="Times New Roman" pitchFamily="18" charset="0"/>
-              </a:rPr>
-              <a:t>with </a:t>
-            </a:r>
-            <a:r>
-              <a:rPr lang="en-GB" altLang="zh-CN" sz="4000" i="1" dirty="0">
-                <a:solidFill>
-                  <a:srgbClr val="000000"/>
-                </a:solidFill>
-                <a:latin typeface="Times New Roman" pitchFamily="18" charset="0"/>
-              </a:rPr>
-              <a:t>Web Standards</a:t>
-            </a:r>
-            <a:r>
-              <a:rPr lang="en-GB" altLang="zh-CN" sz="4000" dirty="0" smtClean="0">
-                <a:solidFill>
-                  <a:srgbClr val="000000"/>
-                </a:solidFill>
-                <a:latin typeface="Times New Roman" pitchFamily="18" charset="0"/>
-              </a:rPr>
-              <a:t>!</a:t>
-            </a:r>
-          </a:p>
-          <a:p>
-            <a:pPr marL="542925" indent="-542925" eaLnBrk="1" hangingPunct="1">
-              <a:spcAft>
-                <a:spcPts val="2400"/>
-              </a:spcAft>
-              <a:buClr>
-                <a:srgbClr val="C00000"/>
-              </a:buClr>
-              <a:buSzPct val="80000"/>
-              <a:buFont typeface="Wingdings" pitchFamily="2" charset="2"/>
-              <a:buChar char="ü"/>
-              <a:tabLst>
-                <a:tab pos="93663" algn="l"/>
-              </a:tabLst>
-            </a:pPr>
-            <a:r>
-              <a:rPr lang="en-GB" altLang="zh-CN" sz="4000" dirty="0">
-                <a:solidFill>
-                  <a:srgbClr val="000000"/>
-                </a:solidFill>
-                <a:latin typeface="Times New Roman" pitchFamily="18" charset="0"/>
-              </a:rPr>
-              <a:t> </a:t>
-            </a:r>
-            <a:r>
-              <a:rPr lang="en-GB" altLang="zh-CN" sz="4000" dirty="0" smtClean="0">
-                <a:solidFill>
-                  <a:srgbClr val="000000"/>
-                </a:solidFill>
-                <a:latin typeface="Times New Roman" pitchFamily="18" charset="0"/>
-              </a:rPr>
-              <a:t>A passion for web development </a:t>
-            </a:r>
-            <a:r>
-              <a:rPr lang="en-US" altLang="zh-CN" sz="4000" dirty="0" smtClean="0">
-                <a:solidFill>
-                  <a:srgbClr val="000000"/>
-                </a:solidFill>
-                <a:latin typeface="Times New Roman" pitchFamily="18" charset="0"/>
-                <a:sym typeface="Wingdings"/>
-              </a:rPr>
-              <a:t></a:t>
-            </a:r>
-            <a:endParaRPr lang="en-GB" altLang="zh-CN" sz="3400" dirty="0">
-              <a:latin typeface="Times New Roman" pitchFamily="18" charset="0"/>
-            </a:endParaRPr>
-          </a:p>
-          <a:p>
-            <a:pPr marL="542925" indent="-542925" eaLnBrk="1" hangingPunct="1">
-              <a:buClr>
-                <a:srgbClr val="FF0003"/>
-              </a:buClr>
-              <a:buSzPct val="80000"/>
-              <a:tabLst>
-                <a:tab pos="93663" algn="l"/>
-              </a:tabLst>
-            </a:pPr>
-            <a:endParaRPr lang="en-GB" altLang="zh-CN" sz="2600" dirty="0">
-              <a:latin typeface="Times New Roman" pitchFamily="18" charset="0"/>
             </a:endParaRPr>
           </a:p>
         </p:txBody>
